--- a/knn ppt.pptx
+++ b/knn ppt.pptx
@@ -2,7 +2,7 @@
 <file path=ppt/presentation.xml><?xml version="1.0" encoding="utf-8"?>
 <p:presentation xmlns:a="http://schemas.openxmlformats.org/drawingml/2006/main" xmlns:r="http://schemas.openxmlformats.org/officeDocument/2006/relationships" xmlns:p="http://schemas.openxmlformats.org/presentationml/2006/main" saveSubsetFonts="1">
   <p:sldMasterIdLst>
-    <p:sldMasterId id="2147483744" r:id="rId1"/>
+    <p:sldMasterId id="2147483834" r:id="rId1"/>
   </p:sldMasterIdLst>
   <p:sldIdLst>
     <p:sldId id="256" r:id="rId2"/>
@@ -127,7 +127,7 @@
   </p:defaultTextStyle>
   <p:extLst>
     <p:ext uri="{EFAFB233-063F-42B5-8137-9DF3F51BA10A}">
-      <p15:sldGuideLst xmlns="" xmlns:p15="http://schemas.microsoft.com/office/powerpoint/2012/main">
+      <p15:sldGuideLst xmlns:p15="http://schemas.microsoft.com/office/powerpoint/2012/main">
         <p15:guide id="1" orient="horz" pos="2880">
           <p15:clr>
             <a:srgbClr val="A4A3A4"/>
@@ -149,7 +149,7 @@
   <p:cmAuthor id="1" name="student" initials="s" lastIdx="0" clrIdx="0">
     <p:extLst>
       <p:ext uri="{19B8F6BF-5375-455C-9EA6-DF929625EA0E}">
-        <p15:presenceInfo xmlns="" xmlns:p15="http://schemas.microsoft.com/office/powerpoint/2012/main" userId="student" providerId="None"/>
+        <p15:presenceInfo xmlns:p15="http://schemas.microsoft.com/office/powerpoint/2012/main" userId="student" providerId="None"/>
       </p:ext>
     </p:extLst>
   </p:cmAuthor>
@@ -157,7 +157,7 @@
 </file>
 
 <file path=ppt/slideLayouts/slideLayout1.xml><?xml version="1.0" encoding="utf-8"?>
-<p:sldLayout xmlns:a="http://schemas.openxmlformats.org/drawingml/2006/main" xmlns:r="http://schemas.openxmlformats.org/officeDocument/2006/relationships" xmlns:p="http://schemas.openxmlformats.org/presentationml/2006/main" showMasterSp="0" type="title" preserve="1">
+<p:sldLayout xmlns:a="http://schemas.openxmlformats.org/drawingml/2006/main" xmlns:r="http://schemas.openxmlformats.org/officeDocument/2006/relationships" xmlns:p="http://schemas.openxmlformats.org/presentationml/2006/main" type="title" preserve="1">
   <p:cSld name="Title Slide">
     <p:spTree>
       <p:nvGrpSpPr>
@@ -173,322 +173,15 @@
           <a:chExt cx="0" cy="0"/>
         </a:xfrm>
       </p:grpSpPr>
-      <p:grpSp>
-        <p:nvGrpSpPr>
-          <p:cNvPr id="19" name="Group 18"/>
-          <p:cNvGrpSpPr/>
-          <p:nvPr/>
-        </p:nvGrpSpPr>
-        <p:grpSpPr>
-          <a:xfrm>
-            <a:off x="409575" y="-3572"/>
-            <a:ext cx="3761184" cy="5147072"/>
-            <a:chOff x="2928938" y="-4763"/>
-            <a:chExt cx="5014912" cy="6862763"/>
-          </a:xfrm>
-        </p:grpSpPr>
-        <p:sp>
-          <p:nvSpPr>
-            <p:cNvPr id="22" name="Freeform 6"/>
-            <p:cNvSpPr/>
-            <p:nvPr/>
-          </p:nvSpPr>
-          <p:spPr bwMode="auto">
-            <a:xfrm>
-              <a:off x="3367088" y="-4763"/>
-              <a:ext cx="1063625" cy="2782888"/>
-            </a:xfrm>
-            <a:custGeom>
-              <a:avLst/>
-              <a:gdLst/>
-              <a:ahLst/>
-              <a:cxnLst/>
-              <a:rect l="0" t="0" r="r" b="b"/>
-              <a:pathLst>
-                <a:path w="670" h="1753">
-                  <a:moveTo>
-                    <a:pt x="0" y="1696"/>
-                  </a:moveTo>
-                  <a:lnTo>
-                    <a:pt x="225" y="1753"/>
-                  </a:lnTo>
-                  <a:lnTo>
-                    <a:pt x="670" y="0"/>
-                  </a:lnTo>
-                  <a:lnTo>
-                    <a:pt x="430" y="0"/>
-                  </a:lnTo>
-                  <a:lnTo>
-                    <a:pt x="0" y="1696"/>
-                  </a:lnTo>
-                  <a:close/>
-                </a:path>
-              </a:pathLst>
-            </a:custGeom>
-            <a:solidFill>
-              <a:schemeClr val="accent1"/>
-            </a:solidFill>
-            <a:ln>
-              <a:noFill/>
-            </a:ln>
-          </p:spPr>
-        </p:sp>
-        <p:sp>
-          <p:nvSpPr>
-            <p:cNvPr id="23" name="Freeform 7"/>
-            <p:cNvSpPr/>
-            <p:nvPr/>
-          </p:nvSpPr>
-          <p:spPr bwMode="auto">
-            <a:xfrm>
-              <a:off x="2928938" y="-4763"/>
-              <a:ext cx="1035050" cy="2673350"/>
-            </a:xfrm>
-            <a:custGeom>
-              <a:avLst/>
-              <a:gdLst/>
-              <a:ahLst/>
-              <a:cxnLst/>
-              <a:rect l="0" t="0" r="r" b="b"/>
-              <a:pathLst>
-                <a:path w="652" h="1684">
-                  <a:moveTo>
-                    <a:pt x="225" y="1684"/>
-                  </a:moveTo>
-                  <a:lnTo>
-                    <a:pt x="652" y="0"/>
-                  </a:lnTo>
-                  <a:lnTo>
-                    <a:pt x="411" y="0"/>
-                  </a:lnTo>
-                  <a:lnTo>
-                    <a:pt x="0" y="1627"/>
-                  </a:lnTo>
-                  <a:lnTo>
-                    <a:pt x="219" y="1681"/>
-                  </a:lnTo>
-                  <a:lnTo>
-                    <a:pt x="225" y="1684"/>
-                  </a:lnTo>
-                  <a:close/>
-                </a:path>
-              </a:pathLst>
-            </a:custGeom>
-            <a:solidFill>
-              <a:schemeClr val="tx1">
-                <a:lumMod val="65000"/>
-                <a:lumOff val="35000"/>
-              </a:schemeClr>
-            </a:solidFill>
-            <a:ln>
-              <a:noFill/>
-            </a:ln>
-          </p:spPr>
-        </p:sp>
-        <p:sp>
-          <p:nvSpPr>
-            <p:cNvPr id="24" name="Freeform 9"/>
-            <p:cNvSpPr/>
-            <p:nvPr/>
-          </p:nvSpPr>
-          <p:spPr bwMode="auto">
-            <a:xfrm>
-              <a:off x="2928938" y="2582862"/>
-              <a:ext cx="2693987" cy="4275138"/>
-            </a:xfrm>
-            <a:custGeom>
-              <a:avLst/>
-              <a:gdLst/>
-              <a:ahLst/>
-              <a:cxnLst/>
-              <a:rect l="0" t="0" r="r" b="b"/>
-              <a:pathLst>
-                <a:path w="1697" h="2693">
-                  <a:moveTo>
-                    <a:pt x="0" y="0"/>
-                  </a:moveTo>
-                  <a:lnTo>
-                    <a:pt x="1622" y="2693"/>
-                  </a:lnTo>
-                  <a:lnTo>
-                    <a:pt x="1697" y="2693"/>
-                  </a:lnTo>
-                  <a:lnTo>
-                    <a:pt x="0" y="0"/>
-                  </a:lnTo>
-                  <a:close/>
-                </a:path>
-              </a:pathLst>
-            </a:custGeom>
-            <a:solidFill>
-              <a:schemeClr val="tx1">
-                <a:lumMod val="85000"/>
-                <a:lumOff val="15000"/>
-              </a:schemeClr>
-            </a:solidFill>
-            <a:ln>
-              <a:noFill/>
-            </a:ln>
-          </p:spPr>
-        </p:sp>
-        <p:sp>
-          <p:nvSpPr>
-            <p:cNvPr id="25" name="Freeform 10"/>
-            <p:cNvSpPr/>
-            <p:nvPr/>
-          </p:nvSpPr>
-          <p:spPr bwMode="auto">
-            <a:xfrm>
-              <a:off x="3371850" y="2692400"/>
-              <a:ext cx="3332162" cy="4165600"/>
-            </a:xfrm>
-            <a:custGeom>
-              <a:avLst/>
-              <a:gdLst/>
-              <a:ahLst/>
-              <a:cxnLst/>
-              <a:rect l="0" t="0" r="r" b="b"/>
-              <a:pathLst>
-                <a:path w="2099" h="2624">
-                  <a:moveTo>
-                    <a:pt x="2099" y="2624"/>
-                  </a:moveTo>
-                  <a:lnTo>
-                    <a:pt x="0" y="0"/>
-                  </a:lnTo>
-                  <a:lnTo>
-                    <a:pt x="2021" y="2624"/>
-                  </a:lnTo>
-                  <a:lnTo>
-                    <a:pt x="2099" y="2624"/>
-                  </a:lnTo>
-                  <a:close/>
-                </a:path>
-              </a:pathLst>
-            </a:custGeom>
-            <a:solidFill>
-              <a:schemeClr val="accent1">
-                <a:lumMod val="50000"/>
-              </a:schemeClr>
-            </a:solidFill>
-            <a:ln>
-              <a:noFill/>
-            </a:ln>
-          </p:spPr>
-        </p:sp>
-        <p:sp>
-          <p:nvSpPr>
-            <p:cNvPr id="26" name="Freeform 11"/>
-            <p:cNvSpPr/>
-            <p:nvPr/>
-          </p:nvSpPr>
-          <p:spPr bwMode="auto">
-            <a:xfrm>
-              <a:off x="3367088" y="2687637"/>
-              <a:ext cx="4576762" cy="4170363"/>
-            </a:xfrm>
-            <a:custGeom>
-              <a:avLst/>
-              <a:gdLst/>
-              <a:ahLst/>
-              <a:cxnLst/>
-              <a:rect l="0" t="0" r="r" b="b"/>
-              <a:pathLst>
-                <a:path w="2883" h="2627">
-                  <a:moveTo>
-                    <a:pt x="0" y="0"/>
-                  </a:moveTo>
-                  <a:lnTo>
-                    <a:pt x="3" y="3"/>
-                  </a:lnTo>
-                  <a:lnTo>
-                    <a:pt x="2102" y="2627"/>
-                  </a:lnTo>
-                  <a:lnTo>
-                    <a:pt x="2883" y="2627"/>
-                  </a:lnTo>
-                  <a:lnTo>
-                    <a:pt x="225" y="57"/>
-                  </a:lnTo>
-                  <a:lnTo>
-                    <a:pt x="0" y="0"/>
-                  </a:lnTo>
-                  <a:close/>
-                </a:path>
-              </a:pathLst>
-            </a:custGeom>
-            <a:solidFill>
-              <a:schemeClr val="accent1">
-                <a:lumMod val="75000"/>
-              </a:schemeClr>
-            </a:solidFill>
-            <a:ln>
-              <a:noFill/>
-            </a:ln>
-          </p:spPr>
-        </p:sp>
-        <p:sp>
-          <p:nvSpPr>
-            <p:cNvPr id="27" name="Freeform 12"/>
-            <p:cNvSpPr/>
-            <p:nvPr/>
-          </p:nvSpPr>
-          <p:spPr bwMode="auto">
-            <a:xfrm>
-              <a:off x="2928938" y="2578100"/>
-              <a:ext cx="3584575" cy="4279900"/>
-            </a:xfrm>
-            <a:custGeom>
-              <a:avLst/>
-              <a:gdLst/>
-              <a:ahLst/>
-              <a:cxnLst/>
-              <a:rect l="0" t="0" r="r" b="b"/>
-              <a:pathLst>
-                <a:path w="2258" h="2696">
-                  <a:moveTo>
-                    <a:pt x="2258" y="2696"/>
-                  </a:moveTo>
-                  <a:lnTo>
-                    <a:pt x="264" y="111"/>
-                  </a:lnTo>
-                  <a:lnTo>
-                    <a:pt x="228" y="60"/>
-                  </a:lnTo>
-                  <a:lnTo>
-                    <a:pt x="225" y="57"/>
-                  </a:lnTo>
-                  <a:lnTo>
-                    <a:pt x="0" y="0"/>
-                  </a:lnTo>
-                  <a:lnTo>
-                    <a:pt x="0" y="3"/>
-                  </a:lnTo>
-                  <a:lnTo>
-                    <a:pt x="1697" y="2696"/>
-                  </a:lnTo>
-                  <a:lnTo>
-                    <a:pt x="2258" y="2696"/>
-                  </a:lnTo>
-                  <a:close/>
-                </a:path>
-              </a:pathLst>
-            </a:custGeom>
-            <a:solidFill>
-              <a:schemeClr val="tx1">
-                <a:lumMod val="75000"/>
-                <a:lumOff val="25000"/>
-              </a:schemeClr>
-            </a:solidFill>
-            <a:ln>
-              <a:noFill/>
-            </a:ln>
-          </p:spPr>
-        </p:sp>
-      </p:grpSp>
-      <p:sp>
-        <p:nvSpPr>
-          <p:cNvPr id="2" name="Title 1"/>
+      <p:sp>
+        <p:nvSpPr>
+          <p:cNvPr id="2" name="Title 1">
+            <a:extLst>
+              <a:ext uri="{FF2B5EF4-FFF2-40B4-BE49-F238E27FC236}">
+                <a16:creationId xmlns:a16="http://schemas.microsoft.com/office/drawing/2014/main" id="{7D705188-DE03-E3D0-EDBC-BA9CD556790A}"/>
+              </a:ext>
+            </a:extLst>
+          </p:cNvPr>
           <p:cNvSpPr>
             <a:spLocks noGrp="1"/>
           </p:cNvSpPr>
@@ -498,33 +191,35 @@
         </p:nvSpPr>
         <p:spPr>
           <a:xfrm>
-            <a:off x="2196301" y="1035052"/>
-            <a:ext cx="6430967" cy="1962149"/>
+            <a:off x="1143000" y="841772"/>
+            <a:ext cx="6858000" cy="1790700"/>
           </a:xfrm>
         </p:spPr>
         <p:txBody>
-          <a:bodyPr anchor="b">
-            <a:normAutofit/>
-          </a:bodyPr>
+          <a:bodyPr anchor="b"/>
           <a:lstStyle>
-            <a:lvl1pPr algn="r">
-              <a:defRPr sz="4500">
-                <a:effectLst/>
-              </a:defRPr>
+            <a:lvl1pPr algn="ctr">
+              <a:defRPr sz="4500"/>
             </a:lvl1pPr>
           </a:lstStyle>
           <a:p>
             <a:r>
-              <a:rPr lang="en-US" smtClean="0"/>
+              <a:rPr lang="en-GB"/>
               <a:t>Click to edit Master title style</a:t>
             </a:r>
-            <a:endParaRPr lang="en-US" dirty="0"/>
-          </a:p>
-        </p:txBody>
-      </p:sp>
-      <p:sp>
-        <p:nvSpPr>
-          <p:cNvPr id="3" name="Subtitle 2"/>
+            <a:endParaRPr lang="en-US"/>
+          </a:p>
+        </p:txBody>
+      </p:sp>
+      <p:sp>
+        <p:nvSpPr>
+          <p:cNvPr id="3" name="Subtitle 2">
+            <a:extLst>
+              <a:ext uri="{FF2B5EF4-FFF2-40B4-BE49-F238E27FC236}">
+                <a16:creationId xmlns:a16="http://schemas.microsoft.com/office/drawing/2014/main" id="{B0D422F6-F9C7-8F41-2C88-9FC393D4FA8F}"/>
+              </a:ext>
+            </a:extLst>
+          </p:cNvPr>
           <p:cNvSpPr>
             <a:spLocks noGrp="1"/>
           </p:cNvSpPr>
@@ -534,116 +229,68 @@
         </p:nvSpPr>
         <p:spPr>
           <a:xfrm>
-            <a:off x="3386533" y="2997200"/>
-            <a:ext cx="5240734" cy="1041401"/>
+            <a:off x="1143000" y="2701528"/>
+            <a:ext cx="6858000" cy="1241822"/>
           </a:xfrm>
         </p:spPr>
         <p:txBody>
-          <a:bodyPr anchor="t">
-            <a:normAutofit/>
-          </a:bodyPr>
+          <a:bodyPr/>
           <a:lstStyle>
-            <a:lvl1pPr marL="0" indent="0" algn="r">
+            <a:lvl1pPr marL="0" indent="0" algn="ctr">
               <a:buNone/>
-              <a:defRPr sz="1575">
-                <a:solidFill>
-                  <a:schemeClr val="tx1"/>
-                </a:solidFill>
-              </a:defRPr>
+              <a:defRPr sz="1800"/>
             </a:lvl1pPr>
             <a:lvl2pPr marL="342900" indent="0" algn="ctr">
               <a:buNone/>
-              <a:defRPr>
-                <a:solidFill>
-                  <a:schemeClr val="tx1">
-                    <a:tint val="75000"/>
-                  </a:schemeClr>
-                </a:solidFill>
-              </a:defRPr>
+              <a:defRPr sz="1500"/>
             </a:lvl2pPr>
             <a:lvl3pPr marL="685800" indent="0" algn="ctr">
               <a:buNone/>
-              <a:defRPr>
-                <a:solidFill>
-                  <a:schemeClr val="tx1">
-                    <a:tint val="75000"/>
-                  </a:schemeClr>
-                </a:solidFill>
-              </a:defRPr>
+              <a:defRPr sz="1350"/>
             </a:lvl3pPr>
             <a:lvl4pPr marL="1028700" indent="0" algn="ctr">
               <a:buNone/>
-              <a:defRPr>
-                <a:solidFill>
-                  <a:schemeClr val="tx1">
-                    <a:tint val="75000"/>
-                  </a:schemeClr>
-                </a:solidFill>
-              </a:defRPr>
+              <a:defRPr sz="1200"/>
             </a:lvl4pPr>
             <a:lvl5pPr marL="1371600" indent="0" algn="ctr">
               <a:buNone/>
-              <a:defRPr>
-                <a:solidFill>
-                  <a:schemeClr val="tx1">
-                    <a:tint val="75000"/>
-                  </a:schemeClr>
-                </a:solidFill>
-              </a:defRPr>
+              <a:defRPr sz="1200"/>
             </a:lvl5pPr>
             <a:lvl6pPr marL="1714500" indent="0" algn="ctr">
               <a:buNone/>
-              <a:defRPr>
-                <a:solidFill>
-                  <a:schemeClr val="tx1">
-                    <a:tint val="75000"/>
-                  </a:schemeClr>
-                </a:solidFill>
-              </a:defRPr>
+              <a:defRPr sz="1200"/>
             </a:lvl6pPr>
             <a:lvl7pPr marL="2057400" indent="0" algn="ctr">
               <a:buNone/>
-              <a:defRPr>
-                <a:solidFill>
-                  <a:schemeClr val="tx1">
-                    <a:tint val="75000"/>
-                  </a:schemeClr>
-                </a:solidFill>
-              </a:defRPr>
+              <a:defRPr sz="1200"/>
             </a:lvl7pPr>
             <a:lvl8pPr marL="2400300" indent="0" algn="ctr">
               <a:buNone/>
-              <a:defRPr>
-                <a:solidFill>
-                  <a:schemeClr val="tx1">
-                    <a:tint val="75000"/>
-                  </a:schemeClr>
-                </a:solidFill>
-              </a:defRPr>
+              <a:defRPr sz="1200"/>
             </a:lvl8pPr>
             <a:lvl9pPr marL="2743200" indent="0" algn="ctr">
               <a:buNone/>
-              <a:defRPr>
-                <a:solidFill>
-                  <a:schemeClr val="tx1">
-                    <a:tint val="75000"/>
-                  </a:schemeClr>
-                </a:solidFill>
-              </a:defRPr>
+              <a:defRPr sz="1200"/>
             </a:lvl9pPr>
           </a:lstStyle>
           <a:p>
             <a:r>
-              <a:rPr lang="en-US" smtClean="0"/>
+              <a:rPr lang="en-GB"/>
               <a:t>Click to edit Master subtitle style</a:t>
             </a:r>
-            <a:endParaRPr lang="en-US" dirty="0"/>
-          </a:p>
-        </p:txBody>
-      </p:sp>
-      <p:sp>
-        <p:nvSpPr>
-          <p:cNvPr id="4" name="Date Placeholder 3"/>
+            <a:endParaRPr lang="en-US"/>
+          </a:p>
+        </p:txBody>
+      </p:sp>
+      <p:sp>
+        <p:nvSpPr>
+          <p:cNvPr id="4" name="Date Placeholder 3">
+            <a:extLst>
+              <a:ext uri="{FF2B5EF4-FFF2-40B4-BE49-F238E27FC236}">
+                <a16:creationId xmlns:a16="http://schemas.microsoft.com/office/drawing/2014/main" id="{956B0A30-B18F-C109-04B6-9D3961E3B2FC}"/>
+              </a:ext>
+            </a:extLst>
+          </p:cNvPr>
           <p:cNvSpPr>
             <a:spLocks noGrp="1"/>
           </p:cNvSpPr>
@@ -659,7 +306,7 @@
             <a:fld id="{1D8BD707-D9CF-40AE-B4C6-C98DA3205C09}" type="datetimeFigureOut">
               <a:rPr lang="en-US" smtClean="0"/>
               <a:pPr/>
-              <a:t>4/17/2018</a:t>
+              <a:t>4/12/23</a:t>
             </a:fld>
             <a:endParaRPr lang="en-US"/>
           </a:p>
@@ -667,7 +314,13 @@
       </p:sp>
       <p:sp>
         <p:nvSpPr>
-          <p:cNvPr id="5" name="Footer Placeholder 4"/>
+          <p:cNvPr id="5" name="Footer Placeholder 4">
+            <a:extLst>
+              <a:ext uri="{FF2B5EF4-FFF2-40B4-BE49-F238E27FC236}">
+                <a16:creationId xmlns:a16="http://schemas.microsoft.com/office/drawing/2014/main" id="{F51459BD-ACD3-6486-923E-262F548324A4}"/>
+              </a:ext>
+            </a:extLst>
+          </p:cNvPr>
           <p:cNvSpPr>
             <a:spLocks noGrp="1"/>
           </p:cNvSpPr>
@@ -675,12 +328,7 @@
             <p:ph type="ftr" sz="quarter" idx="11"/>
           </p:nvPr>
         </p:nvSpPr>
-        <p:spPr>
-          <a:xfrm>
-            <a:off x="3999309" y="4412457"/>
-            <a:ext cx="3243033" cy="273844"/>
-          </a:xfrm>
-        </p:spPr>
+        <p:spPr/>
         <p:txBody>
           <a:bodyPr/>
           <a:lstStyle/>
@@ -691,7 +339,13 @@
       </p:sp>
       <p:sp>
         <p:nvSpPr>
-          <p:cNvPr id="6" name="Slide Number Placeholder 5"/>
+          <p:cNvPr id="6" name="Slide Number Placeholder 5">
+            <a:extLst>
+              <a:ext uri="{FF2B5EF4-FFF2-40B4-BE49-F238E27FC236}">
+                <a16:creationId xmlns:a16="http://schemas.microsoft.com/office/drawing/2014/main" id="{308D993A-EE34-B1F0-1219-1F3F6FE2D389}"/>
+              </a:ext>
+            </a:extLst>
+          </p:cNvPr>
           <p:cNvSpPr>
             <a:spLocks noGrp="1"/>
           </p:cNvSpPr>
@@ -716,7 +370,7 @@
     </p:spTree>
     <p:extLst>
       <p:ext uri="{BB962C8B-B14F-4D97-AF65-F5344CB8AC3E}">
-        <p14:creationId xmlns="" xmlns:p14="http://schemas.microsoft.com/office/powerpoint/2010/main" val="1843245031"/>
+        <p14:creationId xmlns:p14="http://schemas.microsoft.com/office/powerpoint/2010/main" val="2611251535"/>
       </p:ext>
     </p:extLst>
   </p:cSld>
@@ -727,2174 +381,6 @@
 </file>
 
 <file path=ppt/slideLayouts/slideLayout10.xml><?xml version="1.0" encoding="utf-8"?>
-<p:sldLayout xmlns:a="http://schemas.openxmlformats.org/drawingml/2006/main" xmlns:r="http://schemas.openxmlformats.org/officeDocument/2006/relationships" xmlns:p="http://schemas.openxmlformats.org/presentationml/2006/main" preserve="1">
-  <p:cSld name="Panoramic Picture with Caption">
-    <p:spTree>
-      <p:nvGrpSpPr>
-        <p:cNvPr id="1" name=""/>
-        <p:cNvGrpSpPr/>
-        <p:nvPr/>
-      </p:nvGrpSpPr>
-      <p:grpSpPr>
-        <a:xfrm>
-          <a:off x="0" y="0"/>
-          <a:ext cx="0" cy="0"/>
-          <a:chOff x="0" y="0"/>
-          <a:chExt cx="0" cy="0"/>
-        </a:xfrm>
-      </p:grpSpPr>
-      <p:sp>
-        <p:nvSpPr>
-          <p:cNvPr id="2" name="Title 1"/>
-          <p:cNvSpPr>
-            <a:spLocks noGrp="1"/>
-          </p:cNvSpPr>
-          <p:nvPr>
-            <p:ph type="title"/>
-          </p:nvPr>
-        </p:nvSpPr>
-        <p:spPr>
-          <a:xfrm>
-            <a:off x="1113234" y="3549649"/>
-            <a:ext cx="7514033" cy="425054"/>
-          </a:xfrm>
-        </p:spPr>
-        <p:txBody>
-          <a:bodyPr anchor="b">
-            <a:normAutofit/>
-          </a:bodyPr>
-          <a:lstStyle>
-            <a:lvl1pPr algn="ctr">
-              <a:defRPr sz="1800" b="0"/>
-            </a:lvl1pPr>
-          </a:lstStyle>
-          <a:p>
-            <a:r>
-              <a:rPr lang="en-US" smtClean="0"/>
-              <a:t>Click to edit Master title style</a:t>
-            </a:r>
-            <a:endParaRPr lang="en-US" dirty="0"/>
-          </a:p>
-        </p:txBody>
-      </p:sp>
-      <p:sp>
-        <p:nvSpPr>
-          <p:cNvPr id="3" name="Picture Placeholder 2"/>
-          <p:cNvSpPr>
-            <a:spLocks noGrp="1" noChangeAspect="1"/>
-          </p:cNvSpPr>
-          <p:nvPr>
-            <p:ph type="pic" idx="1"/>
-          </p:nvPr>
-        </p:nvSpPr>
-        <p:spPr>
-          <a:xfrm>
-            <a:off x="1789509" y="699084"/>
-            <a:ext cx="6169458" cy="2373732"/>
-          </a:xfrm>
-          <a:prstGeom prst="roundRect">
-            <a:avLst>
-              <a:gd name="adj" fmla="val 4380"/>
-            </a:avLst>
-          </a:prstGeom>
-          <a:ln w="38100">
-            <a:gradFill flip="none" rotWithShape="1">
-              <a:gsLst>
-                <a:gs pos="0">
-                  <a:schemeClr val="bg2"/>
-                </a:gs>
-                <a:gs pos="100000">
-                  <a:schemeClr val="bg2">
-                    <a:lumMod val="75000"/>
-                  </a:schemeClr>
-                </a:gs>
-              </a:gsLst>
-              <a:lin ang="5400000" scaled="0"/>
-              <a:tileRect/>
-            </a:gradFill>
-          </a:ln>
-          <a:effectLst>
-            <a:innerShdw blurRad="57150" dist="38100" dir="14460000">
-              <a:srgbClr val="000000">
-                <a:alpha val="70000"/>
-              </a:srgbClr>
-            </a:innerShdw>
-          </a:effectLst>
-        </p:spPr>
-        <p:txBody>
-          <a:bodyPr anchor="t">
-            <a:normAutofit/>
-          </a:bodyPr>
-          <a:lstStyle>
-            <a:lvl1pPr marL="0" indent="0" algn="ctr">
-              <a:buNone/>
-              <a:defRPr sz="1200"/>
-            </a:lvl1pPr>
-            <a:lvl2pPr marL="342900" indent="0">
-              <a:buNone/>
-              <a:defRPr sz="1200"/>
-            </a:lvl2pPr>
-            <a:lvl3pPr marL="685800" indent="0">
-              <a:buNone/>
-              <a:defRPr sz="1200"/>
-            </a:lvl3pPr>
-            <a:lvl4pPr marL="1028700" indent="0">
-              <a:buNone/>
-              <a:defRPr sz="1200"/>
-            </a:lvl4pPr>
-            <a:lvl5pPr marL="1371600" indent="0">
-              <a:buNone/>
-              <a:defRPr sz="1200"/>
-            </a:lvl5pPr>
-            <a:lvl6pPr marL="1714500" indent="0">
-              <a:buNone/>
-              <a:defRPr sz="1200"/>
-            </a:lvl6pPr>
-            <a:lvl7pPr marL="2057400" indent="0">
-              <a:buNone/>
-              <a:defRPr sz="1200"/>
-            </a:lvl7pPr>
-            <a:lvl8pPr marL="2400300" indent="0">
-              <a:buNone/>
-              <a:defRPr sz="1200"/>
-            </a:lvl8pPr>
-            <a:lvl9pPr marL="2743200" indent="0">
-              <a:buNone/>
-              <a:defRPr sz="1200"/>
-            </a:lvl9pPr>
-          </a:lstStyle>
-          <a:p>
-            <a:r>
-              <a:rPr lang="en-US" smtClean="0"/>
-              <a:t>Click icon to add picture</a:t>
-            </a:r>
-            <a:endParaRPr lang="en-US" dirty="0"/>
-          </a:p>
-        </p:txBody>
-      </p:sp>
-      <p:sp>
-        <p:nvSpPr>
-          <p:cNvPr id="4" name="Text Placeholder 3"/>
-          <p:cNvSpPr>
-            <a:spLocks noGrp="1"/>
-          </p:cNvSpPr>
-          <p:nvPr>
-            <p:ph type="body" sz="half" idx="2"/>
-          </p:nvPr>
-        </p:nvSpPr>
-        <p:spPr>
-          <a:xfrm>
-            <a:off x="1113234" y="3974702"/>
-            <a:ext cx="7514033" cy="370284"/>
-          </a:xfrm>
-        </p:spPr>
-        <p:txBody>
-          <a:bodyPr>
-            <a:normAutofit/>
-          </a:bodyPr>
-          <a:lstStyle>
-            <a:lvl1pPr marL="0" indent="0" algn="ctr">
-              <a:buNone/>
-              <a:defRPr sz="1050"/>
-            </a:lvl1pPr>
-            <a:lvl2pPr marL="342900" indent="0">
-              <a:buNone/>
-              <a:defRPr sz="900"/>
-            </a:lvl2pPr>
-            <a:lvl3pPr marL="685800" indent="0">
-              <a:buNone/>
-              <a:defRPr sz="750"/>
-            </a:lvl3pPr>
-            <a:lvl4pPr marL="1028700" indent="0">
-              <a:buNone/>
-              <a:defRPr sz="675"/>
-            </a:lvl4pPr>
-            <a:lvl5pPr marL="1371600" indent="0">
-              <a:buNone/>
-              <a:defRPr sz="675"/>
-            </a:lvl5pPr>
-            <a:lvl6pPr marL="1714500" indent="0">
-              <a:buNone/>
-              <a:defRPr sz="675"/>
-            </a:lvl6pPr>
-            <a:lvl7pPr marL="2057400" indent="0">
-              <a:buNone/>
-              <a:defRPr sz="675"/>
-            </a:lvl7pPr>
-            <a:lvl8pPr marL="2400300" indent="0">
-              <a:buNone/>
-              <a:defRPr sz="675"/>
-            </a:lvl8pPr>
-            <a:lvl9pPr marL="2743200" indent="0">
-              <a:buNone/>
-              <a:defRPr sz="675"/>
-            </a:lvl9pPr>
-          </a:lstStyle>
-          <a:p>
-            <a:pPr lvl="0"/>
-            <a:r>
-              <a:rPr lang="en-US" smtClean="0"/>
-              <a:t>Click to edit Master text styles</a:t>
-            </a:r>
-          </a:p>
-        </p:txBody>
-      </p:sp>
-      <p:sp>
-        <p:nvSpPr>
-          <p:cNvPr id="5" name="Date Placeholder 4"/>
-          <p:cNvSpPr>
-            <a:spLocks noGrp="1"/>
-          </p:cNvSpPr>
-          <p:nvPr>
-            <p:ph type="dt" sz="half" idx="10"/>
-          </p:nvPr>
-        </p:nvSpPr>
-        <p:spPr/>
-        <p:txBody>
-          <a:bodyPr/>
-          <a:lstStyle/>
-          <a:p>
-            <a:fld id="{1D8BD707-D9CF-40AE-B4C6-C98DA3205C09}" type="datetimeFigureOut">
-              <a:rPr lang="en-US" smtClean="0"/>
-              <a:pPr/>
-              <a:t>4/17/2018</a:t>
-            </a:fld>
-            <a:endParaRPr lang="en-US"/>
-          </a:p>
-        </p:txBody>
-      </p:sp>
-      <p:sp>
-        <p:nvSpPr>
-          <p:cNvPr id="6" name="Footer Placeholder 5"/>
-          <p:cNvSpPr>
-            <a:spLocks noGrp="1"/>
-          </p:cNvSpPr>
-          <p:nvPr>
-            <p:ph type="ftr" sz="quarter" idx="11"/>
-          </p:nvPr>
-        </p:nvSpPr>
-        <p:spPr/>
-        <p:txBody>
-          <a:bodyPr/>
-          <a:lstStyle/>
-          <a:p>
-            <a:endParaRPr lang="en-US"/>
-          </a:p>
-        </p:txBody>
-      </p:sp>
-      <p:sp>
-        <p:nvSpPr>
-          <p:cNvPr id="7" name="Slide Number Placeholder 6"/>
-          <p:cNvSpPr>
-            <a:spLocks noGrp="1"/>
-          </p:cNvSpPr>
-          <p:nvPr>
-            <p:ph type="sldNum" sz="quarter" idx="12"/>
-          </p:nvPr>
-        </p:nvSpPr>
-        <p:spPr/>
-        <p:txBody>
-          <a:bodyPr/>
-          <a:lstStyle/>
-          <a:p>
-            <a:fld id="{B6F15528-21DE-4FAA-801E-634DDDAF4B2B}" type="slidenum">
-              <a:rPr lang="en-US" smtClean="0"/>
-              <a:pPr/>
-              <a:t>‹#›</a:t>
-            </a:fld>
-            <a:endParaRPr lang="en-US"/>
-          </a:p>
-        </p:txBody>
-      </p:sp>
-    </p:spTree>
-    <p:extLst>
-      <p:ext uri="{BB962C8B-B14F-4D97-AF65-F5344CB8AC3E}">
-        <p14:creationId xmlns="" xmlns:p14="http://schemas.microsoft.com/office/powerpoint/2010/main" val="1475305967"/>
-      </p:ext>
-    </p:extLst>
-  </p:cSld>
-  <p:clrMapOvr>
-    <a:masterClrMapping/>
-  </p:clrMapOvr>
-</p:sldLayout>
-</file>
-
-<file path=ppt/slideLayouts/slideLayout11.xml><?xml version="1.0" encoding="utf-8"?>
-<p:sldLayout xmlns:a="http://schemas.openxmlformats.org/drawingml/2006/main" xmlns:r="http://schemas.openxmlformats.org/officeDocument/2006/relationships" xmlns:p="http://schemas.openxmlformats.org/presentationml/2006/main" preserve="1">
-  <p:cSld name="Title and Caption">
-    <p:spTree>
-      <p:nvGrpSpPr>
-        <p:cNvPr id="1" name=""/>
-        <p:cNvGrpSpPr/>
-        <p:nvPr/>
-      </p:nvGrpSpPr>
-      <p:grpSpPr>
-        <a:xfrm>
-          <a:off x="0" y="0"/>
-          <a:ext cx="0" cy="0"/>
-          <a:chOff x="0" y="0"/>
-          <a:chExt cx="0" cy="0"/>
-        </a:xfrm>
-      </p:grpSpPr>
-      <p:sp>
-        <p:nvSpPr>
-          <p:cNvPr id="2" name="Title 1"/>
-          <p:cNvSpPr>
-            <a:spLocks noGrp="1"/>
-          </p:cNvSpPr>
-          <p:nvPr>
-            <p:ph type="title"/>
-          </p:nvPr>
-        </p:nvSpPr>
-        <p:spPr>
-          <a:xfrm>
-            <a:off x="1113235" y="514350"/>
-            <a:ext cx="7514033" cy="2286000"/>
-          </a:xfrm>
-        </p:spPr>
-        <p:txBody>
-          <a:bodyPr anchor="ctr">
-            <a:normAutofit/>
-          </a:bodyPr>
-          <a:lstStyle>
-            <a:lvl1pPr algn="ctr">
-              <a:defRPr sz="2400" b="0" cap="none"/>
-            </a:lvl1pPr>
-          </a:lstStyle>
-          <a:p>
-            <a:r>
-              <a:rPr lang="en-US" smtClean="0"/>
-              <a:t>Click to edit Master title style</a:t>
-            </a:r>
-            <a:endParaRPr lang="en-US" dirty="0"/>
-          </a:p>
-        </p:txBody>
-      </p:sp>
-      <p:sp>
-        <p:nvSpPr>
-          <p:cNvPr id="3" name="Text Placeholder 2"/>
-          <p:cNvSpPr>
-            <a:spLocks noGrp="1"/>
-          </p:cNvSpPr>
-          <p:nvPr>
-            <p:ph type="body" idx="1"/>
-          </p:nvPr>
-        </p:nvSpPr>
-        <p:spPr>
-          <a:xfrm>
-            <a:off x="1113234" y="3257550"/>
-            <a:ext cx="7514035" cy="1085850"/>
-          </a:xfrm>
-        </p:spPr>
-        <p:txBody>
-          <a:bodyPr anchor="ctr">
-            <a:normAutofit/>
-          </a:bodyPr>
-          <a:lstStyle>
-            <a:lvl1pPr marL="0" indent="0" algn="ctr">
-              <a:buNone/>
-              <a:defRPr sz="1500">
-                <a:solidFill>
-                  <a:schemeClr val="tx1"/>
-                </a:solidFill>
-              </a:defRPr>
-            </a:lvl1pPr>
-            <a:lvl2pPr marL="342900" indent="0">
-              <a:buNone/>
-              <a:defRPr sz="1350">
-                <a:solidFill>
-                  <a:schemeClr val="tx1">
-                    <a:tint val="75000"/>
-                  </a:schemeClr>
-                </a:solidFill>
-              </a:defRPr>
-            </a:lvl2pPr>
-            <a:lvl3pPr marL="685800" indent="0">
-              <a:buNone/>
-              <a:defRPr sz="1200">
-                <a:solidFill>
-                  <a:schemeClr val="tx1">
-                    <a:tint val="75000"/>
-                  </a:schemeClr>
-                </a:solidFill>
-              </a:defRPr>
-            </a:lvl3pPr>
-            <a:lvl4pPr marL="1028700" indent="0">
-              <a:buNone/>
-              <a:defRPr sz="1050">
-                <a:solidFill>
-                  <a:schemeClr val="tx1">
-                    <a:tint val="75000"/>
-                  </a:schemeClr>
-                </a:solidFill>
-              </a:defRPr>
-            </a:lvl4pPr>
-            <a:lvl5pPr marL="1371600" indent="0">
-              <a:buNone/>
-              <a:defRPr sz="1050">
-                <a:solidFill>
-                  <a:schemeClr val="tx1">
-                    <a:tint val="75000"/>
-                  </a:schemeClr>
-                </a:solidFill>
-              </a:defRPr>
-            </a:lvl5pPr>
-            <a:lvl6pPr marL="1714500" indent="0">
-              <a:buNone/>
-              <a:defRPr sz="1050">
-                <a:solidFill>
-                  <a:schemeClr val="tx1">
-                    <a:tint val="75000"/>
-                  </a:schemeClr>
-                </a:solidFill>
-              </a:defRPr>
-            </a:lvl6pPr>
-            <a:lvl7pPr marL="2057400" indent="0">
-              <a:buNone/>
-              <a:defRPr sz="1050">
-                <a:solidFill>
-                  <a:schemeClr val="tx1">
-                    <a:tint val="75000"/>
-                  </a:schemeClr>
-                </a:solidFill>
-              </a:defRPr>
-            </a:lvl7pPr>
-            <a:lvl8pPr marL="2400300" indent="0">
-              <a:buNone/>
-              <a:defRPr sz="1050">
-                <a:solidFill>
-                  <a:schemeClr val="tx1">
-                    <a:tint val="75000"/>
-                  </a:schemeClr>
-                </a:solidFill>
-              </a:defRPr>
-            </a:lvl8pPr>
-            <a:lvl9pPr marL="2743200" indent="0">
-              <a:buNone/>
-              <a:defRPr sz="1050">
-                <a:solidFill>
-                  <a:schemeClr val="tx1">
-                    <a:tint val="75000"/>
-                  </a:schemeClr>
-                </a:solidFill>
-              </a:defRPr>
-            </a:lvl9pPr>
-          </a:lstStyle>
-          <a:p>
-            <a:pPr lvl="0"/>
-            <a:r>
-              <a:rPr lang="en-US" smtClean="0"/>
-              <a:t>Click to edit Master text styles</a:t>
-            </a:r>
-          </a:p>
-        </p:txBody>
-      </p:sp>
-      <p:sp>
-        <p:nvSpPr>
-          <p:cNvPr id="4" name="Date Placeholder 3"/>
-          <p:cNvSpPr>
-            <a:spLocks noGrp="1"/>
-          </p:cNvSpPr>
-          <p:nvPr>
-            <p:ph type="dt" sz="half" idx="10"/>
-          </p:nvPr>
-        </p:nvSpPr>
-        <p:spPr/>
-        <p:txBody>
-          <a:bodyPr/>
-          <a:lstStyle/>
-          <a:p>
-            <a:fld id="{1D8BD707-D9CF-40AE-B4C6-C98DA3205C09}" type="datetimeFigureOut">
-              <a:rPr lang="en-US" smtClean="0"/>
-              <a:pPr/>
-              <a:t>4/17/2018</a:t>
-            </a:fld>
-            <a:endParaRPr lang="en-US"/>
-          </a:p>
-        </p:txBody>
-      </p:sp>
-      <p:sp>
-        <p:nvSpPr>
-          <p:cNvPr id="5" name="Footer Placeholder 4"/>
-          <p:cNvSpPr>
-            <a:spLocks noGrp="1"/>
-          </p:cNvSpPr>
-          <p:nvPr>
-            <p:ph type="ftr" sz="quarter" idx="11"/>
-          </p:nvPr>
-        </p:nvSpPr>
-        <p:spPr/>
-        <p:txBody>
-          <a:bodyPr/>
-          <a:lstStyle/>
-          <a:p>
-            <a:endParaRPr lang="en-US"/>
-          </a:p>
-        </p:txBody>
-      </p:sp>
-      <p:sp>
-        <p:nvSpPr>
-          <p:cNvPr id="6" name="Slide Number Placeholder 5"/>
-          <p:cNvSpPr>
-            <a:spLocks noGrp="1"/>
-          </p:cNvSpPr>
-          <p:nvPr>
-            <p:ph type="sldNum" sz="quarter" idx="12"/>
-          </p:nvPr>
-        </p:nvSpPr>
-        <p:spPr/>
-        <p:txBody>
-          <a:bodyPr/>
-          <a:lstStyle/>
-          <a:p>
-            <a:fld id="{B6F15528-21DE-4FAA-801E-634DDDAF4B2B}" type="slidenum">
-              <a:rPr lang="en-US" smtClean="0"/>
-              <a:pPr/>
-              <a:t>‹#›</a:t>
-            </a:fld>
-            <a:endParaRPr lang="en-US"/>
-          </a:p>
-        </p:txBody>
-      </p:sp>
-    </p:spTree>
-    <p:extLst>
-      <p:ext uri="{BB962C8B-B14F-4D97-AF65-F5344CB8AC3E}">
-        <p14:creationId xmlns="" xmlns:p14="http://schemas.microsoft.com/office/powerpoint/2010/main" val="868185800"/>
-      </p:ext>
-    </p:extLst>
-  </p:cSld>
-  <p:clrMapOvr>
-    <a:masterClrMapping/>
-  </p:clrMapOvr>
-</p:sldLayout>
-</file>
-
-<file path=ppt/slideLayouts/slideLayout12.xml><?xml version="1.0" encoding="utf-8"?>
-<p:sldLayout xmlns:a="http://schemas.openxmlformats.org/drawingml/2006/main" xmlns:r="http://schemas.openxmlformats.org/officeDocument/2006/relationships" xmlns:p="http://schemas.openxmlformats.org/presentationml/2006/main" preserve="1">
-  <p:cSld name="Quote with Caption">
-    <p:spTree>
-      <p:nvGrpSpPr>
-        <p:cNvPr id="1" name=""/>
-        <p:cNvGrpSpPr/>
-        <p:nvPr/>
-      </p:nvGrpSpPr>
-      <p:grpSpPr>
-        <a:xfrm>
-          <a:off x="0" y="0"/>
-          <a:ext cx="0" cy="0"/>
-          <a:chOff x="0" y="0"/>
-          <a:chExt cx="0" cy="0"/>
-        </a:xfrm>
-      </p:grpSpPr>
-      <p:sp>
-        <p:nvSpPr>
-          <p:cNvPr id="14" name="TextBox 13"/>
-          <p:cNvSpPr txBox="1"/>
-          <p:nvPr/>
-        </p:nvSpPr>
-        <p:spPr>
-          <a:xfrm>
-            <a:off x="1198959" y="647267"/>
-            <a:ext cx="457200" cy="438582"/>
-          </a:xfrm>
-          <a:prstGeom prst="rect">
-            <a:avLst/>
-          </a:prstGeom>
-        </p:spPr>
-        <p:txBody>
-          <a:bodyPr vert="horz" lIns="68580" tIns="34290" rIns="68580" bIns="34290" rtlCol="0" anchor="ctr">
-            <a:noAutofit/>
-          </a:bodyPr>
-          <a:lstStyle>
-            <a:lvl1pPr>
-              <a:spcBef>
-                <a:spcPct val="0"/>
-              </a:spcBef>
-              <a:buNone/>
-              <a:defRPr sz="3200" b="0" cap="all">
-                <a:ln w="3175" cmpd="sng">
-                  <a:noFill/>
-                </a:ln>
-                <a:effectLst>
-                  <a:glow rad="38100">
-                    <a:schemeClr val="bg1">
-                      <a:lumMod val="65000"/>
-                      <a:lumOff val="35000"/>
-                      <a:alpha val="40000"/>
-                    </a:schemeClr>
-                  </a:glow>
-                  <a:outerShdw blurRad="28575" dist="38100" dir="14040000" algn="tl" rotWithShape="0">
-                    <a:srgbClr val="000000">
-                      <a:alpha val="25000"/>
-                    </a:srgbClr>
-                  </a:outerShdw>
-                </a:effectLst>
-              </a:defRPr>
-            </a:lvl1pPr>
-            <a:lvl2pPr>
-              <a:defRPr>
-                <a:solidFill>
-                  <a:schemeClr val="tx2"/>
-                </a:solidFill>
-              </a:defRPr>
-            </a:lvl2pPr>
-            <a:lvl3pPr>
-              <a:defRPr>
-                <a:solidFill>
-                  <a:schemeClr val="tx2"/>
-                </a:solidFill>
-              </a:defRPr>
-            </a:lvl3pPr>
-            <a:lvl4pPr>
-              <a:defRPr>
-                <a:solidFill>
-                  <a:schemeClr val="tx2"/>
-                </a:solidFill>
-              </a:defRPr>
-            </a:lvl4pPr>
-            <a:lvl5pPr>
-              <a:defRPr>
-                <a:solidFill>
-                  <a:schemeClr val="tx2"/>
-                </a:solidFill>
-              </a:defRPr>
-            </a:lvl5pPr>
-            <a:lvl6pPr>
-              <a:defRPr>
-                <a:solidFill>
-                  <a:schemeClr val="tx2"/>
-                </a:solidFill>
-              </a:defRPr>
-            </a:lvl6pPr>
-            <a:lvl7pPr>
-              <a:defRPr>
-                <a:solidFill>
-                  <a:schemeClr val="tx2"/>
-                </a:solidFill>
-              </a:defRPr>
-            </a:lvl7pPr>
-            <a:lvl8pPr>
-              <a:defRPr>
-                <a:solidFill>
-                  <a:schemeClr val="tx2"/>
-                </a:solidFill>
-              </a:defRPr>
-            </a:lvl8pPr>
-            <a:lvl9pPr>
-              <a:defRPr>
-                <a:solidFill>
-                  <a:schemeClr val="tx2"/>
-                </a:solidFill>
-              </a:defRPr>
-            </a:lvl9pPr>
-          </a:lstStyle>
-          <a:p>
-            <a:pPr lvl="0"/>
-            <a:r>
-              <a:rPr lang="en-US" sz="6000" dirty="0">
-                <a:solidFill>
-                  <a:schemeClr val="tx1"/>
-                </a:solidFill>
-                <a:effectLst/>
-              </a:rPr>
-              <a:t>“</a:t>
-            </a:r>
-          </a:p>
-        </p:txBody>
-      </p:sp>
-      <p:sp>
-        <p:nvSpPr>
-          <p:cNvPr id="15" name="TextBox 14"/>
-          <p:cNvSpPr txBox="1"/>
-          <p:nvPr/>
-        </p:nvSpPr>
-        <p:spPr>
-          <a:xfrm>
-            <a:off x="8170069" y="2114549"/>
-            <a:ext cx="457200" cy="438582"/>
-          </a:xfrm>
-          <a:prstGeom prst="rect">
-            <a:avLst/>
-          </a:prstGeom>
-        </p:spPr>
-        <p:txBody>
-          <a:bodyPr vert="horz" lIns="68580" tIns="34290" rIns="68580" bIns="34290" rtlCol="0" anchor="ctr">
-            <a:noAutofit/>
-          </a:bodyPr>
-          <a:lstStyle>
-            <a:lvl1pPr>
-              <a:spcBef>
-                <a:spcPct val="0"/>
-              </a:spcBef>
-              <a:buNone/>
-              <a:defRPr sz="3200" b="0" cap="all">
-                <a:ln w="3175" cmpd="sng">
-                  <a:noFill/>
-                </a:ln>
-                <a:effectLst>
-                  <a:glow rad="38100">
-                    <a:schemeClr val="bg1">
-                      <a:lumMod val="65000"/>
-                      <a:lumOff val="35000"/>
-                      <a:alpha val="40000"/>
-                    </a:schemeClr>
-                  </a:glow>
-                  <a:outerShdw blurRad="28575" dist="38100" dir="14040000" algn="tl" rotWithShape="0">
-                    <a:srgbClr val="000000">
-                      <a:alpha val="25000"/>
-                    </a:srgbClr>
-                  </a:outerShdw>
-                </a:effectLst>
-              </a:defRPr>
-            </a:lvl1pPr>
-            <a:lvl2pPr>
-              <a:defRPr>
-                <a:solidFill>
-                  <a:schemeClr val="tx2"/>
-                </a:solidFill>
-              </a:defRPr>
-            </a:lvl2pPr>
-            <a:lvl3pPr>
-              <a:defRPr>
-                <a:solidFill>
-                  <a:schemeClr val="tx2"/>
-                </a:solidFill>
-              </a:defRPr>
-            </a:lvl3pPr>
-            <a:lvl4pPr>
-              <a:defRPr>
-                <a:solidFill>
-                  <a:schemeClr val="tx2"/>
-                </a:solidFill>
-              </a:defRPr>
-            </a:lvl4pPr>
-            <a:lvl5pPr>
-              <a:defRPr>
-                <a:solidFill>
-                  <a:schemeClr val="tx2"/>
-                </a:solidFill>
-              </a:defRPr>
-            </a:lvl5pPr>
-            <a:lvl6pPr>
-              <a:defRPr>
-                <a:solidFill>
-                  <a:schemeClr val="tx2"/>
-                </a:solidFill>
-              </a:defRPr>
-            </a:lvl6pPr>
-            <a:lvl7pPr>
-              <a:defRPr>
-                <a:solidFill>
-                  <a:schemeClr val="tx2"/>
-                </a:solidFill>
-              </a:defRPr>
-            </a:lvl7pPr>
-            <a:lvl8pPr>
-              <a:defRPr>
-                <a:solidFill>
-                  <a:schemeClr val="tx2"/>
-                </a:solidFill>
-              </a:defRPr>
-            </a:lvl8pPr>
-            <a:lvl9pPr>
-              <a:defRPr>
-                <a:solidFill>
-                  <a:schemeClr val="tx2"/>
-                </a:solidFill>
-              </a:defRPr>
-            </a:lvl9pPr>
-          </a:lstStyle>
-          <a:p>
-            <a:pPr lvl="0" algn="r"/>
-            <a:r>
-              <a:rPr lang="en-US" sz="6000" dirty="0">
-                <a:solidFill>
-                  <a:schemeClr val="tx1"/>
-                </a:solidFill>
-                <a:effectLst/>
-              </a:rPr>
-              <a:t>”</a:t>
-            </a:r>
-          </a:p>
-        </p:txBody>
-      </p:sp>
-      <p:sp>
-        <p:nvSpPr>
-          <p:cNvPr id="2" name="Title 1"/>
-          <p:cNvSpPr>
-            <a:spLocks noGrp="1"/>
-          </p:cNvSpPr>
-          <p:nvPr>
-            <p:ph type="title"/>
-          </p:nvPr>
-        </p:nvSpPr>
-        <p:spPr>
-          <a:xfrm>
-            <a:off x="1656159" y="514351"/>
-            <a:ext cx="6742509" cy="2057399"/>
-          </a:xfrm>
-        </p:spPr>
-        <p:txBody>
-          <a:bodyPr anchor="ctr">
-            <a:normAutofit/>
-          </a:bodyPr>
-          <a:lstStyle>
-            <a:lvl1pPr algn="ctr">
-              <a:defRPr sz="2400" b="0" cap="none">
-                <a:solidFill>
-                  <a:schemeClr val="tx1"/>
-                </a:solidFill>
-              </a:defRPr>
-            </a:lvl1pPr>
-          </a:lstStyle>
-          <a:p>
-            <a:r>
-              <a:rPr lang="en-US" smtClean="0"/>
-              <a:t>Click to edit Master title style</a:t>
-            </a:r>
-            <a:endParaRPr lang="en-US" dirty="0"/>
-          </a:p>
-        </p:txBody>
-      </p:sp>
-      <p:sp>
-        <p:nvSpPr>
-          <p:cNvPr id="10" name="Text Placeholder 9"/>
-          <p:cNvSpPr>
-            <a:spLocks noGrp="1"/>
-          </p:cNvSpPr>
-          <p:nvPr>
-            <p:ph type="body" sz="quarter" idx="13"/>
-          </p:nvPr>
-        </p:nvSpPr>
-        <p:spPr>
-          <a:xfrm>
-            <a:off x="1827609" y="2571749"/>
-            <a:ext cx="6399611" cy="285750"/>
-          </a:xfrm>
-        </p:spPr>
-        <p:txBody>
-          <a:bodyPr anchor="ctr">
-            <a:normAutofit/>
-          </a:bodyPr>
-          <a:lstStyle>
-            <a:lvl1pPr marL="0" indent="0">
-              <a:buFontTx/>
-              <a:buNone/>
-              <a:defRPr sz="1350"/>
-            </a:lvl1pPr>
-            <a:lvl2pPr marL="342900" indent="0">
-              <a:buFontTx/>
-              <a:buNone/>
-              <a:defRPr/>
-            </a:lvl2pPr>
-            <a:lvl3pPr marL="685800" indent="0">
-              <a:buFontTx/>
-              <a:buNone/>
-              <a:defRPr/>
-            </a:lvl3pPr>
-            <a:lvl4pPr marL="1028700" indent="0">
-              <a:buFontTx/>
-              <a:buNone/>
-              <a:defRPr/>
-            </a:lvl4pPr>
-            <a:lvl5pPr marL="1371600" indent="0">
-              <a:buFontTx/>
-              <a:buNone/>
-              <a:defRPr/>
-            </a:lvl5pPr>
-          </a:lstStyle>
-          <a:p>
-            <a:pPr lvl="0"/>
-            <a:r>
-              <a:rPr lang="en-US" smtClean="0"/>
-              <a:t>Click to edit Master text styles</a:t>
-            </a:r>
-          </a:p>
-        </p:txBody>
-      </p:sp>
-      <p:sp>
-        <p:nvSpPr>
-          <p:cNvPr id="3" name="Text Placeholder 2"/>
-          <p:cNvSpPr>
-            <a:spLocks noGrp="1"/>
-          </p:cNvSpPr>
-          <p:nvPr>
-            <p:ph type="body" idx="1"/>
-          </p:nvPr>
-        </p:nvSpPr>
-        <p:spPr>
-          <a:xfrm>
-            <a:off x="1113234" y="3257550"/>
-            <a:ext cx="7514033" cy="1085850"/>
-          </a:xfrm>
-        </p:spPr>
-        <p:txBody>
-          <a:bodyPr anchor="ctr">
-            <a:normAutofit/>
-          </a:bodyPr>
-          <a:lstStyle>
-            <a:lvl1pPr marL="0" indent="0" algn="ctr">
-              <a:buNone/>
-              <a:defRPr sz="1500">
-                <a:solidFill>
-                  <a:schemeClr val="tx1"/>
-                </a:solidFill>
-              </a:defRPr>
-            </a:lvl1pPr>
-            <a:lvl2pPr marL="342900" indent="0">
-              <a:buNone/>
-              <a:defRPr sz="1350">
-                <a:solidFill>
-                  <a:schemeClr val="tx1">
-                    <a:tint val="75000"/>
-                  </a:schemeClr>
-                </a:solidFill>
-              </a:defRPr>
-            </a:lvl2pPr>
-            <a:lvl3pPr marL="685800" indent="0">
-              <a:buNone/>
-              <a:defRPr sz="1200">
-                <a:solidFill>
-                  <a:schemeClr val="tx1">
-                    <a:tint val="75000"/>
-                  </a:schemeClr>
-                </a:solidFill>
-              </a:defRPr>
-            </a:lvl3pPr>
-            <a:lvl4pPr marL="1028700" indent="0">
-              <a:buNone/>
-              <a:defRPr sz="1050">
-                <a:solidFill>
-                  <a:schemeClr val="tx1">
-                    <a:tint val="75000"/>
-                  </a:schemeClr>
-                </a:solidFill>
-              </a:defRPr>
-            </a:lvl4pPr>
-            <a:lvl5pPr marL="1371600" indent="0">
-              <a:buNone/>
-              <a:defRPr sz="1050">
-                <a:solidFill>
-                  <a:schemeClr val="tx1">
-                    <a:tint val="75000"/>
-                  </a:schemeClr>
-                </a:solidFill>
-              </a:defRPr>
-            </a:lvl5pPr>
-            <a:lvl6pPr marL="1714500" indent="0">
-              <a:buNone/>
-              <a:defRPr sz="1050">
-                <a:solidFill>
-                  <a:schemeClr val="tx1">
-                    <a:tint val="75000"/>
-                  </a:schemeClr>
-                </a:solidFill>
-              </a:defRPr>
-            </a:lvl6pPr>
-            <a:lvl7pPr marL="2057400" indent="0">
-              <a:buNone/>
-              <a:defRPr sz="1050">
-                <a:solidFill>
-                  <a:schemeClr val="tx1">
-                    <a:tint val="75000"/>
-                  </a:schemeClr>
-                </a:solidFill>
-              </a:defRPr>
-            </a:lvl7pPr>
-            <a:lvl8pPr marL="2400300" indent="0">
-              <a:buNone/>
-              <a:defRPr sz="1050">
-                <a:solidFill>
-                  <a:schemeClr val="tx1">
-                    <a:tint val="75000"/>
-                  </a:schemeClr>
-                </a:solidFill>
-              </a:defRPr>
-            </a:lvl8pPr>
-            <a:lvl9pPr marL="2743200" indent="0">
-              <a:buNone/>
-              <a:defRPr sz="1050">
-                <a:solidFill>
-                  <a:schemeClr val="tx1">
-                    <a:tint val="75000"/>
-                  </a:schemeClr>
-                </a:solidFill>
-              </a:defRPr>
-            </a:lvl9pPr>
-          </a:lstStyle>
-          <a:p>
-            <a:pPr lvl="0"/>
-            <a:r>
-              <a:rPr lang="en-US" smtClean="0"/>
-              <a:t>Click to edit Master text styles</a:t>
-            </a:r>
-          </a:p>
-        </p:txBody>
-      </p:sp>
-      <p:sp>
-        <p:nvSpPr>
-          <p:cNvPr id="4" name="Date Placeholder 3"/>
-          <p:cNvSpPr>
-            <a:spLocks noGrp="1"/>
-          </p:cNvSpPr>
-          <p:nvPr>
-            <p:ph type="dt" sz="half" idx="10"/>
-          </p:nvPr>
-        </p:nvSpPr>
-        <p:spPr/>
-        <p:txBody>
-          <a:bodyPr/>
-          <a:lstStyle/>
-          <a:p>
-            <a:fld id="{1D8BD707-D9CF-40AE-B4C6-C98DA3205C09}" type="datetimeFigureOut">
-              <a:rPr lang="en-US" smtClean="0"/>
-              <a:pPr/>
-              <a:t>4/17/2018</a:t>
-            </a:fld>
-            <a:endParaRPr lang="en-US"/>
-          </a:p>
-        </p:txBody>
-      </p:sp>
-      <p:sp>
-        <p:nvSpPr>
-          <p:cNvPr id="5" name="Footer Placeholder 4"/>
-          <p:cNvSpPr>
-            <a:spLocks noGrp="1"/>
-          </p:cNvSpPr>
-          <p:nvPr>
-            <p:ph type="ftr" sz="quarter" idx="11"/>
-          </p:nvPr>
-        </p:nvSpPr>
-        <p:spPr/>
-        <p:txBody>
-          <a:bodyPr/>
-          <a:lstStyle/>
-          <a:p>
-            <a:endParaRPr lang="en-US"/>
-          </a:p>
-        </p:txBody>
-      </p:sp>
-      <p:sp>
-        <p:nvSpPr>
-          <p:cNvPr id="6" name="Slide Number Placeholder 5"/>
-          <p:cNvSpPr>
-            <a:spLocks noGrp="1"/>
-          </p:cNvSpPr>
-          <p:nvPr>
-            <p:ph type="sldNum" sz="quarter" idx="12"/>
-          </p:nvPr>
-        </p:nvSpPr>
-        <p:spPr/>
-        <p:txBody>
-          <a:bodyPr/>
-          <a:lstStyle/>
-          <a:p>
-            <a:fld id="{B6F15528-21DE-4FAA-801E-634DDDAF4B2B}" type="slidenum">
-              <a:rPr lang="en-US" smtClean="0"/>
-              <a:pPr/>
-              <a:t>‹#›</a:t>
-            </a:fld>
-            <a:endParaRPr lang="en-US"/>
-          </a:p>
-        </p:txBody>
-      </p:sp>
-    </p:spTree>
-    <p:extLst>
-      <p:ext uri="{BB962C8B-B14F-4D97-AF65-F5344CB8AC3E}">
-        <p14:creationId xmlns="" xmlns:p14="http://schemas.microsoft.com/office/powerpoint/2010/main" val="3928325246"/>
-      </p:ext>
-    </p:extLst>
-  </p:cSld>
-  <p:clrMapOvr>
-    <a:masterClrMapping/>
-  </p:clrMapOvr>
-</p:sldLayout>
-</file>
-
-<file path=ppt/slideLayouts/slideLayout13.xml><?xml version="1.0" encoding="utf-8"?>
-<p:sldLayout xmlns:a="http://schemas.openxmlformats.org/drawingml/2006/main" xmlns:r="http://schemas.openxmlformats.org/officeDocument/2006/relationships" xmlns:p="http://schemas.openxmlformats.org/presentationml/2006/main" preserve="1">
-  <p:cSld name="Name Card">
-    <p:spTree>
-      <p:nvGrpSpPr>
-        <p:cNvPr id="1" name=""/>
-        <p:cNvGrpSpPr/>
-        <p:nvPr/>
-      </p:nvGrpSpPr>
-      <p:grpSpPr>
-        <a:xfrm>
-          <a:off x="0" y="0"/>
-          <a:ext cx="0" cy="0"/>
-          <a:chOff x="0" y="0"/>
-          <a:chExt cx="0" cy="0"/>
-        </a:xfrm>
-      </p:grpSpPr>
-      <p:sp>
-        <p:nvSpPr>
-          <p:cNvPr id="2" name="Title 1"/>
-          <p:cNvSpPr>
-            <a:spLocks noGrp="1"/>
-          </p:cNvSpPr>
-          <p:nvPr>
-            <p:ph type="title"/>
-          </p:nvPr>
-        </p:nvSpPr>
-        <p:spPr>
-          <a:xfrm>
-            <a:off x="1113235" y="2481436"/>
-            <a:ext cx="7514032" cy="1101600"/>
-          </a:xfrm>
-        </p:spPr>
-        <p:txBody>
-          <a:bodyPr anchor="b">
-            <a:normAutofit/>
-          </a:bodyPr>
-          <a:lstStyle>
-            <a:lvl1pPr algn="r">
-              <a:defRPr sz="2400" b="0" cap="none"/>
-            </a:lvl1pPr>
-          </a:lstStyle>
-          <a:p>
-            <a:r>
-              <a:rPr lang="en-US" smtClean="0"/>
-              <a:t>Click to edit Master title style</a:t>
-            </a:r>
-            <a:endParaRPr lang="en-US" dirty="0"/>
-          </a:p>
-        </p:txBody>
-      </p:sp>
-      <p:sp>
-        <p:nvSpPr>
-          <p:cNvPr id="3" name="Text Placeholder 2"/>
-          <p:cNvSpPr>
-            <a:spLocks noGrp="1"/>
-          </p:cNvSpPr>
-          <p:nvPr>
-            <p:ph type="body" idx="1"/>
-          </p:nvPr>
-        </p:nvSpPr>
-        <p:spPr>
-          <a:xfrm>
-            <a:off x="1113234" y="3583036"/>
-            <a:ext cx="7514033" cy="645300"/>
-          </a:xfrm>
-        </p:spPr>
-        <p:txBody>
-          <a:bodyPr anchor="t">
-            <a:normAutofit/>
-          </a:bodyPr>
-          <a:lstStyle>
-            <a:lvl1pPr marL="0" indent="0" algn="r">
-              <a:buNone/>
-              <a:defRPr sz="1500">
-                <a:solidFill>
-                  <a:schemeClr val="tx1"/>
-                </a:solidFill>
-              </a:defRPr>
-            </a:lvl1pPr>
-            <a:lvl2pPr marL="342900" indent="0">
-              <a:buNone/>
-              <a:defRPr sz="1350">
-                <a:solidFill>
-                  <a:schemeClr val="tx1">
-                    <a:tint val="75000"/>
-                  </a:schemeClr>
-                </a:solidFill>
-              </a:defRPr>
-            </a:lvl2pPr>
-            <a:lvl3pPr marL="685800" indent="0">
-              <a:buNone/>
-              <a:defRPr sz="1200">
-                <a:solidFill>
-                  <a:schemeClr val="tx1">
-                    <a:tint val="75000"/>
-                  </a:schemeClr>
-                </a:solidFill>
-              </a:defRPr>
-            </a:lvl3pPr>
-            <a:lvl4pPr marL="1028700" indent="0">
-              <a:buNone/>
-              <a:defRPr sz="1050">
-                <a:solidFill>
-                  <a:schemeClr val="tx1">
-                    <a:tint val="75000"/>
-                  </a:schemeClr>
-                </a:solidFill>
-              </a:defRPr>
-            </a:lvl4pPr>
-            <a:lvl5pPr marL="1371600" indent="0">
-              <a:buNone/>
-              <a:defRPr sz="1050">
-                <a:solidFill>
-                  <a:schemeClr val="tx1">
-                    <a:tint val="75000"/>
-                  </a:schemeClr>
-                </a:solidFill>
-              </a:defRPr>
-            </a:lvl5pPr>
-            <a:lvl6pPr marL="1714500" indent="0">
-              <a:buNone/>
-              <a:defRPr sz="1050">
-                <a:solidFill>
-                  <a:schemeClr val="tx1">
-                    <a:tint val="75000"/>
-                  </a:schemeClr>
-                </a:solidFill>
-              </a:defRPr>
-            </a:lvl6pPr>
-            <a:lvl7pPr marL="2057400" indent="0">
-              <a:buNone/>
-              <a:defRPr sz="1050">
-                <a:solidFill>
-                  <a:schemeClr val="tx1">
-                    <a:tint val="75000"/>
-                  </a:schemeClr>
-                </a:solidFill>
-              </a:defRPr>
-            </a:lvl7pPr>
-            <a:lvl8pPr marL="2400300" indent="0">
-              <a:buNone/>
-              <a:defRPr sz="1050">
-                <a:solidFill>
-                  <a:schemeClr val="tx1">
-                    <a:tint val="75000"/>
-                  </a:schemeClr>
-                </a:solidFill>
-              </a:defRPr>
-            </a:lvl8pPr>
-            <a:lvl9pPr marL="2743200" indent="0">
-              <a:buNone/>
-              <a:defRPr sz="1050">
-                <a:solidFill>
-                  <a:schemeClr val="tx1">
-                    <a:tint val="75000"/>
-                  </a:schemeClr>
-                </a:solidFill>
-              </a:defRPr>
-            </a:lvl9pPr>
-          </a:lstStyle>
-          <a:p>
-            <a:pPr lvl="0"/>
-            <a:r>
-              <a:rPr lang="en-US" smtClean="0"/>
-              <a:t>Click to edit Master text styles</a:t>
-            </a:r>
-          </a:p>
-        </p:txBody>
-      </p:sp>
-      <p:sp>
-        <p:nvSpPr>
-          <p:cNvPr id="4" name="Date Placeholder 3"/>
-          <p:cNvSpPr>
-            <a:spLocks noGrp="1"/>
-          </p:cNvSpPr>
-          <p:nvPr>
-            <p:ph type="dt" sz="half" idx="10"/>
-          </p:nvPr>
-        </p:nvSpPr>
-        <p:spPr/>
-        <p:txBody>
-          <a:bodyPr/>
-          <a:lstStyle/>
-          <a:p>
-            <a:fld id="{1D8BD707-D9CF-40AE-B4C6-C98DA3205C09}" type="datetimeFigureOut">
-              <a:rPr lang="en-US" smtClean="0"/>
-              <a:pPr/>
-              <a:t>4/17/2018</a:t>
-            </a:fld>
-            <a:endParaRPr lang="en-US"/>
-          </a:p>
-        </p:txBody>
-      </p:sp>
-      <p:sp>
-        <p:nvSpPr>
-          <p:cNvPr id="5" name="Footer Placeholder 4"/>
-          <p:cNvSpPr>
-            <a:spLocks noGrp="1"/>
-          </p:cNvSpPr>
-          <p:nvPr>
-            <p:ph type="ftr" sz="quarter" idx="11"/>
-          </p:nvPr>
-        </p:nvSpPr>
-        <p:spPr/>
-        <p:txBody>
-          <a:bodyPr/>
-          <a:lstStyle/>
-          <a:p>
-            <a:endParaRPr lang="en-US"/>
-          </a:p>
-        </p:txBody>
-      </p:sp>
-      <p:sp>
-        <p:nvSpPr>
-          <p:cNvPr id="6" name="Slide Number Placeholder 5"/>
-          <p:cNvSpPr>
-            <a:spLocks noGrp="1"/>
-          </p:cNvSpPr>
-          <p:nvPr>
-            <p:ph type="sldNum" sz="quarter" idx="12"/>
-          </p:nvPr>
-        </p:nvSpPr>
-        <p:spPr/>
-        <p:txBody>
-          <a:bodyPr/>
-          <a:lstStyle/>
-          <a:p>
-            <a:fld id="{B6F15528-21DE-4FAA-801E-634DDDAF4B2B}" type="slidenum">
-              <a:rPr lang="en-US" smtClean="0"/>
-              <a:pPr/>
-              <a:t>‹#›</a:t>
-            </a:fld>
-            <a:endParaRPr lang="en-US"/>
-          </a:p>
-        </p:txBody>
-      </p:sp>
-    </p:spTree>
-    <p:extLst>
-      <p:ext uri="{BB962C8B-B14F-4D97-AF65-F5344CB8AC3E}">
-        <p14:creationId xmlns="" xmlns:p14="http://schemas.microsoft.com/office/powerpoint/2010/main" val="3744157090"/>
-      </p:ext>
-    </p:extLst>
-  </p:cSld>
-  <p:clrMapOvr>
-    <a:masterClrMapping/>
-  </p:clrMapOvr>
-</p:sldLayout>
-</file>
-
-<file path=ppt/slideLayouts/slideLayout14.xml><?xml version="1.0" encoding="utf-8"?>
-<p:sldLayout xmlns:a="http://schemas.openxmlformats.org/drawingml/2006/main" xmlns:r="http://schemas.openxmlformats.org/officeDocument/2006/relationships" xmlns:p="http://schemas.openxmlformats.org/presentationml/2006/main" preserve="1">
-  <p:cSld name="Quote Name Card">
-    <p:spTree>
-      <p:nvGrpSpPr>
-        <p:cNvPr id="1" name=""/>
-        <p:cNvGrpSpPr/>
-        <p:nvPr/>
-      </p:nvGrpSpPr>
-      <p:grpSpPr>
-        <a:xfrm>
-          <a:off x="0" y="0"/>
-          <a:ext cx="0" cy="0"/>
-          <a:chOff x="0" y="0"/>
-          <a:chExt cx="0" cy="0"/>
-        </a:xfrm>
-      </p:grpSpPr>
-      <p:sp>
-        <p:nvSpPr>
-          <p:cNvPr id="14" name="TextBox 13"/>
-          <p:cNvSpPr txBox="1"/>
-          <p:nvPr/>
-        </p:nvSpPr>
-        <p:spPr>
-          <a:xfrm>
-            <a:off x="1198959" y="647267"/>
-            <a:ext cx="457200" cy="438582"/>
-          </a:xfrm>
-          <a:prstGeom prst="rect">
-            <a:avLst/>
-          </a:prstGeom>
-        </p:spPr>
-        <p:txBody>
-          <a:bodyPr vert="horz" lIns="68580" tIns="34290" rIns="68580" bIns="34290" rtlCol="0" anchor="ctr">
-            <a:noAutofit/>
-          </a:bodyPr>
-          <a:lstStyle>
-            <a:lvl1pPr>
-              <a:spcBef>
-                <a:spcPct val="0"/>
-              </a:spcBef>
-              <a:buNone/>
-              <a:defRPr sz="3200" b="0" cap="all">
-                <a:ln w="3175" cmpd="sng">
-                  <a:noFill/>
-                </a:ln>
-                <a:effectLst>
-                  <a:glow rad="38100">
-                    <a:schemeClr val="bg1">
-                      <a:lumMod val="65000"/>
-                      <a:lumOff val="35000"/>
-                      <a:alpha val="40000"/>
-                    </a:schemeClr>
-                  </a:glow>
-                  <a:outerShdw blurRad="28575" dist="38100" dir="14040000" algn="tl" rotWithShape="0">
-                    <a:srgbClr val="000000">
-                      <a:alpha val="25000"/>
-                    </a:srgbClr>
-                  </a:outerShdw>
-                </a:effectLst>
-              </a:defRPr>
-            </a:lvl1pPr>
-            <a:lvl2pPr>
-              <a:defRPr>
-                <a:solidFill>
-                  <a:schemeClr val="tx2"/>
-                </a:solidFill>
-              </a:defRPr>
-            </a:lvl2pPr>
-            <a:lvl3pPr>
-              <a:defRPr>
-                <a:solidFill>
-                  <a:schemeClr val="tx2"/>
-                </a:solidFill>
-              </a:defRPr>
-            </a:lvl3pPr>
-            <a:lvl4pPr>
-              <a:defRPr>
-                <a:solidFill>
-                  <a:schemeClr val="tx2"/>
-                </a:solidFill>
-              </a:defRPr>
-            </a:lvl4pPr>
-            <a:lvl5pPr>
-              <a:defRPr>
-                <a:solidFill>
-                  <a:schemeClr val="tx2"/>
-                </a:solidFill>
-              </a:defRPr>
-            </a:lvl5pPr>
-            <a:lvl6pPr>
-              <a:defRPr>
-                <a:solidFill>
-                  <a:schemeClr val="tx2"/>
-                </a:solidFill>
-              </a:defRPr>
-            </a:lvl6pPr>
-            <a:lvl7pPr>
-              <a:defRPr>
-                <a:solidFill>
-                  <a:schemeClr val="tx2"/>
-                </a:solidFill>
-              </a:defRPr>
-            </a:lvl7pPr>
-            <a:lvl8pPr>
-              <a:defRPr>
-                <a:solidFill>
-                  <a:schemeClr val="tx2"/>
-                </a:solidFill>
-              </a:defRPr>
-            </a:lvl8pPr>
-            <a:lvl9pPr>
-              <a:defRPr>
-                <a:solidFill>
-                  <a:schemeClr val="tx2"/>
-                </a:solidFill>
-              </a:defRPr>
-            </a:lvl9pPr>
-          </a:lstStyle>
-          <a:p>
-            <a:pPr lvl="0"/>
-            <a:r>
-              <a:rPr lang="en-US" sz="6000" dirty="0">
-                <a:solidFill>
-                  <a:schemeClr val="tx1"/>
-                </a:solidFill>
-                <a:effectLst/>
-              </a:rPr>
-              <a:t>“</a:t>
-            </a:r>
-          </a:p>
-        </p:txBody>
-      </p:sp>
-      <p:sp>
-        <p:nvSpPr>
-          <p:cNvPr id="15" name="TextBox 14"/>
-          <p:cNvSpPr txBox="1"/>
-          <p:nvPr/>
-        </p:nvSpPr>
-        <p:spPr>
-          <a:xfrm>
-            <a:off x="8170069" y="2114549"/>
-            <a:ext cx="457200" cy="438582"/>
-          </a:xfrm>
-          <a:prstGeom prst="rect">
-            <a:avLst/>
-          </a:prstGeom>
-        </p:spPr>
-        <p:txBody>
-          <a:bodyPr vert="horz" lIns="68580" tIns="34290" rIns="68580" bIns="34290" rtlCol="0" anchor="ctr">
-            <a:noAutofit/>
-          </a:bodyPr>
-          <a:lstStyle>
-            <a:lvl1pPr>
-              <a:spcBef>
-                <a:spcPct val="0"/>
-              </a:spcBef>
-              <a:buNone/>
-              <a:defRPr sz="3200" b="0" cap="all">
-                <a:ln w="3175" cmpd="sng">
-                  <a:noFill/>
-                </a:ln>
-                <a:effectLst>
-                  <a:glow rad="38100">
-                    <a:schemeClr val="bg1">
-                      <a:lumMod val="65000"/>
-                      <a:lumOff val="35000"/>
-                      <a:alpha val="40000"/>
-                    </a:schemeClr>
-                  </a:glow>
-                  <a:outerShdw blurRad="28575" dist="38100" dir="14040000" algn="tl" rotWithShape="0">
-                    <a:srgbClr val="000000">
-                      <a:alpha val="25000"/>
-                    </a:srgbClr>
-                  </a:outerShdw>
-                </a:effectLst>
-              </a:defRPr>
-            </a:lvl1pPr>
-            <a:lvl2pPr>
-              <a:defRPr>
-                <a:solidFill>
-                  <a:schemeClr val="tx2"/>
-                </a:solidFill>
-              </a:defRPr>
-            </a:lvl2pPr>
-            <a:lvl3pPr>
-              <a:defRPr>
-                <a:solidFill>
-                  <a:schemeClr val="tx2"/>
-                </a:solidFill>
-              </a:defRPr>
-            </a:lvl3pPr>
-            <a:lvl4pPr>
-              <a:defRPr>
-                <a:solidFill>
-                  <a:schemeClr val="tx2"/>
-                </a:solidFill>
-              </a:defRPr>
-            </a:lvl4pPr>
-            <a:lvl5pPr>
-              <a:defRPr>
-                <a:solidFill>
-                  <a:schemeClr val="tx2"/>
-                </a:solidFill>
-              </a:defRPr>
-            </a:lvl5pPr>
-            <a:lvl6pPr>
-              <a:defRPr>
-                <a:solidFill>
-                  <a:schemeClr val="tx2"/>
-                </a:solidFill>
-              </a:defRPr>
-            </a:lvl6pPr>
-            <a:lvl7pPr>
-              <a:defRPr>
-                <a:solidFill>
-                  <a:schemeClr val="tx2"/>
-                </a:solidFill>
-              </a:defRPr>
-            </a:lvl7pPr>
-            <a:lvl8pPr>
-              <a:defRPr>
-                <a:solidFill>
-                  <a:schemeClr val="tx2"/>
-                </a:solidFill>
-              </a:defRPr>
-            </a:lvl8pPr>
-            <a:lvl9pPr>
-              <a:defRPr>
-                <a:solidFill>
-                  <a:schemeClr val="tx2"/>
-                </a:solidFill>
-              </a:defRPr>
-            </a:lvl9pPr>
-          </a:lstStyle>
-          <a:p>
-            <a:pPr lvl="0" algn="r"/>
-            <a:r>
-              <a:rPr lang="en-US" sz="6000" dirty="0">
-                <a:solidFill>
-                  <a:schemeClr val="tx1"/>
-                </a:solidFill>
-                <a:effectLst/>
-              </a:rPr>
-              <a:t>”</a:t>
-            </a:r>
-          </a:p>
-        </p:txBody>
-      </p:sp>
-      <p:sp>
-        <p:nvSpPr>
-          <p:cNvPr id="2" name="Title 1"/>
-          <p:cNvSpPr>
-            <a:spLocks noGrp="1"/>
-          </p:cNvSpPr>
-          <p:nvPr>
-            <p:ph type="title"/>
-          </p:nvPr>
-        </p:nvSpPr>
-        <p:spPr>
-          <a:xfrm>
-            <a:off x="1656159" y="514351"/>
-            <a:ext cx="6742509" cy="2057399"/>
-          </a:xfrm>
-        </p:spPr>
-        <p:txBody>
-          <a:bodyPr anchor="ctr">
-            <a:normAutofit/>
-          </a:bodyPr>
-          <a:lstStyle>
-            <a:lvl1pPr algn="ctr">
-              <a:defRPr sz="2400" b="0" cap="none">
-                <a:solidFill>
-                  <a:schemeClr val="tx1"/>
-                </a:solidFill>
-              </a:defRPr>
-            </a:lvl1pPr>
-          </a:lstStyle>
-          <a:p>
-            <a:r>
-              <a:rPr lang="en-US" smtClean="0"/>
-              <a:t>Click to edit Master title style</a:t>
-            </a:r>
-            <a:endParaRPr lang="en-US" dirty="0"/>
-          </a:p>
-        </p:txBody>
-      </p:sp>
-      <p:sp>
-        <p:nvSpPr>
-          <p:cNvPr id="10" name="Text Placeholder 9"/>
-          <p:cNvSpPr>
-            <a:spLocks noGrp="1"/>
-          </p:cNvSpPr>
-          <p:nvPr>
-            <p:ph type="body" sz="quarter" idx="13"/>
-          </p:nvPr>
-        </p:nvSpPr>
-        <p:spPr>
-          <a:xfrm>
-            <a:off x="1113235" y="2914650"/>
-            <a:ext cx="7514033" cy="666750"/>
-          </a:xfrm>
-        </p:spPr>
-        <p:txBody>
-          <a:bodyPr vert="horz" lIns="91440" tIns="45720" rIns="91440" bIns="45720" rtlCol="0" anchor="b">
-            <a:normAutofit/>
-          </a:bodyPr>
-          <a:lstStyle>
-            <a:lvl1pPr algn="r">
-              <a:buNone/>
-              <a:defRPr lang="en-US" sz="1800" b="0" cap="none" dirty="0">
-                <a:ln w="3175" cmpd="sng">
-                  <a:noFill/>
-                </a:ln>
-                <a:solidFill>
-                  <a:schemeClr val="tx1"/>
-                </a:solidFill>
-                <a:effectLst/>
-              </a:defRPr>
-            </a:lvl1pPr>
-          </a:lstStyle>
-          <a:p>
-            <a:pPr marL="0" lvl="0">
-              <a:spcBef>
-                <a:spcPct val="0"/>
-              </a:spcBef>
-              <a:buNone/>
-            </a:pPr>
-            <a:r>
-              <a:rPr lang="en-US" smtClean="0"/>
-              <a:t>Click to edit Master text styles</a:t>
-            </a:r>
-          </a:p>
-        </p:txBody>
-      </p:sp>
-      <p:sp>
-        <p:nvSpPr>
-          <p:cNvPr id="3" name="Text Placeholder 2"/>
-          <p:cNvSpPr>
-            <a:spLocks noGrp="1"/>
-          </p:cNvSpPr>
-          <p:nvPr>
-            <p:ph type="body" idx="1"/>
-          </p:nvPr>
-        </p:nvSpPr>
-        <p:spPr>
-          <a:xfrm>
-            <a:off x="1113234" y="3581400"/>
-            <a:ext cx="7514033" cy="762000"/>
-          </a:xfrm>
-        </p:spPr>
-        <p:txBody>
-          <a:bodyPr anchor="t">
-            <a:normAutofit/>
-          </a:bodyPr>
-          <a:lstStyle>
-            <a:lvl1pPr marL="0" indent="0" algn="r">
-              <a:buNone/>
-              <a:defRPr sz="1350">
-                <a:solidFill>
-                  <a:schemeClr val="tx1"/>
-                </a:solidFill>
-              </a:defRPr>
-            </a:lvl1pPr>
-            <a:lvl2pPr marL="342900" indent="0">
-              <a:buNone/>
-              <a:defRPr sz="1350">
-                <a:solidFill>
-                  <a:schemeClr val="tx1">
-                    <a:tint val="75000"/>
-                  </a:schemeClr>
-                </a:solidFill>
-              </a:defRPr>
-            </a:lvl2pPr>
-            <a:lvl3pPr marL="685800" indent="0">
-              <a:buNone/>
-              <a:defRPr sz="1200">
-                <a:solidFill>
-                  <a:schemeClr val="tx1">
-                    <a:tint val="75000"/>
-                  </a:schemeClr>
-                </a:solidFill>
-              </a:defRPr>
-            </a:lvl3pPr>
-            <a:lvl4pPr marL="1028700" indent="0">
-              <a:buNone/>
-              <a:defRPr sz="1050">
-                <a:solidFill>
-                  <a:schemeClr val="tx1">
-                    <a:tint val="75000"/>
-                  </a:schemeClr>
-                </a:solidFill>
-              </a:defRPr>
-            </a:lvl4pPr>
-            <a:lvl5pPr marL="1371600" indent="0">
-              <a:buNone/>
-              <a:defRPr sz="1050">
-                <a:solidFill>
-                  <a:schemeClr val="tx1">
-                    <a:tint val="75000"/>
-                  </a:schemeClr>
-                </a:solidFill>
-              </a:defRPr>
-            </a:lvl5pPr>
-            <a:lvl6pPr marL="1714500" indent="0">
-              <a:buNone/>
-              <a:defRPr sz="1050">
-                <a:solidFill>
-                  <a:schemeClr val="tx1">
-                    <a:tint val="75000"/>
-                  </a:schemeClr>
-                </a:solidFill>
-              </a:defRPr>
-            </a:lvl6pPr>
-            <a:lvl7pPr marL="2057400" indent="0">
-              <a:buNone/>
-              <a:defRPr sz="1050">
-                <a:solidFill>
-                  <a:schemeClr val="tx1">
-                    <a:tint val="75000"/>
-                  </a:schemeClr>
-                </a:solidFill>
-              </a:defRPr>
-            </a:lvl7pPr>
-            <a:lvl8pPr marL="2400300" indent="0">
-              <a:buNone/>
-              <a:defRPr sz="1050">
-                <a:solidFill>
-                  <a:schemeClr val="tx1">
-                    <a:tint val="75000"/>
-                  </a:schemeClr>
-                </a:solidFill>
-              </a:defRPr>
-            </a:lvl8pPr>
-            <a:lvl9pPr marL="2743200" indent="0">
-              <a:buNone/>
-              <a:defRPr sz="1050">
-                <a:solidFill>
-                  <a:schemeClr val="tx1">
-                    <a:tint val="75000"/>
-                  </a:schemeClr>
-                </a:solidFill>
-              </a:defRPr>
-            </a:lvl9pPr>
-          </a:lstStyle>
-          <a:p>
-            <a:pPr lvl="0"/>
-            <a:r>
-              <a:rPr lang="en-US" smtClean="0"/>
-              <a:t>Click to edit Master text styles</a:t>
-            </a:r>
-          </a:p>
-        </p:txBody>
-      </p:sp>
-      <p:sp>
-        <p:nvSpPr>
-          <p:cNvPr id="4" name="Date Placeholder 3"/>
-          <p:cNvSpPr>
-            <a:spLocks noGrp="1"/>
-          </p:cNvSpPr>
-          <p:nvPr>
-            <p:ph type="dt" sz="half" idx="10"/>
-          </p:nvPr>
-        </p:nvSpPr>
-        <p:spPr/>
-        <p:txBody>
-          <a:bodyPr/>
-          <a:lstStyle/>
-          <a:p>
-            <a:fld id="{1D8BD707-D9CF-40AE-B4C6-C98DA3205C09}" type="datetimeFigureOut">
-              <a:rPr lang="en-US" smtClean="0"/>
-              <a:pPr/>
-              <a:t>4/17/2018</a:t>
-            </a:fld>
-            <a:endParaRPr lang="en-US"/>
-          </a:p>
-        </p:txBody>
-      </p:sp>
-      <p:sp>
-        <p:nvSpPr>
-          <p:cNvPr id="5" name="Footer Placeholder 4"/>
-          <p:cNvSpPr>
-            <a:spLocks noGrp="1"/>
-          </p:cNvSpPr>
-          <p:nvPr>
-            <p:ph type="ftr" sz="quarter" idx="11"/>
-          </p:nvPr>
-        </p:nvSpPr>
-        <p:spPr/>
-        <p:txBody>
-          <a:bodyPr/>
-          <a:lstStyle/>
-          <a:p>
-            <a:endParaRPr lang="en-US"/>
-          </a:p>
-        </p:txBody>
-      </p:sp>
-      <p:sp>
-        <p:nvSpPr>
-          <p:cNvPr id="6" name="Slide Number Placeholder 5"/>
-          <p:cNvSpPr>
-            <a:spLocks noGrp="1"/>
-          </p:cNvSpPr>
-          <p:nvPr>
-            <p:ph type="sldNum" sz="quarter" idx="12"/>
-          </p:nvPr>
-        </p:nvSpPr>
-        <p:spPr/>
-        <p:txBody>
-          <a:bodyPr/>
-          <a:lstStyle/>
-          <a:p>
-            <a:fld id="{B6F15528-21DE-4FAA-801E-634DDDAF4B2B}" type="slidenum">
-              <a:rPr lang="en-US" smtClean="0"/>
-              <a:pPr/>
-              <a:t>‹#›</a:t>
-            </a:fld>
-            <a:endParaRPr lang="en-US"/>
-          </a:p>
-        </p:txBody>
-      </p:sp>
-    </p:spTree>
-    <p:extLst>
-      <p:ext uri="{BB962C8B-B14F-4D97-AF65-F5344CB8AC3E}">
-        <p14:creationId xmlns="" xmlns:p14="http://schemas.microsoft.com/office/powerpoint/2010/main" val="759880541"/>
-      </p:ext>
-    </p:extLst>
-  </p:cSld>
-  <p:clrMapOvr>
-    <a:masterClrMapping/>
-  </p:clrMapOvr>
-</p:sldLayout>
-</file>
-
-<file path=ppt/slideLayouts/slideLayout15.xml><?xml version="1.0" encoding="utf-8"?>
-<p:sldLayout xmlns:a="http://schemas.openxmlformats.org/drawingml/2006/main" xmlns:r="http://schemas.openxmlformats.org/officeDocument/2006/relationships" xmlns:p="http://schemas.openxmlformats.org/presentationml/2006/main" preserve="1">
-  <p:cSld name="True or False">
-    <p:spTree>
-      <p:nvGrpSpPr>
-        <p:cNvPr id="1" name=""/>
-        <p:cNvGrpSpPr/>
-        <p:nvPr/>
-      </p:nvGrpSpPr>
-      <p:grpSpPr>
-        <a:xfrm>
-          <a:off x="0" y="0"/>
-          <a:ext cx="0" cy="0"/>
-          <a:chOff x="0" y="0"/>
-          <a:chExt cx="0" cy="0"/>
-        </a:xfrm>
-      </p:grpSpPr>
-      <p:sp>
-        <p:nvSpPr>
-          <p:cNvPr id="2" name="Title 1"/>
-          <p:cNvSpPr>
-            <a:spLocks noGrp="1"/>
-          </p:cNvSpPr>
-          <p:nvPr>
-            <p:ph type="title"/>
-          </p:nvPr>
-        </p:nvSpPr>
-        <p:spPr>
-          <a:xfrm>
-            <a:off x="1113235" y="514350"/>
-            <a:ext cx="7514034" cy="2045494"/>
-          </a:xfrm>
-        </p:spPr>
-        <p:txBody>
-          <a:bodyPr vert="horz" lIns="91440" tIns="45720" rIns="91440" bIns="45720" rtlCol="0" anchor="ctr">
-            <a:normAutofit/>
-          </a:bodyPr>
-          <a:lstStyle>
-            <a:lvl1pPr>
-              <a:defRPr lang="en-US" b="0" dirty="0"/>
-            </a:lvl1pPr>
-          </a:lstStyle>
-          <a:p>
-            <a:pPr marL="0" lvl="0"/>
-            <a:r>
-              <a:rPr lang="en-US" smtClean="0"/>
-              <a:t>Click to edit Master title style</a:t>
-            </a:r>
-            <a:endParaRPr lang="en-US" dirty="0"/>
-          </a:p>
-        </p:txBody>
-      </p:sp>
-      <p:sp>
-        <p:nvSpPr>
-          <p:cNvPr id="10" name="Text Placeholder 9"/>
-          <p:cNvSpPr>
-            <a:spLocks noGrp="1"/>
-          </p:cNvSpPr>
-          <p:nvPr>
-            <p:ph type="body" sz="quarter" idx="13"/>
-          </p:nvPr>
-        </p:nvSpPr>
-        <p:spPr>
-          <a:xfrm>
-            <a:off x="1113234" y="2628900"/>
-            <a:ext cx="7514035" cy="628650"/>
-          </a:xfrm>
-        </p:spPr>
-        <p:txBody>
-          <a:bodyPr vert="horz" lIns="91440" tIns="45720" rIns="91440" bIns="45720" rtlCol="0" anchor="b">
-            <a:normAutofit/>
-          </a:bodyPr>
-          <a:lstStyle>
-            <a:lvl1pPr>
-              <a:buNone/>
-              <a:defRPr lang="en-US" sz="2100" b="0" cap="none" dirty="0">
-                <a:ln w="3175" cmpd="sng">
-                  <a:noFill/>
-                </a:ln>
-                <a:solidFill>
-                  <a:schemeClr val="tx1"/>
-                </a:solidFill>
-                <a:effectLst/>
-              </a:defRPr>
-            </a:lvl1pPr>
-          </a:lstStyle>
-          <a:p>
-            <a:pPr marL="0" lvl="0">
-              <a:spcBef>
-                <a:spcPct val="0"/>
-              </a:spcBef>
-              <a:buNone/>
-            </a:pPr>
-            <a:r>
-              <a:rPr lang="en-US" smtClean="0"/>
-              <a:t>Click to edit Master text styles</a:t>
-            </a:r>
-          </a:p>
-        </p:txBody>
-      </p:sp>
-      <p:sp>
-        <p:nvSpPr>
-          <p:cNvPr id="3" name="Text Placeholder 2"/>
-          <p:cNvSpPr>
-            <a:spLocks noGrp="1"/>
-          </p:cNvSpPr>
-          <p:nvPr>
-            <p:ph type="body" idx="1"/>
-          </p:nvPr>
-        </p:nvSpPr>
-        <p:spPr>
-          <a:xfrm>
-            <a:off x="1113234" y="3257550"/>
-            <a:ext cx="7514035" cy="1085850"/>
-          </a:xfrm>
-        </p:spPr>
-        <p:txBody>
-          <a:bodyPr anchor="t">
-            <a:normAutofit/>
-          </a:bodyPr>
-          <a:lstStyle>
-            <a:lvl1pPr marL="0" indent="0" algn="l">
-              <a:buNone/>
-              <a:defRPr sz="1350">
-                <a:solidFill>
-                  <a:schemeClr val="tx1"/>
-                </a:solidFill>
-              </a:defRPr>
-            </a:lvl1pPr>
-            <a:lvl2pPr marL="342900" indent="0">
-              <a:buNone/>
-              <a:defRPr sz="1350">
-                <a:solidFill>
-                  <a:schemeClr val="tx1">
-                    <a:tint val="75000"/>
-                  </a:schemeClr>
-                </a:solidFill>
-              </a:defRPr>
-            </a:lvl2pPr>
-            <a:lvl3pPr marL="685800" indent="0">
-              <a:buNone/>
-              <a:defRPr sz="1200">
-                <a:solidFill>
-                  <a:schemeClr val="tx1">
-                    <a:tint val="75000"/>
-                  </a:schemeClr>
-                </a:solidFill>
-              </a:defRPr>
-            </a:lvl3pPr>
-            <a:lvl4pPr marL="1028700" indent="0">
-              <a:buNone/>
-              <a:defRPr sz="1050">
-                <a:solidFill>
-                  <a:schemeClr val="tx1">
-                    <a:tint val="75000"/>
-                  </a:schemeClr>
-                </a:solidFill>
-              </a:defRPr>
-            </a:lvl4pPr>
-            <a:lvl5pPr marL="1371600" indent="0">
-              <a:buNone/>
-              <a:defRPr sz="1050">
-                <a:solidFill>
-                  <a:schemeClr val="tx1">
-                    <a:tint val="75000"/>
-                  </a:schemeClr>
-                </a:solidFill>
-              </a:defRPr>
-            </a:lvl5pPr>
-            <a:lvl6pPr marL="1714500" indent="0">
-              <a:buNone/>
-              <a:defRPr sz="1050">
-                <a:solidFill>
-                  <a:schemeClr val="tx1">
-                    <a:tint val="75000"/>
-                  </a:schemeClr>
-                </a:solidFill>
-              </a:defRPr>
-            </a:lvl6pPr>
-            <a:lvl7pPr marL="2057400" indent="0">
-              <a:buNone/>
-              <a:defRPr sz="1050">
-                <a:solidFill>
-                  <a:schemeClr val="tx1">
-                    <a:tint val="75000"/>
-                  </a:schemeClr>
-                </a:solidFill>
-              </a:defRPr>
-            </a:lvl7pPr>
-            <a:lvl8pPr marL="2400300" indent="0">
-              <a:buNone/>
-              <a:defRPr sz="1050">
-                <a:solidFill>
-                  <a:schemeClr val="tx1">
-                    <a:tint val="75000"/>
-                  </a:schemeClr>
-                </a:solidFill>
-              </a:defRPr>
-            </a:lvl8pPr>
-            <a:lvl9pPr marL="2743200" indent="0">
-              <a:buNone/>
-              <a:defRPr sz="1050">
-                <a:solidFill>
-                  <a:schemeClr val="tx1">
-                    <a:tint val="75000"/>
-                  </a:schemeClr>
-                </a:solidFill>
-              </a:defRPr>
-            </a:lvl9pPr>
-          </a:lstStyle>
-          <a:p>
-            <a:pPr lvl="0"/>
-            <a:r>
-              <a:rPr lang="en-US" smtClean="0"/>
-              <a:t>Click to edit Master text styles</a:t>
-            </a:r>
-          </a:p>
-        </p:txBody>
-      </p:sp>
-      <p:sp>
-        <p:nvSpPr>
-          <p:cNvPr id="4" name="Date Placeholder 3"/>
-          <p:cNvSpPr>
-            <a:spLocks noGrp="1"/>
-          </p:cNvSpPr>
-          <p:nvPr>
-            <p:ph type="dt" sz="half" idx="10"/>
-          </p:nvPr>
-        </p:nvSpPr>
-        <p:spPr/>
-        <p:txBody>
-          <a:bodyPr/>
-          <a:lstStyle/>
-          <a:p>
-            <a:fld id="{1D8BD707-D9CF-40AE-B4C6-C98DA3205C09}" type="datetimeFigureOut">
-              <a:rPr lang="en-US" smtClean="0"/>
-              <a:pPr/>
-              <a:t>4/17/2018</a:t>
-            </a:fld>
-            <a:endParaRPr lang="en-US"/>
-          </a:p>
-        </p:txBody>
-      </p:sp>
-      <p:sp>
-        <p:nvSpPr>
-          <p:cNvPr id="5" name="Footer Placeholder 4"/>
-          <p:cNvSpPr>
-            <a:spLocks noGrp="1"/>
-          </p:cNvSpPr>
-          <p:nvPr>
-            <p:ph type="ftr" sz="quarter" idx="11"/>
-          </p:nvPr>
-        </p:nvSpPr>
-        <p:spPr/>
-        <p:txBody>
-          <a:bodyPr/>
-          <a:lstStyle/>
-          <a:p>
-            <a:endParaRPr lang="en-US"/>
-          </a:p>
-        </p:txBody>
-      </p:sp>
-      <p:sp>
-        <p:nvSpPr>
-          <p:cNvPr id="6" name="Slide Number Placeholder 5"/>
-          <p:cNvSpPr>
-            <a:spLocks noGrp="1"/>
-          </p:cNvSpPr>
-          <p:nvPr>
-            <p:ph type="sldNum" sz="quarter" idx="12"/>
-          </p:nvPr>
-        </p:nvSpPr>
-        <p:spPr/>
-        <p:txBody>
-          <a:bodyPr/>
-          <a:lstStyle/>
-          <a:p>
-            <a:fld id="{B6F15528-21DE-4FAA-801E-634DDDAF4B2B}" type="slidenum">
-              <a:rPr lang="en-US" smtClean="0"/>
-              <a:pPr/>
-              <a:t>‹#›</a:t>
-            </a:fld>
-            <a:endParaRPr lang="en-US"/>
-          </a:p>
-        </p:txBody>
-      </p:sp>
-    </p:spTree>
-    <p:extLst>
-      <p:ext uri="{BB962C8B-B14F-4D97-AF65-F5344CB8AC3E}">
-        <p14:creationId xmlns="" xmlns:p14="http://schemas.microsoft.com/office/powerpoint/2010/main" val="1688272703"/>
-      </p:ext>
-    </p:extLst>
-  </p:cSld>
-  <p:clrMapOvr>
-    <a:masterClrMapping/>
-  </p:clrMapOvr>
-</p:sldLayout>
-</file>
-
-<file path=ppt/slideLayouts/slideLayout16.xml><?xml version="1.0" encoding="utf-8"?>
 <p:sldLayout xmlns:a="http://schemas.openxmlformats.org/drawingml/2006/main" xmlns:r="http://schemas.openxmlformats.org/officeDocument/2006/relationships" xmlns:p="http://schemas.openxmlformats.org/presentationml/2006/main" type="vertTx" preserve="1">
   <p:cSld name="Title and Vertical Text">
     <p:spTree>
@@ -2913,7 +399,13 @@
       </p:grpSpPr>
       <p:sp>
         <p:nvSpPr>
-          <p:cNvPr id="2" name="Title 1"/>
+          <p:cNvPr id="2" name="Title 1">
+            <a:extLst>
+              <a:ext uri="{FF2B5EF4-FFF2-40B4-BE49-F238E27FC236}">
+                <a16:creationId xmlns:a16="http://schemas.microsoft.com/office/drawing/2014/main" id="{5233E011-BF7D-6E16-A4C0-C55AB26A6EB8}"/>
+              </a:ext>
+            </a:extLst>
+          </p:cNvPr>
           <p:cNvSpPr>
             <a:spLocks noGrp="1"/>
           </p:cNvSpPr>
@@ -2924,23 +416,25 @@
         <p:spPr/>
         <p:txBody>
           <a:bodyPr/>
-          <a:lstStyle>
-            <a:lvl1pPr algn="ctr">
-              <a:defRPr/>
-            </a:lvl1pPr>
-          </a:lstStyle>
-          <a:p>
-            <a:r>
-              <a:rPr lang="en-US" smtClean="0"/>
+          <a:lstStyle/>
+          <a:p>
+            <a:r>
+              <a:rPr lang="en-GB"/>
               <a:t>Click to edit Master title style</a:t>
             </a:r>
-            <a:endParaRPr lang="en-US" dirty="0"/>
-          </a:p>
-        </p:txBody>
-      </p:sp>
-      <p:sp>
-        <p:nvSpPr>
-          <p:cNvPr id="3" name="Vertical Text Placeholder 2"/>
+            <a:endParaRPr lang="en-US"/>
+          </a:p>
+        </p:txBody>
+      </p:sp>
+      <p:sp>
+        <p:nvSpPr>
+          <p:cNvPr id="3" name="Vertical Text Placeholder 2">
+            <a:extLst>
+              <a:ext uri="{FF2B5EF4-FFF2-40B4-BE49-F238E27FC236}">
+                <a16:creationId xmlns:a16="http://schemas.microsoft.com/office/drawing/2014/main" id="{AD1DAD44-69AC-10E6-9066-A135B74E84DA}"/>
+              </a:ext>
+            </a:extLst>
+          </p:cNvPr>
           <p:cNvSpPr>
             <a:spLocks noGrp="1"/>
           </p:cNvSpPr>
@@ -2950,49 +444,55 @@
         </p:nvSpPr>
         <p:spPr/>
         <p:txBody>
-          <a:bodyPr vert="eaVert" anchor="t"/>
+          <a:bodyPr vert="eaVert"/>
           <a:lstStyle/>
           <a:p>
             <a:pPr lvl="0"/>
             <a:r>
-              <a:rPr lang="en-US" smtClean="0"/>
+              <a:rPr lang="en-GB"/>
               <a:t>Click to edit Master text styles</a:t>
             </a:r>
           </a:p>
           <a:p>
             <a:pPr lvl="1"/>
             <a:r>
-              <a:rPr lang="en-US" smtClean="0"/>
+              <a:rPr lang="en-GB"/>
               <a:t>Second level</a:t>
             </a:r>
           </a:p>
           <a:p>
             <a:pPr lvl="2"/>
             <a:r>
-              <a:rPr lang="en-US" smtClean="0"/>
+              <a:rPr lang="en-GB"/>
               <a:t>Third level</a:t>
             </a:r>
           </a:p>
           <a:p>
             <a:pPr lvl="3"/>
             <a:r>
-              <a:rPr lang="en-US" smtClean="0"/>
+              <a:rPr lang="en-GB"/>
               <a:t>Fourth level</a:t>
             </a:r>
           </a:p>
           <a:p>
             <a:pPr lvl="4"/>
             <a:r>
-              <a:rPr lang="en-US" smtClean="0"/>
+              <a:rPr lang="en-GB"/>
               <a:t>Fifth level</a:t>
             </a:r>
-            <a:endParaRPr lang="en-US" dirty="0"/>
-          </a:p>
-        </p:txBody>
-      </p:sp>
-      <p:sp>
-        <p:nvSpPr>
-          <p:cNvPr id="4" name="Date Placeholder 3"/>
+            <a:endParaRPr lang="en-US"/>
+          </a:p>
+        </p:txBody>
+      </p:sp>
+      <p:sp>
+        <p:nvSpPr>
+          <p:cNvPr id="4" name="Date Placeholder 3">
+            <a:extLst>
+              <a:ext uri="{FF2B5EF4-FFF2-40B4-BE49-F238E27FC236}">
+                <a16:creationId xmlns:a16="http://schemas.microsoft.com/office/drawing/2014/main" id="{CAF8C6B4-C71C-764C-5FF0-2E11EEE1A5E2}"/>
+              </a:ext>
+            </a:extLst>
+          </p:cNvPr>
           <p:cNvSpPr>
             <a:spLocks noGrp="1"/>
           </p:cNvSpPr>
@@ -3008,7 +508,7 @@
             <a:fld id="{1D8BD707-D9CF-40AE-B4C6-C98DA3205C09}" type="datetimeFigureOut">
               <a:rPr lang="en-US" smtClean="0"/>
               <a:pPr/>
-              <a:t>4/17/2018</a:t>
+              <a:t>4/12/23</a:t>
             </a:fld>
             <a:endParaRPr lang="en-US"/>
           </a:p>
@@ -3016,7 +516,13 @@
       </p:sp>
       <p:sp>
         <p:nvSpPr>
-          <p:cNvPr id="5" name="Footer Placeholder 4"/>
+          <p:cNvPr id="5" name="Footer Placeholder 4">
+            <a:extLst>
+              <a:ext uri="{FF2B5EF4-FFF2-40B4-BE49-F238E27FC236}">
+                <a16:creationId xmlns:a16="http://schemas.microsoft.com/office/drawing/2014/main" id="{206178ED-25F5-1A63-BC9C-88BBAA00BBAD}"/>
+              </a:ext>
+            </a:extLst>
+          </p:cNvPr>
           <p:cNvSpPr>
             <a:spLocks noGrp="1"/>
           </p:cNvSpPr>
@@ -3035,7 +541,13 @@
       </p:sp>
       <p:sp>
         <p:nvSpPr>
-          <p:cNvPr id="6" name="Slide Number Placeholder 5"/>
+          <p:cNvPr id="6" name="Slide Number Placeholder 5">
+            <a:extLst>
+              <a:ext uri="{FF2B5EF4-FFF2-40B4-BE49-F238E27FC236}">
+                <a16:creationId xmlns:a16="http://schemas.microsoft.com/office/drawing/2014/main" id="{BEA3BF15-03D3-EA20-D30F-24D1ED550602}"/>
+              </a:ext>
+            </a:extLst>
+          </p:cNvPr>
           <p:cNvSpPr>
             <a:spLocks noGrp="1"/>
           </p:cNvSpPr>
@@ -3060,7 +572,7 @@
     </p:spTree>
     <p:extLst>
       <p:ext uri="{BB962C8B-B14F-4D97-AF65-F5344CB8AC3E}">
-        <p14:creationId xmlns="" xmlns:p14="http://schemas.microsoft.com/office/powerpoint/2010/main" val="2028997873"/>
+        <p14:creationId xmlns:p14="http://schemas.microsoft.com/office/powerpoint/2010/main" val="2570610018"/>
       </p:ext>
     </p:extLst>
   </p:cSld>
@@ -3070,7 +582,7 @@
 </p:sldLayout>
 </file>
 
-<file path=ppt/slideLayouts/slideLayout17.xml><?xml version="1.0" encoding="utf-8"?>
+<file path=ppt/slideLayouts/slideLayout11.xml><?xml version="1.0" encoding="utf-8"?>
 <p:sldLayout xmlns:a="http://schemas.openxmlformats.org/drawingml/2006/main" xmlns:r="http://schemas.openxmlformats.org/officeDocument/2006/relationships" xmlns:p="http://schemas.openxmlformats.org/presentationml/2006/main" type="vertTitleAndTx" preserve="1">
   <p:cSld name="Vertical Title and Text">
     <p:spTree>
@@ -3089,7 +601,13 @@
       </p:grpSpPr>
       <p:sp>
         <p:nvSpPr>
-          <p:cNvPr id="2" name="Vertical Title 1"/>
+          <p:cNvPr id="2" name="Vertical Title 1">
+            <a:extLst>
+              <a:ext uri="{FF2B5EF4-FFF2-40B4-BE49-F238E27FC236}">
+                <a16:creationId xmlns:a16="http://schemas.microsoft.com/office/drawing/2014/main" id="{9F88C3F7-955D-9DFB-3FA2-358E987340D9}"/>
+              </a:ext>
+            </a:extLst>
+          </p:cNvPr>
           <p:cNvSpPr>
             <a:spLocks noGrp="1"/>
           </p:cNvSpPr>
@@ -3099,8 +617,8 @@
         </p:nvSpPr>
         <p:spPr>
           <a:xfrm>
-            <a:off x="7299492" y="514350"/>
-            <a:ext cx="1327777" cy="3829050"/>
+            <a:off x="6543675" y="273844"/>
+            <a:ext cx="1971675" cy="4358879"/>
           </a:xfrm>
         </p:spPr>
         <p:txBody>
@@ -3108,16 +626,22 @@
           <a:lstStyle/>
           <a:p>
             <a:r>
-              <a:rPr lang="en-US" smtClean="0"/>
+              <a:rPr lang="en-GB"/>
               <a:t>Click to edit Master title style</a:t>
             </a:r>
-            <a:endParaRPr lang="en-US" dirty="0"/>
-          </a:p>
-        </p:txBody>
-      </p:sp>
-      <p:sp>
-        <p:nvSpPr>
-          <p:cNvPr id="3" name="Vertical Text Placeholder 2"/>
+            <a:endParaRPr lang="en-US"/>
+          </a:p>
+        </p:txBody>
+      </p:sp>
+      <p:sp>
+        <p:nvSpPr>
+          <p:cNvPr id="3" name="Vertical Text Placeholder 2">
+            <a:extLst>
+              <a:ext uri="{FF2B5EF4-FFF2-40B4-BE49-F238E27FC236}">
+                <a16:creationId xmlns:a16="http://schemas.microsoft.com/office/drawing/2014/main" id="{FA397707-4EB1-1AA2-982B-62D6142EFDDA}"/>
+              </a:ext>
+            </a:extLst>
+          </p:cNvPr>
           <p:cNvSpPr>
             <a:spLocks noGrp="1"/>
           </p:cNvSpPr>
@@ -3127,54 +651,60 @@
         </p:nvSpPr>
         <p:spPr>
           <a:xfrm>
-            <a:off x="1113234" y="514350"/>
-            <a:ext cx="6014807" cy="3829050"/>
+            <a:off x="628650" y="273844"/>
+            <a:ext cx="5800725" cy="4358879"/>
           </a:xfrm>
         </p:spPr>
         <p:txBody>
-          <a:bodyPr vert="eaVert" anchor="t"/>
+          <a:bodyPr vert="eaVert"/>
           <a:lstStyle/>
           <a:p>
             <a:pPr lvl="0"/>
             <a:r>
-              <a:rPr lang="en-US" smtClean="0"/>
+              <a:rPr lang="en-GB"/>
               <a:t>Click to edit Master text styles</a:t>
             </a:r>
           </a:p>
           <a:p>
             <a:pPr lvl="1"/>
             <a:r>
-              <a:rPr lang="en-US" smtClean="0"/>
+              <a:rPr lang="en-GB"/>
               <a:t>Second level</a:t>
             </a:r>
           </a:p>
           <a:p>
             <a:pPr lvl="2"/>
             <a:r>
-              <a:rPr lang="en-US" smtClean="0"/>
+              <a:rPr lang="en-GB"/>
               <a:t>Third level</a:t>
             </a:r>
           </a:p>
           <a:p>
             <a:pPr lvl="3"/>
             <a:r>
-              <a:rPr lang="en-US" smtClean="0"/>
+              <a:rPr lang="en-GB"/>
               <a:t>Fourth level</a:t>
             </a:r>
           </a:p>
           <a:p>
             <a:pPr lvl="4"/>
             <a:r>
-              <a:rPr lang="en-US" smtClean="0"/>
+              <a:rPr lang="en-GB"/>
               <a:t>Fifth level</a:t>
             </a:r>
-            <a:endParaRPr lang="en-US" dirty="0"/>
-          </a:p>
-        </p:txBody>
-      </p:sp>
-      <p:sp>
-        <p:nvSpPr>
-          <p:cNvPr id="4" name="Date Placeholder 3"/>
+            <a:endParaRPr lang="en-US"/>
+          </a:p>
+        </p:txBody>
+      </p:sp>
+      <p:sp>
+        <p:nvSpPr>
+          <p:cNvPr id="4" name="Date Placeholder 3">
+            <a:extLst>
+              <a:ext uri="{FF2B5EF4-FFF2-40B4-BE49-F238E27FC236}">
+                <a16:creationId xmlns:a16="http://schemas.microsoft.com/office/drawing/2014/main" id="{873986FA-AF1C-C8F4-FD1D-73BAE6619B3D}"/>
+              </a:ext>
+            </a:extLst>
+          </p:cNvPr>
           <p:cNvSpPr>
             <a:spLocks noGrp="1"/>
           </p:cNvSpPr>
@@ -3190,7 +720,7 @@
             <a:fld id="{1D8BD707-D9CF-40AE-B4C6-C98DA3205C09}" type="datetimeFigureOut">
               <a:rPr lang="en-US" smtClean="0"/>
               <a:pPr/>
-              <a:t>4/17/2018</a:t>
+              <a:t>4/12/23</a:t>
             </a:fld>
             <a:endParaRPr lang="en-US"/>
           </a:p>
@@ -3198,7 +728,13 @@
       </p:sp>
       <p:sp>
         <p:nvSpPr>
-          <p:cNvPr id="5" name="Footer Placeholder 4"/>
+          <p:cNvPr id="5" name="Footer Placeholder 4">
+            <a:extLst>
+              <a:ext uri="{FF2B5EF4-FFF2-40B4-BE49-F238E27FC236}">
+                <a16:creationId xmlns:a16="http://schemas.microsoft.com/office/drawing/2014/main" id="{2F92E62F-9338-4DEE-D7CB-9A05B39792F8}"/>
+              </a:ext>
+            </a:extLst>
+          </p:cNvPr>
           <p:cNvSpPr>
             <a:spLocks noGrp="1"/>
           </p:cNvSpPr>
@@ -3217,7 +753,13 @@
       </p:sp>
       <p:sp>
         <p:nvSpPr>
-          <p:cNvPr id="6" name="Slide Number Placeholder 5"/>
+          <p:cNvPr id="6" name="Slide Number Placeholder 5">
+            <a:extLst>
+              <a:ext uri="{FF2B5EF4-FFF2-40B4-BE49-F238E27FC236}">
+                <a16:creationId xmlns:a16="http://schemas.microsoft.com/office/drawing/2014/main" id="{DF83E417-4BED-7EE1-901E-CFA2490A9289}"/>
+              </a:ext>
+            </a:extLst>
+          </p:cNvPr>
           <p:cNvSpPr>
             <a:spLocks noGrp="1"/>
           </p:cNvSpPr>
@@ -3242,7 +784,7 @@
     </p:spTree>
     <p:extLst>
       <p:ext uri="{BB962C8B-B14F-4D97-AF65-F5344CB8AC3E}">
-        <p14:creationId xmlns="" xmlns:p14="http://schemas.microsoft.com/office/powerpoint/2010/main" val="1968279997"/>
+        <p14:creationId xmlns:p14="http://schemas.microsoft.com/office/powerpoint/2010/main" val="247450893"/>
       </p:ext>
     </p:extLst>
   </p:cSld>
@@ -3271,7 +813,13 @@
       </p:grpSpPr>
       <p:sp>
         <p:nvSpPr>
-          <p:cNvPr id="2" name="Title 1"/>
+          <p:cNvPr id="2" name="Title 1">
+            <a:extLst>
+              <a:ext uri="{FF2B5EF4-FFF2-40B4-BE49-F238E27FC236}">
+                <a16:creationId xmlns:a16="http://schemas.microsoft.com/office/drawing/2014/main" id="{5680F852-B7B3-988D-5028-E88911992280}"/>
+              </a:ext>
+            </a:extLst>
+          </p:cNvPr>
           <p:cNvSpPr>
             <a:spLocks noGrp="1"/>
           </p:cNvSpPr>
@@ -3285,16 +833,22 @@
           <a:lstStyle/>
           <a:p>
             <a:r>
-              <a:rPr lang="en-US" smtClean="0"/>
+              <a:rPr lang="en-GB"/>
               <a:t>Click to edit Master title style</a:t>
             </a:r>
-            <a:endParaRPr lang="en-US" dirty="0"/>
-          </a:p>
-        </p:txBody>
-      </p:sp>
-      <p:sp>
-        <p:nvSpPr>
-          <p:cNvPr id="3" name="Content Placeholder 2"/>
+            <a:endParaRPr lang="en-US"/>
+          </a:p>
+        </p:txBody>
+      </p:sp>
+      <p:sp>
+        <p:nvSpPr>
+          <p:cNvPr id="3" name="Content Placeholder 2">
+            <a:extLst>
+              <a:ext uri="{FF2B5EF4-FFF2-40B4-BE49-F238E27FC236}">
+                <a16:creationId xmlns:a16="http://schemas.microsoft.com/office/drawing/2014/main" id="{F776A419-1BBD-6E44-FC27-F5CA49BCB0DD}"/>
+              </a:ext>
+            </a:extLst>
+          </p:cNvPr>
           <p:cNvSpPr>
             <a:spLocks noGrp="1"/>
           </p:cNvSpPr>
@@ -3304,49 +858,55 @@
         </p:nvSpPr>
         <p:spPr/>
         <p:txBody>
-          <a:bodyPr anchor="ctr"/>
+          <a:bodyPr/>
           <a:lstStyle/>
           <a:p>
             <a:pPr lvl="0"/>
             <a:r>
-              <a:rPr lang="en-US" smtClean="0"/>
+              <a:rPr lang="en-GB"/>
               <a:t>Click to edit Master text styles</a:t>
             </a:r>
           </a:p>
           <a:p>
             <a:pPr lvl="1"/>
             <a:r>
-              <a:rPr lang="en-US" smtClean="0"/>
+              <a:rPr lang="en-GB"/>
               <a:t>Second level</a:t>
             </a:r>
           </a:p>
           <a:p>
             <a:pPr lvl="2"/>
             <a:r>
-              <a:rPr lang="en-US" smtClean="0"/>
+              <a:rPr lang="en-GB"/>
               <a:t>Third level</a:t>
             </a:r>
           </a:p>
           <a:p>
             <a:pPr lvl="3"/>
             <a:r>
-              <a:rPr lang="en-US" smtClean="0"/>
+              <a:rPr lang="en-GB"/>
               <a:t>Fourth level</a:t>
             </a:r>
           </a:p>
           <a:p>
             <a:pPr lvl="4"/>
             <a:r>
-              <a:rPr lang="en-US" smtClean="0"/>
+              <a:rPr lang="en-GB"/>
               <a:t>Fifth level</a:t>
             </a:r>
-            <a:endParaRPr lang="en-US" dirty="0"/>
-          </a:p>
-        </p:txBody>
-      </p:sp>
-      <p:sp>
-        <p:nvSpPr>
-          <p:cNvPr id="4" name="Date Placeholder 3"/>
+            <a:endParaRPr lang="en-US"/>
+          </a:p>
+        </p:txBody>
+      </p:sp>
+      <p:sp>
+        <p:nvSpPr>
+          <p:cNvPr id="4" name="Date Placeholder 3">
+            <a:extLst>
+              <a:ext uri="{FF2B5EF4-FFF2-40B4-BE49-F238E27FC236}">
+                <a16:creationId xmlns:a16="http://schemas.microsoft.com/office/drawing/2014/main" id="{B041D0DB-0858-C34F-96D7-BF2DBA22C0C9}"/>
+              </a:ext>
+            </a:extLst>
+          </p:cNvPr>
           <p:cNvSpPr>
             <a:spLocks noGrp="1"/>
           </p:cNvSpPr>
@@ -3362,7 +922,7 @@
             <a:fld id="{1D8BD707-D9CF-40AE-B4C6-C98DA3205C09}" type="datetimeFigureOut">
               <a:rPr lang="en-US" smtClean="0"/>
               <a:pPr/>
-              <a:t>4/17/2018</a:t>
+              <a:t>4/12/23</a:t>
             </a:fld>
             <a:endParaRPr lang="en-US"/>
           </a:p>
@@ -3370,7 +930,13 @@
       </p:sp>
       <p:sp>
         <p:nvSpPr>
-          <p:cNvPr id="5" name="Footer Placeholder 4"/>
+          <p:cNvPr id="5" name="Footer Placeholder 4">
+            <a:extLst>
+              <a:ext uri="{FF2B5EF4-FFF2-40B4-BE49-F238E27FC236}">
+                <a16:creationId xmlns:a16="http://schemas.microsoft.com/office/drawing/2014/main" id="{A1B98806-DF84-2984-E654-8979E4C11F65}"/>
+              </a:ext>
+            </a:extLst>
+          </p:cNvPr>
           <p:cNvSpPr>
             <a:spLocks noGrp="1"/>
           </p:cNvSpPr>
@@ -3389,7 +955,13 @@
       </p:sp>
       <p:sp>
         <p:nvSpPr>
-          <p:cNvPr id="6" name="Slide Number Placeholder 5"/>
+          <p:cNvPr id="6" name="Slide Number Placeholder 5">
+            <a:extLst>
+              <a:ext uri="{FF2B5EF4-FFF2-40B4-BE49-F238E27FC236}">
+                <a16:creationId xmlns:a16="http://schemas.microsoft.com/office/drawing/2014/main" id="{22FEC9B7-9828-1215-D68B-1989665FA91E}"/>
+              </a:ext>
+            </a:extLst>
+          </p:cNvPr>
           <p:cNvSpPr>
             <a:spLocks noGrp="1"/>
           </p:cNvSpPr>
@@ -3397,12 +969,7 @@
             <p:ph type="sldNum" sz="quarter" idx="12"/>
           </p:nvPr>
         </p:nvSpPr>
-        <p:spPr>
-          <a:xfrm>
-            <a:off x="8213893" y="4400349"/>
-            <a:ext cx="413375" cy="273844"/>
-          </a:xfrm>
-        </p:spPr>
+        <p:spPr/>
         <p:txBody>
           <a:bodyPr/>
           <a:lstStyle/>
@@ -3419,7 +986,7 @@
     </p:spTree>
     <p:extLst>
       <p:ext uri="{BB962C8B-B14F-4D97-AF65-F5344CB8AC3E}">
-        <p14:creationId xmlns="" xmlns:p14="http://schemas.microsoft.com/office/powerpoint/2010/main" val="4081553119"/>
+        <p14:creationId xmlns:p14="http://schemas.microsoft.com/office/powerpoint/2010/main" val="4208082747"/>
       </p:ext>
     </p:extLst>
   </p:cSld>
@@ -3448,7 +1015,13 @@
       </p:grpSpPr>
       <p:sp>
         <p:nvSpPr>
-          <p:cNvPr id="2" name="Title 1"/>
+          <p:cNvPr id="2" name="Title 1">
+            <a:extLst>
+              <a:ext uri="{FF2B5EF4-FFF2-40B4-BE49-F238E27FC236}">
+                <a16:creationId xmlns:a16="http://schemas.microsoft.com/office/drawing/2014/main" id="{B490B8FD-A807-E8C3-5935-69BD8D4C49D0}"/>
+              </a:ext>
+            </a:extLst>
+          </p:cNvPr>
           <p:cNvSpPr>
             <a:spLocks noGrp="1"/>
           </p:cNvSpPr>
@@ -3458,29 +1031,35 @@
         </p:nvSpPr>
         <p:spPr>
           <a:xfrm>
-            <a:off x="1929210" y="2000249"/>
-            <a:ext cx="6698060" cy="1582787"/>
+            <a:off x="623888" y="1282304"/>
+            <a:ext cx="7886700" cy="2139553"/>
           </a:xfrm>
         </p:spPr>
         <p:txBody>
           <a:bodyPr anchor="b"/>
           <a:lstStyle>
-            <a:lvl1pPr algn="r">
-              <a:defRPr sz="3000" b="0" cap="none"/>
+            <a:lvl1pPr>
+              <a:defRPr sz="4500"/>
             </a:lvl1pPr>
           </a:lstStyle>
           <a:p>
             <a:r>
-              <a:rPr lang="en-US" smtClean="0"/>
+              <a:rPr lang="en-GB"/>
               <a:t>Click to edit Master title style</a:t>
             </a:r>
-            <a:endParaRPr lang="en-US" dirty="0"/>
-          </a:p>
-        </p:txBody>
-      </p:sp>
-      <p:sp>
-        <p:nvSpPr>
-          <p:cNvPr id="3" name="Text Placeholder 2"/>
+            <a:endParaRPr lang="en-US"/>
+          </a:p>
+        </p:txBody>
+      </p:sp>
+      <p:sp>
+        <p:nvSpPr>
+          <p:cNvPr id="3" name="Text Placeholder 2">
+            <a:extLst>
+              <a:ext uri="{FF2B5EF4-FFF2-40B4-BE49-F238E27FC236}">
+                <a16:creationId xmlns:a16="http://schemas.microsoft.com/office/drawing/2014/main" id="{7EAD0B2A-2726-4F2B-EF44-75284793A951}"/>
+              </a:ext>
+            </a:extLst>
+          </p:cNvPr>
           <p:cNvSpPr>
             <a:spLocks noGrp="1"/>
           </p:cNvSpPr>
@@ -3490,26 +1069,26 @@
         </p:nvSpPr>
         <p:spPr>
           <a:xfrm>
-            <a:off x="1929209" y="3583036"/>
-            <a:ext cx="6698061" cy="645300"/>
+            <a:off x="623888" y="3442098"/>
+            <a:ext cx="7886700" cy="1125140"/>
           </a:xfrm>
         </p:spPr>
         <p:txBody>
-          <a:bodyPr anchor="t">
-            <a:normAutofit/>
-          </a:bodyPr>
+          <a:bodyPr/>
           <a:lstStyle>
-            <a:lvl1pPr marL="0" indent="0" algn="r">
+            <a:lvl1pPr marL="0" indent="0">
               <a:buNone/>
-              <a:defRPr sz="1500">
-                <a:solidFill>
-                  <a:schemeClr val="tx1"/>
+              <a:defRPr sz="1800">
+                <a:solidFill>
+                  <a:schemeClr val="tx1">
+                    <a:tint val="75000"/>
+                  </a:schemeClr>
                 </a:solidFill>
               </a:defRPr>
             </a:lvl1pPr>
             <a:lvl2pPr marL="342900" indent="0">
               <a:buNone/>
-              <a:defRPr sz="1350">
+              <a:defRPr sz="1500">
                 <a:solidFill>
                   <a:schemeClr val="tx1">
                     <a:tint val="75000"/>
@@ -3519,7 +1098,7 @@
             </a:lvl2pPr>
             <a:lvl3pPr marL="685800" indent="0">
               <a:buNone/>
-              <a:defRPr sz="1200">
+              <a:defRPr sz="1350">
                 <a:solidFill>
                   <a:schemeClr val="tx1">
                     <a:tint val="75000"/>
@@ -3529,7 +1108,7 @@
             </a:lvl3pPr>
             <a:lvl4pPr marL="1028700" indent="0">
               <a:buNone/>
-              <a:defRPr sz="1050">
+              <a:defRPr sz="1200">
                 <a:solidFill>
                   <a:schemeClr val="tx1">
                     <a:tint val="75000"/>
@@ -3539,7 +1118,7 @@
             </a:lvl4pPr>
             <a:lvl5pPr marL="1371600" indent="0">
               <a:buNone/>
-              <a:defRPr sz="1050">
+              <a:defRPr sz="1200">
                 <a:solidFill>
                   <a:schemeClr val="tx1">
                     <a:tint val="75000"/>
@@ -3549,7 +1128,7 @@
             </a:lvl5pPr>
             <a:lvl6pPr marL="1714500" indent="0">
               <a:buNone/>
-              <a:defRPr sz="1050">
+              <a:defRPr sz="1200">
                 <a:solidFill>
                   <a:schemeClr val="tx1">
                     <a:tint val="75000"/>
@@ -3559,7 +1138,7 @@
             </a:lvl6pPr>
             <a:lvl7pPr marL="2057400" indent="0">
               <a:buNone/>
-              <a:defRPr sz="1050">
+              <a:defRPr sz="1200">
                 <a:solidFill>
                   <a:schemeClr val="tx1">
                     <a:tint val="75000"/>
@@ -3569,7 +1148,7 @@
             </a:lvl7pPr>
             <a:lvl8pPr marL="2400300" indent="0">
               <a:buNone/>
-              <a:defRPr sz="1050">
+              <a:defRPr sz="1200">
                 <a:solidFill>
                   <a:schemeClr val="tx1">
                     <a:tint val="75000"/>
@@ -3579,7 +1158,7 @@
             </a:lvl8pPr>
             <a:lvl9pPr marL="2743200" indent="0">
               <a:buNone/>
-              <a:defRPr sz="1050">
+              <a:defRPr sz="1200">
                 <a:solidFill>
                   <a:schemeClr val="tx1">
                     <a:tint val="75000"/>
@@ -3591,7 +1170,7 @@
           <a:p>
             <a:pPr lvl="0"/>
             <a:r>
-              <a:rPr lang="en-US" smtClean="0"/>
+              <a:rPr lang="en-GB"/>
               <a:t>Click to edit Master text styles</a:t>
             </a:r>
           </a:p>
@@ -3599,7 +1178,13 @@
       </p:sp>
       <p:sp>
         <p:nvSpPr>
-          <p:cNvPr id="4" name="Date Placeholder 3"/>
+          <p:cNvPr id="4" name="Date Placeholder 3">
+            <a:extLst>
+              <a:ext uri="{FF2B5EF4-FFF2-40B4-BE49-F238E27FC236}">
+                <a16:creationId xmlns:a16="http://schemas.microsoft.com/office/drawing/2014/main" id="{1ED3BB3C-B8E3-7740-748E-96C74BAC3A63}"/>
+              </a:ext>
+            </a:extLst>
+          </p:cNvPr>
           <p:cNvSpPr>
             <a:spLocks noGrp="1"/>
           </p:cNvSpPr>
@@ -3615,7 +1200,7 @@
             <a:fld id="{1D8BD707-D9CF-40AE-B4C6-C98DA3205C09}" type="datetimeFigureOut">
               <a:rPr lang="en-US" smtClean="0"/>
               <a:pPr/>
-              <a:t>4/17/2018</a:t>
+              <a:t>4/12/23</a:t>
             </a:fld>
             <a:endParaRPr lang="en-US"/>
           </a:p>
@@ -3623,7 +1208,13 @@
       </p:sp>
       <p:sp>
         <p:nvSpPr>
-          <p:cNvPr id="5" name="Footer Placeholder 4"/>
+          <p:cNvPr id="5" name="Footer Placeholder 4">
+            <a:extLst>
+              <a:ext uri="{FF2B5EF4-FFF2-40B4-BE49-F238E27FC236}">
+                <a16:creationId xmlns:a16="http://schemas.microsoft.com/office/drawing/2014/main" id="{5BBAAC2D-7B0A-756B-D74B-825A3EA00971}"/>
+              </a:ext>
+            </a:extLst>
+          </p:cNvPr>
           <p:cNvSpPr>
             <a:spLocks noGrp="1"/>
           </p:cNvSpPr>
@@ -3642,7 +1233,13 @@
       </p:sp>
       <p:sp>
         <p:nvSpPr>
-          <p:cNvPr id="6" name="Slide Number Placeholder 5"/>
+          <p:cNvPr id="6" name="Slide Number Placeholder 5">
+            <a:extLst>
+              <a:ext uri="{FF2B5EF4-FFF2-40B4-BE49-F238E27FC236}">
+                <a16:creationId xmlns:a16="http://schemas.microsoft.com/office/drawing/2014/main" id="{3FBC5D3C-F455-24AD-ECE9-4707C20DE086}"/>
+              </a:ext>
+            </a:extLst>
+          </p:cNvPr>
           <p:cNvSpPr>
             <a:spLocks noGrp="1"/>
           </p:cNvSpPr>
@@ -3667,7 +1264,7 @@
     </p:spTree>
     <p:extLst>
       <p:ext uri="{BB962C8B-B14F-4D97-AF65-F5344CB8AC3E}">
-        <p14:creationId xmlns="" xmlns:p14="http://schemas.microsoft.com/office/powerpoint/2010/main" val="360504429"/>
+        <p14:creationId xmlns:p14="http://schemas.microsoft.com/office/powerpoint/2010/main" val="4239181456"/>
       </p:ext>
     </p:extLst>
   </p:cSld>
@@ -3696,7 +1293,13 @@
       </p:grpSpPr>
       <p:sp>
         <p:nvSpPr>
-          <p:cNvPr id="2" name="Title 1"/>
+          <p:cNvPr id="2" name="Title 1">
+            <a:extLst>
+              <a:ext uri="{FF2B5EF4-FFF2-40B4-BE49-F238E27FC236}">
+                <a16:creationId xmlns:a16="http://schemas.microsoft.com/office/drawing/2014/main" id="{3E4BD43B-BE2A-91E7-65C1-5F1836FC0943}"/>
+              </a:ext>
+            </a:extLst>
+          </p:cNvPr>
           <p:cNvSpPr>
             <a:spLocks noGrp="1"/>
           </p:cNvSpPr>
@@ -3704,27 +1307,28 @@
             <p:ph type="title"/>
           </p:nvPr>
         </p:nvSpPr>
-        <p:spPr>
-          <a:xfrm>
-            <a:off x="1113234" y="514351"/>
-            <a:ext cx="7514035" cy="1314449"/>
-          </a:xfrm>
-        </p:spPr>
+        <p:spPr/>
         <p:txBody>
           <a:bodyPr/>
           <a:lstStyle/>
           <a:p>
             <a:r>
-              <a:rPr lang="en-US" smtClean="0"/>
+              <a:rPr lang="en-GB"/>
               <a:t>Click to edit Master title style</a:t>
             </a:r>
-            <a:endParaRPr lang="en-US" dirty="0"/>
-          </a:p>
-        </p:txBody>
-      </p:sp>
-      <p:sp>
-        <p:nvSpPr>
-          <p:cNvPr id="3" name="Content Placeholder 2"/>
+            <a:endParaRPr lang="en-US"/>
+          </a:p>
+        </p:txBody>
+      </p:sp>
+      <p:sp>
+        <p:nvSpPr>
+          <p:cNvPr id="3" name="Content Placeholder 2">
+            <a:extLst>
+              <a:ext uri="{FF2B5EF4-FFF2-40B4-BE49-F238E27FC236}">
+                <a16:creationId xmlns:a16="http://schemas.microsoft.com/office/drawing/2014/main" id="{027232FF-BDF0-2299-6B17-A07B870F2185}"/>
+              </a:ext>
+            </a:extLst>
+          </p:cNvPr>
           <p:cNvSpPr>
             <a:spLocks noGrp="1"/>
           </p:cNvSpPr>
@@ -3734,84 +1338,60 @@
         </p:nvSpPr>
         <p:spPr>
           <a:xfrm>
-            <a:off x="1113235" y="2000250"/>
-            <a:ext cx="3671291" cy="2343151"/>
+            <a:off x="628650" y="1369219"/>
+            <a:ext cx="3886200" cy="3263504"/>
           </a:xfrm>
         </p:spPr>
         <p:txBody>
-          <a:bodyPr>
-            <a:normAutofit/>
-          </a:bodyPr>
-          <a:lstStyle>
-            <a:lvl1pPr>
-              <a:defRPr sz="1350"/>
-            </a:lvl1pPr>
-            <a:lvl2pPr>
-              <a:defRPr sz="1200"/>
-            </a:lvl2pPr>
-            <a:lvl3pPr>
-              <a:defRPr sz="1050"/>
-            </a:lvl3pPr>
-            <a:lvl4pPr>
-              <a:defRPr sz="900"/>
-            </a:lvl4pPr>
-            <a:lvl5pPr>
-              <a:defRPr sz="900"/>
-            </a:lvl5pPr>
-            <a:lvl6pPr>
-              <a:defRPr sz="900"/>
-            </a:lvl6pPr>
-            <a:lvl7pPr>
-              <a:defRPr sz="900"/>
-            </a:lvl7pPr>
-            <a:lvl8pPr>
-              <a:defRPr sz="900"/>
-            </a:lvl8pPr>
-            <a:lvl9pPr>
-              <a:defRPr sz="900"/>
-            </a:lvl9pPr>
-          </a:lstStyle>
+          <a:bodyPr/>
+          <a:lstStyle/>
           <a:p>
             <a:pPr lvl="0"/>
             <a:r>
-              <a:rPr lang="en-US" smtClean="0"/>
+              <a:rPr lang="en-GB"/>
               <a:t>Click to edit Master text styles</a:t>
             </a:r>
           </a:p>
           <a:p>
             <a:pPr lvl="1"/>
             <a:r>
-              <a:rPr lang="en-US" smtClean="0"/>
+              <a:rPr lang="en-GB"/>
               <a:t>Second level</a:t>
             </a:r>
           </a:p>
           <a:p>
             <a:pPr lvl="2"/>
             <a:r>
-              <a:rPr lang="en-US" smtClean="0"/>
+              <a:rPr lang="en-GB"/>
               <a:t>Third level</a:t>
             </a:r>
           </a:p>
           <a:p>
             <a:pPr lvl="3"/>
             <a:r>
-              <a:rPr lang="en-US" smtClean="0"/>
+              <a:rPr lang="en-GB"/>
               <a:t>Fourth level</a:t>
             </a:r>
           </a:p>
           <a:p>
             <a:pPr lvl="4"/>
             <a:r>
-              <a:rPr lang="en-US" smtClean="0"/>
+              <a:rPr lang="en-GB"/>
               <a:t>Fifth level</a:t>
             </a:r>
-            <a:endParaRPr lang="en-US" dirty="0"/>
-          </a:p>
-        </p:txBody>
-      </p:sp>
-      <p:sp>
-        <p:nvSpPr>
-          <p:cNvPr id="4" name="Content Placeholder 3"/>
+            <a:endParaRPr lang="en-US"/>
+          </a:p>
+        </p:txBody>
+      </p:sp>
+      <p:sp>
+        <p:nvSpPr>
+          <p:cNvPr id="4" name="Content Placeholder 3">
+            <a:extLst>
+              <a:ext uri="{FF2B5EF4-FFF2-40B4-BE49-F238E27FC236}">
+                <a16:creationId xmlns:a16="http://schemas.microsoft.com/office/drawing/2014/main" id="{70A9B610-643F-C651-673E-17682E7041F7}"/>
+              </a:ext>
+            </a:extLst>
+          </p:cNvPr>
           <p:cNvSpPr>
             <a:spLocks noGrp="1"/>
           </p:cNvSpPr>
@@ -3821,84 +1401,60 @@
         </p:nvSpPr>
         <p:spPr>
           <a:xfrm>
-            <a:off x="4955975" y="2000250"/>
-            <a:ext cx="3671292" cy="2343150"/>
+            <a:off x="4629150" y="1369219"/>
+            <a:ext cx="3886200" cy="3263504"/>
           </a:xfrm>
         </p:spPr>
         <p:txBody>
-          <a:bodyPr>
-            <a:normAutofit/>
-          </a:bodyPr>
-          <a:lstStyle>
-            <a:lvl1pPr>
-              <a:defRPr sz="1350"/>
-            </a:lvl1pPr>
-            <a:lvl2pPr>
-              <a:defRPr sz="1200"/>
-            </a:lvl2pPr>
-            <a:lvl3pPr>
-              <a:defRPr sz="1050"/>
-            </a:lvl3pPr>
-            <a:lvl4pPr>
-              <a:defRPr sz="900"/>
-            </a:lvl4pPr>
-            <a:lvl5pPr>
-              <a:defRPr sz="900"/>
-            </a:lvl5pPr>
-            <a:lvl6pPr>
-              <a:defRPr sz="900"/>
-            </a:lvl6pPr>
-            <a:lvl7pPr>
-              <a:defRPr sz="900"/>
-            </a:lvl7pPr>
-            <a:lvl8pPr>
-              <a:defRPr sz="900"/>
-            </a:lvl8pPr>
-            <a:lvl9pPr>
-              <a:defRPr sz="900"/>
-            </a:lvl9pPr>
-          </a:lstStyle>
+          <a:bodyPr/>
+          <a:lstStyle/>
           <a:p>
             <a:pPr lvl="0"/>
             <a:r>
-              <a:rPr lang="en-US" smtClean="0"/>
+              <a:rPr lang="en-GB"/>
               <a:t>Click to edit Master text styles</a:t>
             </a:r>
           </a:p>
           <a:p>
             <a:pPr lvl="1"/>
             <a:r>
-              <a:rPr lang="en-US" smtClean="0"/>
+              <a:rPr lang="en-GB"/>
               <a:t>Second level</a:t>
             </a:r>
           </a:p>
           <a:p>
             <a:pPr lvl="2"/>
             <a:r>
-              <a:rPr lang="en-US" smtClean="0"/>
+              <a:rPr lang="en-GB"/>
               <a:t>Third level</a:t>
             </a:r>
           </a:p>
           <a:p>
             <a:pPr lvl="3"/>
             <a:r>
-              <a:rPr lang="en-US" smtClean="0"/>
+              <a:rPr lang="en-GB"/>
               <a:t>Fourth level</a:t>
             </a:r>
           </a:p>
           <a:p>
             <a:pPr lvl="4"/>
             <a:r>
-              <a:rPr lang="en-US" smtClean="0"/>
+              <a:rPr lang="en-GB"/>
               <a:t>Fifth level</a:t>
             </a:r>
-            <a:endParaRPr lang="en-US" dirty="0"/>
-          </a:p>
-        </p:txBody>
-      </p:sp>
-      <p:sp>
-        <p:nvSpPr>
-          <p:cNvPr id="5" name="Date Placeholder 4"/>
+            <a:endParaRPr lang="en-US"/>
+          </a:p>
+        </p:txBody>
+      </p:sp>
+      <p:sp>
+        <p:nvSpPr>
+          <p:cNvPr id="5" name="Date Placeholder 4">
+            <a:extLst>
+              <a:ext uri="{FF2B5EF4-FFF2-40B4-BE49-F238E27FC236}">
+                <a16:creationId xmlns:a16="http://schemas.microsoft.com/office/drawing/2014/main" id="{1651DC3D-B14D-10AB-6BAB-990C39ACE2C2}"/>
+              </a:ext>
+            </a:extLst>
+          </p:cNvPr>
           <p:cNvSpPr>
             <a:spLocks noGrp="1"/>
           </p:cNvSpPr>
@@ -3914,7 +1470,7 @@
             <a:fld id="{1D8BD707-D9CF-40AE-B4C6-C98DA3205C09}" type="datetimeFigureOut">
               <a:rPr lang="en-US" smtClean="0"/>
               <a:pPr/>
-              <a:t>4/17/2018</a:t>
+              <a:t>4/12/23</a:t>
             </a:fld>
             <a:endParaRPr lang="en-US"/>
           </a:p>
@@ -3922,7 +1478,13 @@
       </p:sp>
       <p:sp>
         <p:nvSpPr>
-          <p:cNvPr id="6" name="Footer Placeholder 5"/>
+          <p:cNvPr id="6" name="Footer Placeholder 5">
+            <a:extLst>
+              <a:ext uri="{FF2B5EF4-FFF2-40B4-BE49-F238E27FC236}">
+                <a16:creationId xmlns:a16="http://schemas.microsoft.com/office/drawing/2014/main" id="{C02C395F-7548-0F23-F8B9-444FFFB9D044}"/>
+              </a:ext>
+            </a:extLst>
+          </p:cNvPr>
           <p:cNvSpPr>
             <a:spLocks noGrp="1"/>
           </p:cNvSpPr>
@@ -3941,7 +1503,13 @@
       </p:sp>
       <p:sp>
         <p:nvSpPr>
-          <p:cNvPr id="7" name="Slide Number Placeholder 6"/>
+          <p:cNvPr id="7" name="Slide Number Placeholder 6">
+            <a:extLst>
+              <a:ext uri="{FF2B5EF4-FFF2-40B4-BE49-F238E27FC236}">
+                <a16:creationId xmlns:a16="http://schemas.microsoft.com/office/drawing/2014/main" id="{D3E7C3E8-823A-F1EC-0C50-E2CFAC1ED9C6}"/>
+              </a:ext>
+            </a:extLst>
+          </p:cNvPr>
           <p:cNvSpPr>
             <a:spLocks noGrp="1"/>
           </p:cNvSpPr>
@@ -3966,7 +1534,7 @@
     </p:spTree>
     <p:extLst>
       <p:ext uri="{BB962C8B-B14F-4D97-AF65-F5344CB8AC3E}">
-        <p14:creationId xmlns="" xmlns:p14="http://schemas.microsoft.com/office/powerpoint/2010/main" val="3420293304"/>
+        <p14:creationId xmlns:p14="http://schemas.microsoft.com/office/powerpoint/2010/main" val="1418194380"/>
       </p:ext>
     </p:extLst>
   </p:cSld>
@@ -3995,7 +1563,13 @@
       </p:grpSpPr>
       <p:sp>
         <p:nvSpPr>
-          <p:cNvPr id="2" name="Title 1"/>
+          <p:cNvPr id="2" name="Title 1">
+            <a:extLst>
+              <a:ext uri="{FF2B5EF4-FFF2-40B4-BE49-F238E27FC236}">
+                <a16:creationId xmlns:a16="http://schemas.microsoft.com/office/drawing/2014/main" id="{B96DA789-D259-4396-4EE7-96E083CF2667}"/>
+              </a:ext>
+            </a:extLst>
+          </p:cNvPr>
           <p:cNvSpPr>
             <a:spLocks noGrp="1"/>
           </p:cNvSpPr>
@@ -4003,26 +1577,33 @@
             <p:ph type="title"/>
           </p:nvPr>
         </p:nvSpPr>
-        <p:spPr/>
+        <p:spPr>
+          <a:xfrm>
+            <a:off x="629841" y="273844"/>
+            <a:ext cx="7886700" cy="994172"/>
+          </a:xfrm>
+        </p:spPr>
         <p:txBody>
           <a:bodyPr/>
-          <a:lstStyle>
-            <a:lvl1pPr>
-              <a:defRPr/>
-            </a:lvl1pPr>
-          </a:lstStyle>
-          <a:p>
-            <a:r>
-              <a:rPr lang="en-US" smtClean="0"/>
+          <a:lstStyle/>
+          <a:p>
+            <a:r>
+              <a:rPr lang="en-GB"/>
               <a:t>Click to edit Master title style</a:t>
             </a:r>
-            <a:endParaRPr lang="en-US" dirty="0"/>
-          </a:p>
-        </p:txBody>
-      </p:sp>
-      <p:sp>
-        <p:nvSpPr>
-          <p:cNvPr id="3" name="Text Placeholder 2"/>
+            <a:endParaRPr lang="en-US"/>
+          </a:p>
+        </p:txBody>
+      </p:sp>
+      <p:sp>
+        <p:nvSpPr>
+          <p:cNvPr id="3" name="Text Placeholder 2">
+            <a:extLst>
+              <a:ext uri="{FF2B5EF4-FFF2-40B4-BE49-F238E27FC236}">
+                <a16:creationId xmlns:a16="http://schemas.microsoft.com/office/drawing/2014/main" id="{0360FABF-0EFB-CF9E-ED41-8DA00BDB6357}"/>
+              </a:ext>
+            </a:extLst>
+          </p:cNvPr>
           <p:cNvSpPr>
             <a:spLocks noGrp="1"/>
           </p:cNvSpPr>
@@ -4032,24 +1613,16 @@
         </p:nvSpPr>
         <p:spPr>
           <a:xfrm>
-            <a:off x="1329134" y="1993900"/>
-            <a:ext cx="3455391" cy="432197"/>
+            <a:off x="629842" y="1260872"/>
+            <a:ext cx="3868340" cy="617934"/>
           </a:xfrm>
         </p:spPr>
         <p:txBody>
-          <a:bodyPr anchor="b">
-            <a:noAutofit/>
-          </a:bodyPr>
+          <a:bodyPr anchor="b"/>
           <a:lstStyle>
             <a:lvl1pPr marL="0" indent="0">
               <a:buNone/>
-              <a:defRPr sz="2100" b="0">
-                <a:solidFill>
-                  <a:schemeClr val="accent1">
-                    <a:lumMod val="75000"/>
-                  </a:schemeClr>
-                </a:solidFill>
-              </a:defRPr>
+              <a:defRPr sz="1800" b="1"/>
             </a:lvl1pPr>
             <a:lvl2pPr marL="342900" indent="0">
               <a:buNone/>
@@ -4087,7 +1660,7 @@
           <a:p>
             <a:pPr lvl="0"/>
             <a:r>
-              <a:rPr lang="en-US" smtClean="0"/>
+              <a:rPr lang="en-GB"/>
               <a:t>Click to edit Master text styles</a:t>
             </a:r>
           </a:p>
@@ -4095,7 +1668,13 @@
       </p:sp>
       <p:sp>
         <p:nvSpPr>
-          <p:cNvPr id="4" name="Content Placeholder 3"/>
+          <p:cNvPr id="4" name="Content Placeholder 3">
+            <a:extLst>
+              <a:ext uri="{FF2B5EF4-FFF2-40B4-BE49-F238E27FC236}">
+                <a16:creationId xmlns:a16="http://schemas.microsoft.com/office/drawing/2014/main" id="{4A671299-D190-6969-366E-3DDB69F8596E}"/>
+              </a:ext>
+            </a:extLst>
+          </p:cNvPr>
           <p:cNvSpPr>
             <a:spLocks noGrp="1"/>
           </p:cNvSpPr>
@@ -4105,84 +1684,60 @@
         </p:nvSpPr>
         <p:spPr>
           <a:xfrm>
-            <a:off x="1113233" y="2501503"/>
-            <a:ext cx="3671292" cy="1841897"/>
+            <a:off x="629842" y="1878806"/>
+            <a:ext cx="3868340" cy="2763441"/>
           </a:xfrm>
         </p:spPr>
         <p:txBody>
-          <a:bodyPr anchor="t">
-            <a:normAutofit/>
-          </a:bodyPr>
-          <a:lstStyle>
-            <a:lvl1pPr>
-              <a:defRPr sz="1350"/>
-            </a:lvl1pPr>
-            <a:lvl2pPr>
-              <a:defRPr sz="1200"/>
-            </a:lvl2pPr>
-            <a:lvl3pPr>
-              <a:defRPr sz="1050"/>
-            </a:lvl3pPr>
-            <a:lvl4pPr>
-              <a:defRPr sz="900"/>
-            </a:lvl4pPr>
-            <a:lvl5pPr>
-              <a:defRPr sz="900"/>
-            </a:lvl5pPr>
-            <a:lvl6pPr>
-              <a:defRPr sz="900"/>
-            </a:lvl6pPr>
-            <a:lvl7pPr>
-              <a:defRPr sz="900"/>
-            </a:lvl7pPr>
-            <a:lvl8pPr>
-              <a:defRPr sz="900"/>
-            </a:lvl8pPr>
-            <a:lvl9pPr>
-              <a:defRPr sz="900"/>
-            </a:lvl9pPr>
-          </a:lstStyle>
+          <a:bodyPr/>
+          <a:lstStyle/>
           <a:p>
             <a:pPr lvl="0"/>
             <a:r>
-              <a:rPr lang="en-US" smtClean="0"/>
+              <a:rPr lang="en-GB"/>
               <a:t>Click to edit Master text styles</a:t>
             </a:r>
           </a:p>
           <a:p>
             <a:pPr lvl="1"/>
             <a:r>
-              <a:rPr lang="en-US" smtClean="0"/>
+              <a:rPr lang="en-GB"/>
               <a:t>Second level</a:t>
             </a:r>
           </a:p>
           <a:p>
             <a:pPr lvl="2"/>
             <a:r>
-              <a:rPr lang="en-US" smtClean="0"/>
+              <a:rPr lang="en-GB"/>
               <a:t>Third level</a:t>
             </a:r>
           </a:p>
           <a:p>
             <a:pPr lvl="3"/>
             <a:r>
-              <a:rPr lang="en-US" smtClean="0"/>
+              <a:rPr lang="en-GB"/>
               <a:t>Fourth level</a:t>
             </a:r>
           </a:p>
           <a:p>
             <a:pPr lvl="4"/>
             <a:r>
-              <a:rPr lang="en-US" smtClean="0"/>
+              <a:rPr lang="en-GB"/>
               <a:t>Fifth level</a:t>
             </a:r>
-            <a:endParaRPr lang="en-US" dirty="0"/>
-          </a:p>
-        </p:txBody>
-      </p:sp>
-      <p:sp>
-        <p:nvSpPr>
-          <p:cNvPr id="5" name="Text Placeholder 4"/>
+            <a:endParaRPr lang="en-US"/>
+          </a:p>
+        </p:txBody>
+      </p:sp>
+      <p:sp>
+        <p:nvSpPr>
+          <p:cNvPr id="5" name="Text Placeholder 4">
+            <a:extLst>
+              <a:ext uri="{FF2B5EF4-FFF2-40B4-BE49-F238E27FC236}">
+                <a16:creationId xmlns:a16="http://schemas.microsoft.com/office/drawing/2014/main" id="{6C097F9A-D798-4B9E-4B28-16CE1BCFFFA8}"/>
+              </a:ext>
+            </a:extLst>
+          </p:cNvPr>
           <p:cNvSpPr>
             <a:spLocks noGrp="1"/>
           </p:cNvSpPr>
@@ -4192,24 +1747,16 @@
         </p:nvSpPr>
         <p:spPr>
           <a:xfrm>
-            <a:off x="5160366" y="2000250"/>
-            <a:ext cx="3466903" cy="432197"/>
+            <a:off x="4629150" y="1260872"/>
+            <a:ext cx="3887391" cy="617934"/>
           </a:xfrm>
         </p:spPr>
         <p:txBody>
-          <a:bodyPr anchor="b">
-            <a:noAutofit/>
-          </a:bodyPr>
+          <a:bodyPr anchor="b"/>
           <a:lstStyle>
             <a:lvl1pPr marL="0" indent="0">
               <a:buNone/>
-              <a:defRPr sz="2100" b="0">
-                <a:solidFill>
-                  <a:schemeClr val="accent1">
-                    <a:lumMod val="75000"/>
-                  </a:schemeClr>
-                </a:solidFill>
-              </a:defRPr>
+              <a:defRPr sz="1800" b="1"/>
             </a:lvl1pPr>
             <a:lvl2pPr marL="342900" indent="0">
               <a:buNone/>
@@ -4247,7 +1794,7 @@
           <a:p>
             <a:pPr lvl="0"/>
             <a:r>
-              <a:rPr lang="en-US" smtClean="0"/>
+              <a:rPr lang="en-GB"/>
               <a:t>Click to edit Master text styles</a:t>
             </a:r>
           </a:p>
@@ -4255,7 +1802,13 @@
       </p:sp>
       <p:sp>
         <p:nvSpPr>
-          <p:cNvPr id="6" name="Content Placeholder 5"/>
+          <p:cNvPr id="6" name="Content Placeholder 5">
+            <a:extLst>
+              <a:ext uri="{FF2B5EF4-FFF2-40B4-BE49-F238E27FC236}">
+                <a16:creationId xmlns:a16="http://schemas.microsoft.com/office/drawing/2014/main" id="{0AF04CCF-A7DE-8AC3-FE10-DA41BF4DC91D}"/>
+              </a:ext>
+            </a:extLst>
+          </p:cNvPr>
           <p:cNvSpPr>
             <a:spLocks noGrp="1"/>
           </p:cNvSpPr>
@@ -4265,84 +1818,60 @@
         </p:nvSpPr>
         <p:spPr>
           <a:xfrm>
-            <a:off x="4955975" y="2501503"/>
-            <a:ext cx="3671292" cy="1841897"/>
+            <a:off x="4629150" y="1878806"/>
+            <a:ext cx="3887391" cy="2763441"/>
           </a:xfrm>
         </p:spPr>
         <p:txBody>
-          <a:bodyPr anchor="t">
-            <a:normAutofit/>
-          </a:bodyPr>
-          <a:lstStyle>
-            <a:lvl1pPr>
-              <a:defRPr sz="1350"/>
-            </a:lvl1pPr>
-            <a:lvl2pPr>
-              <a:defRPr sz="1200"/>
-            </a:lvl2pPr>
-            <a:lvl3pPr>
-              <a:defRPr sz="1050"/>
-            </a:lvl3pPr>
-            <a:lvl4pPr>
-              <a:defRPr sz="900"/>
-            </a:lvl4pPr>
-            <a:lvl5pPr>
-              <a:defRPr sz="900"/>
-            </a:lvl5pPr>
-            <a:lvl6pPr>
-              <a:defRPr sz="900"/>
-            </a:lvl6pPr>
-            <a:lvl7pPr>
-              <a:defRPr sz="900"/>
-            </a:lvl7pPr>
-            <a:lvl8pPr>
-              <a:defRPr sz="900"/>
-            </a:lvl8pPr>
-            <a:lvl9pPr>
-              <a:defRPr sz="900"/>
-            </a:lvl9pPr>
-          </a:lstStyle>
+          <a:bodyPr/>
+          <a:lstStyle/>
           <a:p>
             <a:pPr lvl="0"/>
             <a:r>
-              <a:rPr lang="en-US" smtClean="0"/>
+              <a:rPr lang="en-GB"/>
               <a:t>Click to edit Master text styles</a:t>
             </a:r>
           </a:p>
           <a:p>
             <a:pPr lvl="1"/>
             <a:r>
-              <a:rPr lang="en-US" smtClean="0"/>
+              <a:rPr lang="en-GB"/>
               <a:t>Second level</a:t>
             </a:r>
           </a:p>
           <a:p>
             <a:pPr lvl="2"/>
             <a:r>
-              <a:rPr lang="en-US" smtClean="0"/>
+              <a:rPr lang="en-GB"/>
               <a:t>Third level</a:t>
             </a:r>
           </a:p>
           <a:p>
             <a:pPr lvl="3"/>
             <a:r>
-              <a:rPr lang="en-US" smtClean="0"/>
+              <a:rPr lang="en-GB"/>
               <a:t>Fourth level</a:t>
             </a:r>
           </a:p>
           <a:p>
             <a:pPr lvl="4"/>
             <a:r>
-              <a:rPr lang="en-US" smtClean="0"/>
+              <a:rPr lang="en-GB"/>
               <a:t>Fifth level</a:t>
             </a:r>
-            <a:endParaRPr lang="en-US" dirty="0"/>
-          </a:p>
-        </p:txBody>
-      </p:sp>
-      <p:sp>
-        <p:nvSpPr>
-          <p:cNvPr id="7" name="Date Placeholder 6"/>
+            <a:endParaRPr lang="en-US"/>
+          </a:p>
+        </p:txBody>
+      </p:sp>
+      <p:sp>
+        <p:nvSpPr>
+          <p:cNvPr id="7" name="Date Placeholder 6">
+            <a:extLst>
+              <a:ext uri="{FF2B5EF4-FFF2-40B4-BE49-F238E27FC236}">
+                <a16:creationId xmlns:a16="http://schemas.microsoft.com/office/drawing/2014/main" id="{B7879355-92A0-B65A-B12F-46456752858D}"/>
+              </a:ext>
+            </a:extLst>
+          </p:cNvPr>
           <p:cNvSpPr>
             <a:spLocks noGrp="1"/>
           </p:cNvSpPr>
@@ -4358,7 +1887,7 @@
             <a:fld id="{1D8BD707-D9CF-40AE-B4C6-C98DA3205C09}" type="datetimeFigureOut">
               <a:rPr lang="en-US" smtClean="0"/>
               <a:pPr/>
-              <a:t>4/17/2018</a:t>
+              <a:t>4/12/23</a:t>
             </a:fld>
             <a:endParaRPr lang="en-US"/>
           </a:p>
@@ -4366,7 +1895,13 @@
       </p:sp>
       <p:sp>
         <p:nvSpPr>
-          <p:cNvPr id="8" name="Footer Placeholder 7"/>
+          <p:cNvPr id="8" name="Footer Placeholder 7">
+            <a:extLst>
+              <a:ext uri="{FF2B5EF4-FFF2-40B4-BE49-F238E27FC236}">
+                <a16:creationId xmlns:a16="http://schemas.microsoft.com/office/drawing/2014/main" id="{4DD182FB-8C4C-2953-B758-18097E008AA8}"/>
+              </a:ext>
+            </a:extLst>
+          </p:cNvPr>
           <p:cNvSpPr>
             <a:spLocks noGrp="1"/>
           </p:cNvSpPr>
@@ -4385,7 +1920,13 @@
       </p:sp>
       <p:sp>
         <p:nvSpPr>
-          <p:cNvPr id="9" name="Slide Number Placeholder 8"/>
+          <p:cNvPr id="9" name="Slide Number Placeholder 8">
+            <a:extLst>
+              <a:ext uri="{FF2B5EF4-FFF2-40B4-BE49-F238E27FC236}">
+                <a16:creationId xmlns:a16="http://schemas.microsoft.com/office/drawing/2014/main" id="{4E7033DC-A6B5-CAF3-A6D3-3A46981C6FF4}"/>
+              </a:ext>
+            </a:extLst>
+          </p:cNvPr>
           <p:cNvSpPr>
             <a:spLocks noGrp="1"/>
           </p:cNvSpPr>
@@ -4410,7 +1951,7 @@
     </p:spTree>
     <p:extLst>
       <p:ext uri="{BB962C8B-B14F-4D97-AF65-F5344CB8AC3E}">
-        <p14:creationId xmlns="" xmlns:p14="http://schemas.microsoft.com/office/powerpoint/2010/main" val="740633205"/>
+        <p14:creationId xmlns:p14="http://schemas.microsoft.com/office/powerpoint/2010/main" val="2538150688"/>
       </p:ext>
     </p:extLst>
   </p:cSld>
@@ -4439,7 +1980,13 @@
       </p:grpSpPr>
       <p:sp>
         <p:nvSpPr>
-          <p:cNvPr id="2" name="Title 1"/>
+          <p:cNvPr id="2" name="Title 1">
+            <a:extLst>
+              <a:ext uri="{FF2B5EF4-FFF2-40B4-BE49-F238E27FC236}">
+                <a16:creationId xmlns:a16="http://schemas.microsoft.com/office/drawing/2014/main" id="{77998647-00A5-7344-76A5-1B73E8F84D76}"/>
+              </a:ext>
+            </a:extLst>
+          </p:cNvPr>
           <p:cNvSpPr>
             <a:spLocks noGrp="1"/>
           </p:cNvSpPr>
@@ -4453,16 +2000,22 @@
           <a:lstStyle/>
           <a:p>
             <a:r>
-              <a:rPr lang="en-US" smtClean="0"/>
+              <a:rPr lang="en-GB"/>
               <a:t>Click to edit Master title style</a:t>
             </a:r>
-            <a:endParaRPr lang="en-US" dirty="0"/>
-          </a:p>
-        </p:txBody>
-      </p:sp>
-      <p:sp>
-        <p:nvSpPr>
-          <p:cNvPr id="3" name="Date Placeholder 2"/>
+            <a:endParaRPr lang="en-US"/>
+          </a:p>
+        </p:txBody>
+      </p:sp>
+      <p:sp>
+        <p:nvSpPr>
+          <p:cNvPr id="3" name="Date Placeholder 2">
+            <a:extLst>
+              <a:ext uri="{FF2B5EF4-FFF2-40B4-BE49-F238E27FC236}">
+                <a16:creationId xmlns:a16="http://schemas.microsoft.com/office/drawing/2014/main" id="{502EDFCD-1939-BB10-28FE-EF1DC8717259}"/>
+              </a:ext>
+            </a:extLst>
+          </p:cNvPr>
           <p:cNvSpPr>
             <a:spLocks noGrp="1"/>
           </p:cNvSpPr>
@@ -4478,7 +2031,7 @@
             <a:fld id="{1D8BD707-D9CF-40AE-B4C6-C98DA3205C09}" type="datetimeFigureOut">
               <a:rPr lang="en-US" smtClean="0"/>
               <a:pPr/>
-              <a:t>4/17/2018</a:t>
+              <a:t>4/12/23</a:t>
             </a:fld>
             <a:endParaRPr lang="en-US"/>
           </a:p>
@@ -4486,7 +2039,13 @@
       </p:sp>
       <p:sp>
         <p:nvSpPr>
-          <p:cNvPr id="4" name="Footer Placeholder 3"/>
+          <p:cNvPr id="4" name="Footer Placeholder 3">
+            <a:extLst>
+              <a:ext uri="{FF2B5EF4-FFF2-40B4-BE49-F238E27FC236}">
+                <a16:creationId xmlns:a16="http://schemas.microsoft.com/office/drawing/2014/main" id="{0DA698AE-840F-1A50-9EA2-6193CCCD1BC3}"/>
+              </a:ext>
+            </a:extLst>
+          </p:cNvPr>
           <p:cNvSpPr>
             <a:spLocks noGrp="1"/>
           </p:cNvSpPr>
@@ -4505,7 +2064,13 @@
       </p:sp>
       <p:sp>
         <p:nvSpPr>
-          <p:cNvPr id="5" name="Slide Number Placeholder 4"/>
+          <p:cNvPr id="5" name="Slide Number Placeholder 4">
+            <a:extLst>
+              <a:ext uri="{FF2B5EF4-FFF2-40B4-BE49-F238E27FC236}">
+                <a16:creationId xmlns:a16="http://schemas.microsoft.com/office/drawing/2014/main" id="{B3FA1B9B-24FD-C4C3-91CC-E8F110810F83}"/>
+              </a:ext>
+            </a:extLst>
+          </p:cNvPr>
           <p:cNvSpPr>
             <a:spLocks noGrp="1"/>
           </p:cNvSpPr>
@@ -4530,7 +2095,7 @@
     </p:spTree>
     <p:extLst>
       <p:ext uri="{BB962C8B-B14F-4D97-AF65-F5344CB8AC3E}">
-        <p14:creationId xmlns="" xmlns:p14="http://schemas.microsoft.com/office/powerpoint/2010/main" val="1109751562"/>
+        <p14:creationId xmlns:p14="http://schemas.microsoft.com/office/powerpoint/2010/main" val="3389581854"/>
       </p:ext>
     </p:extLst>
   </p:cSld>
@@ -4559,7 +2124,13 @@
       </p:grpSpPr>
       <p:sp>
         <p:nvSpPr>
-          <p:cNvPr id="2" name="Date Placeholder 1"/>
+          <p:cNvPr id="2" name="Date Placeholder 1">
+            <a:extLst>
+              <a:ext uri="{FF2B5EF4-FFF2-40B4-BE49-F238E27FC236}">
+                <a16:creationId xmlns:a16="http://schemas.microsoft.com/office/drawing/2014/main" id="{2857D5F6-6444-383D-C5A9-A32DBBA9B7E9}"/>
+              </a:ext>
+            </a:extLst>
+          </p:cNvPr>
           <p:cNvSpPr>
             <a:spLocks noGrp="1"/>
           </p:cNvSpPr>
@@ -4575,7 +2146,7 @@
             <a:fld id="{1D8BD707-D9CF-40AE-B4C6-C98DA3205C09}" type="datetimeFigureOut">
               <a:rPr lang="en-US" smtClean="0"/>
               <a:pPr/>
-              <a:t>4/17/2018</a:t>
+              <a:t>4/12/23</a:t>
             </a:fld>
             <a:endParaRPr lang="en-US"/>
           </a:p>
@@ -4583,7 +2154,13 @@
       </p:sp>
       <p:sp>
         <p:nvSpPr>
-          <p:cNvPr id="3" name="Footer Placeholder 2"/>
+          <p:cNvPr id="3" name="Footer Placeholder 2">
+            <a:extLst>
+              <a:ext uri="{FF2B5EF4-FFF2-40B4-BE49-F238E27FC236}">
+                <a16:creationId xmlns:a16="http://schemas.microsoft.com/office/drawing/2014/main" id="{0F6972E1-FB30-AEEC-549B-7941187B4830}"/>
+              </a:ext>
+            </a:extLst>
+          </p:cNvPr>
           <p:cNvSpPr>
             <a:spLocks noGrp="1"/>
           </p:cNvSpPr>
@@ -4602,7 +2179,13 @@
       </p:sp>
       <p:sp>
         <p:nvSpPr>
-          <p:cNvPr id="4" name="Slide Number Placeholder 3"/>
+          <p:cNvPr id="4" name="Slide Number Placeholder 3">
+            <a:extLst>
+              <a:ext uri="{FF2B5EF4-FFF2-40B4-BE49-F238E27FC236}">
+                <a16:creationId xmlns:a16="http://schemas.microsoft.com/office/drawing/2014/main" id="{648EEC2C-DE09-5462-2E6F-A0EC8D51B5D2}"/>
+              </a:ext>
+            </a:extLst>
+          </p:cNvPr>
           <p:cNvSpPr>
             <a:spLocks noGrp="1"/>
           </p:cNvSpPr>
@@ -4627,7 +2210,7 @@
     </p:spTree>
     <p:extLst>
       <p:ext uri="{BB962C8B-B14F-4D97-AF65-F5344CB8AC3E}">
-        <p14:creationId xmlns="" xmlns:p14="http://schemas.microsoft.com/office/powerpoint/2010/main" val="1871221790"/>
+        <p14:creationId xmlns:p14="http://schemas.microsoft.com/office/powerpoint/2010/main" val="2771132506"/>
       </p:ext>
     </p:extLst>
   </p:cSld>
@@ -4656,7 +2239,13 @@
       </p:grpSpPr>
       <p:sp>
         <p:nvSpPr>
-          <p:cNvPr id="2" name="Title 1"/>
+          <p:cNvPr id="2" name="Title 1">
+            <a:extLst>
+              <a:ext uri="{FF2B5EF4-FFF2-40B4-BE49-F238E27FC236}">
+                <a16:creationId xmlns:a16="http://schemas.microsoft.com/office/drawing/2014/main" id="{F2269818-D930-C2AA-1313-5E5E1F9E6874}"/>
+              </a:ext>
+            </a:extLst>
+          </p:cNvPr>
           <p:cNvSpPr>
             <a:spLocks noGrp="1"/>
           </p:cNvSpPr>
@@ -4666,31 +2255,35 @@
         </p:nvSpPr>
         <p:spPr>
           <a:xfrm>
-            <a:off x="1113234" y="1200150"/>
-            <a:ext cx="2661841" cy="1028700"/>
+            <a:off x="629841" y="342900"/>
+            <a:ext cx="2949178" cy="1200150"/>
           </a:xfrm>
         </p:spPr>
         <p:txBody>
-          <a:bodyPr anchor="b">
-            <a:normAutofit/>
-          </a:bodyPr>
+          <a:bodyPr anchor="b"/>
           <a:lstStyle>
-            <a:lvl1pPr algn="ctr">
-              <a:defRPr sz="1800" b="0"/>
+            <a:lvl1pPr>
+              <a:defRPr sz="2400"/>
             </a:lvl1pPr>
           </a:lstStyle>
           <a:p>
             <a:r>
-              <a:rPr lang="en-US" smtClean="0"/>
+              <a:rPr lang="en-GB"/>
               <a:t>Click to edit Master title style</a:t>
             </a:r>
-            <a:endParaRPr lang="en-US" dirty="0"/>
-          </a:p>
-        </p:txBody>
-      </p:sp>
-      <p:sp>
-        <p:nvSpPr>
-          <p:cNvPr id="3" name="Content Placeholder 2"/>
+            <a:endParaRPr lang="en-US"/>
+          </a:p>
+        </p:txBody>
+      </p:sp>
+      <p:sp>
+        <p:nvSpPr>
+          <p:cNvPr id="3" name="Content Placeholder 2">
+            <a:extLst>
+              <a:ext uri="{FF2B5EF4-FFF2-40B4-BE49-F238E27FC236}">
+                <a16:creationId xmlns:a16="http://schemas.microsoft.com/office/drawing/2014/main" id="{E7DF2B80-F6B2-926C-55A1-C50C30285C5A}"/>
+              </a:ext>
+            </a:extLst>
+          </p:cNvPr>
           <p:cNvSpPr>
             <a:spLocks noGrp="1"/>
           </p:cNvSpPr>
@@ -4700,84 +2293,88 @@
         </p:nvSpPr>
         <p:spPr>
           <a:xfrm>
-            <a:off x="3946525" y="514350"/>
-            <a:ext cx="4680743" cy="3829051"/>
+            <a:off x="3887391" y="740569"/>
+            <a:ext cx="4629150" cy="3655219"/>
           </a:xfrm>
         </p:spPr>
         <p:txBody>
-          <a:bodyPr anchor="ctr">
-            <a:normAutofit/>
-          </a:bodyPr>
+          <a:bodyPr/>
           <a:lstStyle>
             <a:lvl1pPr>
-              <a:defRPr sz="1500"/>
+              <a:defRPr sz="2400"/>
             </a:lvl1pPr>
             <a:lvl2pPr>
-              <a:defRPr sz="1350"/>
+              <a:defRPr sz="2100"/>
             </a:lvl2pPr>
             <a:lvl3pPr>
-              <a:defRPr sz="1200"/>
+              <a:defRPr sz="1800"/>
             </a:lvl3pPr>
             <a:lvl4pPr>
-              <a:defRPr sz="1050"/>
+              <a:defRPr sz="1500"/>
             </a:lvl4pPr>
             <a:lvl5pPr>
-              <a:defRPr sz="1050"/>
+              <a:defRPr sz="1500"/>
             </a:lvl5pPr>
             <a:lvl6pPr>
-              <a:defRPr sz="1050"/>
+              <a:defRPr sz="1500"/>
             </a:lvl6pPr>
             <a:lvl7pPr>
-              <a:defRPr sz="1050"/>
+              <a:defRPr sz="1500"/>
             </a:lvl7pPr>
             <a:lvl8pPr>
-              <a:defRPr sz="1050"/>
+              <a:defRPr sz="1500"/>
             </a:lvl8pPr>
             <a:lvl9pPr>
-              <a:defRPr sz="1050"/>
+              <a:defRPr sz="1500"/>
             </a:lvl9pPr>
           </a:lstStyle>
           <a:p>
             <a:pPr lvl="0"/>
             <a:r>
-              <a:rPr lang="en-US" smtClean="0"/>
+              <a:rPr lang="en-GB"/>
               <a:t>Click to edit Master text styles</a:t>
             </a:r>
           </a:p>
           <a:p>
             <a:pPr lvl="1"/>
             <a:r>
-              <a:rPr lang="en-US" smtClean="0"/>
+              <a:rPr lang="en-GB"/>
               <a:t>Second level</a:t>
             </a:r>
           </a:p>
           <a:p>
             <a:pPr lvl="2"/>
             <a:r>
-              <a:rPr lang="en-US" smtClean="0"/>
+              <a:rPr lang="en-GB"/>
               <a:t>Third level</a:t>
             </a:r>
           </a:p>
           <a:p>
             <a:pPr lvl="3"/>
             <a:r>
-              <a:rPr lang="en-US" smtClean="0"/>
+              <a:rPr lang="en-GB"/>
               <a:t>Fourth level</a:t>
             </a:r>
           </a:p>
           <a:p>
             <a:pPr lvl="4"/>
             <a:r>
-              <a:rPr lang="en-US" smtClean="0"/>
+              <a:rPr lang="en-GB"/>
               <a:t>Fifth level</a:t>
             </a:r>
-            <a:endParaRPr lang="en-US" dirty="0"/>
-          </a:p>
-        </p:txBody>
-      </p:sp>
-      <p:sp>
-        <p:nvSpPr>
-          <p:cNvPr id="4" name="Text Placeholder 3"/>
+            <a:endParaRPr lang="en-US"/>
+          </a:p>
+        </p:txBody>
+      </p:sp>
+      <p:sp>
+        <p:nvSpPr>
+          <p:cNvPr id="4" name="Text Placeholder 3">
+            <a:extLst>
+              <a:ext uri="{FF2B5EF4-FFF2-40B4-BE49-F238E27FC236}">
+                <a16:creationId xmlns:a16="http://schemas.microsoft.com/office/drawing/2014/main" id="{4D003BCF-E78B-AA03-7C92-2C876CEBA95E}"/>
+              </a:ext>
+            </a:extLst>
+          </p:cNvPr>
           <p:cNvSpPr>
             <a:spLocks noGrp="1"/>
           </p:cNvSpPr>
@@ -4787,56 +2384,54 @@
         </p:nvSpPr>
         <p:spPr>
           <a:xfrm>
-            <a:off x="1113234" y="2228850"/>
-            <a:ext cx="2661841" cy="1371600"/>
+            <a:off x="629841" y="1543050"/>
+            <a:ext cx="2949178" cy="2858691"/>
           </a:xfrm>
         </p:spPr>
         <p:txBody>
-          <a:bodyPr>
-            <a:normAutofit/>
-          </a:bodyPr>
+          <a:bodyPr/>
           <a:lstStyle>
-            <a:lvl1pPr marL="0" indent="0" algn="ctr">
+            <a:lvl1pPr marL="0" indent="0">
               <a:buNone/>
               <a:defRPr sz="1200"/>
             </a:lvl1pPr>
             <a:lvl2pPr marL="342900" indent="0">
               <a:buNone/>
-              <a:defRPr sz="900"/>
+              <a:defRPr sz="1050"/>
             </a:lvl2pPr>
             <a:lvl3pPr marL="685800" indent="0">
               <a:buNone/>
-              <a:defRPr sz="750"/>
+              <a:defRPr sz="900"/>
             </a:lvl3pPr>
             <a:lvl4pPr marL="1028700" indent="0">
               <a:buNone/>
-              <a:defRPr sz="675"/>
+              <a:defRPr sz="750"/>
             </a:lvl4pPr>
             <a:lvl5pPr marL="1371600" indent="0">
               <a:buNone/>
-              <a:defRPr sz="675"/>
+              <a:defRPr sz="750"/>
             </a:lvl5pPr>
             <a:lvl6pPr marL="1714500" indent="0">
               <a:buNone/>
-              <a:defRPr sz="675"/>
+              <a:defRPr sz="750"/>
             </a:lvl6pPr>
             <a:lvl7pPr marL="2057400" indent="0">
               <a:buNone/>
-              <a:defRPr sz="675"/>
+              <a:defRPr sz="750"/>
             </a:lvl7pPr>
             <a:lvl8pPr marL="2400300" indent="0">
               <a:buNone/>
-              <a:defRPr sz="675"/>
+              <a:defRPr sz="750"/>
             </a:lvl8pPr>
             <a:lvl9pPr marL="2743200" indent="0">
               <a:buNone/>
-              <a:defRPr sz="675"/>
+              <a:defRPr sz="750"/>
             </a:lvl9pPr>
           </a:lstStyle>
           <a:p>
             <a:pPr lvl="0"/>
             <a:r>
-              <a:rPr lang="en-US" smtClean="0"/>
+              <a:rPr lang="en-GB"/>
               <a:t>Click to edit Master text styles</a:t>
             </a:r>
           </a:p>
@@ -4844,7 +2439,13 @@
       </p:sp>
       <p:sp>
         <p:nvSpPr>
-          <p:cNvPr id="5" name="Date Placeholder 4"/>
+          <p:cNvPr id="5" name="Date Placeholder 4">
+            <a:extLst>
+              <a:ext uri="{FF2B5EF4-FFF2-40B4-BE49-F238E27FC236}">
+                <a16:creationId xmlns:a16="http://schemas.microsoft.com/office/drawing/2014/main" id="{656EA1E0-A3D2-CD69-25B5-C5ECCC95EC53}"/>
+              </a:ext>
+            </a:extLst>
+          </p:cNvPr>
           <p:cNvSpPr>
             <a:spLocks noGrp="1"/>
           </p:cNvSpPr>
@@ -4860,7 +2461,7 @@
             <a:fld id="{1D8BD707-D9CF-40AE-B4C6-C98DA3205C09}" type="datetimeFigureOut">
               <a:rPr lang="en-US" smtClean="0"/>
               <a:pPr/>
-              <a:t>4/17/2018</a:t>
+              <a:t>4/12/23</a:t>
             </a:fld>
             <a:endParaRPr lang="en-US"/>
           </a:p>
@@ -4868,7 +2469,13 @@
       </p:sp>
       <p:sp>
         <p:nvSpPr>
-          <p:cNvPr id="6" name="Footer Placeholder 5"/>
+          <p:cNvPr id="6" name="Footer Placeholder 5">
+            <a:extLst>
+              <a:ext uri="{FF2B5EF4-FFF2-40B4-BE49-F238E27FC236}">
+                <a16:creationId xmlns:a16="http://schemas.microsoft.com/office/drawing/2014/main" id="{B890DCC2-F849-D1F4-F71D-565AFAB080E4}"/>
+              </a:ext>
+            </a:extLst>
+          </p:cNvPr>
           <p:cNvSpPr>
             <a:spLocks noGrp="1"/>
           </p:cNvSpPr>
@@ -4887,7 +2494,13 @@
       </p:sp>
       <p:sp>
         <p:nvSpPr>
-          <p:cNvPr id="7" name="Slide Number Placeholder 6"/>
+          <p:cNvPr id="7" name="Slide Number Placeholder 6">
+            <a:extLst>
+              <a:ext uri="{FF2B5EF4-FFF2-40B4-BE49-F238E27FC236}">
+                <a16:creationId xmlns:a16="http://schemas.microsoft.com/office/drawing/2014/main" id="{035FD58D-E3BF-0FF8-B40A-3B12C5675221}"/>
+              </a:ext>
+            </a:extLst>
+          </p:cNvPr>
           <p:cNvSpPr>
             <a:spLocks noGrp="1"/>
           </p:cNvSpPr>
@@ -4912,7 +2525,7 @@
     </p:spTree>
     <p:extLst>
       <p:ext uri="{BB962C8B-B14F-4D97-AF65-F5344CB8AC3E}">
-        <p14:creationId xmlns="" xmlns:p14="http://schemas.microsoft.com/office/powerpoint/2010/main" val="1571681741"/>
+        <p14:creationId xmlns:p14="http://schemas.microsoft.com/office/powerpoint/2010/main" val="1857398814"/>
       </p:ext>
     </p:extLst>
   </p:cSld>
@@ -4941,7 +2554,13 @@
       </p:grpSpPr>
       <p:sp>
         <p:nvSpPr>
-          <p:cNvPr id="2" name="Title 1"/>
+          <p:cNvPr id="2" name="Title 1">
+            <a:extLst>
+              <a:ext uri="{FF2B5EF4-FFF2-40B4-BE49-F238E27FC236}">
+                <a16:creationId xmlns:a16="http://schemas.microsoft.com/office/drawing/2014/main" id="{BD8D0054-E030-FF8B-0450-6E8AAB9BC141}"/>
+              </a:ext>
+            </a:extLst>
+          </p:cNvPr>
           <p:cNvSpPr>
             <a:spLocks noGrp="1"/>
           </p:cNvSpPr>
@@ -4951,33 +2570,37 @@
         </p:nvSpPr>
         <p:spPr>
           <a:xfrm>
-            <a:off x="1112043" y="1314449"/>
-            <a:ext cx="4069619" cy="1028700"/>
+            <a:off x="629841" y="342900"/>
+            <a:ext cx="2949178" cy="1200150"/>
           </a:xfrm>
         </p:spPr>
         <p:txBody>
-          <a:bodyPr anchor="b">
-            <a:normAutofit/>
-          </a:bodyPr>
+          <a:bodyPr anchor="b"/>
           <a:lstStyle>
-            <a:lvl1pPr algn="ctr">
-              <a:defRPr sz="2100" b="0"/>
+            <a:lvl1pPr>
+              <a:defRPr sz="2400"/>
             </a:lvl1pPr>
           </a:lstStyle>
           <a:p>
             <a:r>
-              <a:rPr lang="en-US" smtClean="0"/>
+              <a:rPr lang="en-GB"/>
               <a:t>Click to edit Master title style</a:t>
             </a:r>
-            <a:endParaRPr lang="en-US" dirty="0"/>
-          </a:p>
-        </p:txBody>
-      </p:sp>
-      <p:sp>
-        <p:nvSpPr>
-          <p:cNvPr id="14" name="Picture Placeholder 2"/>
+            <a:endParaRPr lang="en-US"/>
+          </a:p>
+        </p:txBody>
+      </p:sp>
+      <p:sp>
+        <p:nvSpPr>
+          <p:cNvPr id="3" name="Picture Placeholder 2">
+            <a:extLst>
+              <a:ext uri="{FF2B5EF4-FFF2-40B4-BE49-F238E27FC236}">
+                <a16:creationId xmlns:a16="http://schemas.microsoft.com/office/drawing/2014/main" id="{A26C1155-FBEE-1C55-2E83-64D0757C728E}"/>
+              </a:ext>
+            </a:extLst>
+          </p:cNvPr>
           <p:cNvSpPr>
-            <a:spLocks noGrp="1" noChangeAspect="1"/>
+            <a:spLocks noGrp="1"/>
           </p:cNvSpPr>
           <p:nvPr>
             <p:ph type="pic" idx="1"/>
@@ -4985,92 +2608,64 @@
         </p:nvSpPr>
         <p:spPr>
           <a:xfrm>
-            <a:off x="5696011" y="685800"/>
-            <a:ext cx="2460731" cy="3429000"/>
+            <a:off x="3887391" y="740569"/>
+            <a:ext cx="4629150" cy="3655219"/>
           </a:xfrm>
-          <a:prstGeom prst="roundRect">
-            <a:avLst>
-              <a:gd name="adj" fmla="val 4280"/>
-            </a:avLst>
-          </a:prstGeom>
-          <a:ln w="38100">
-            <a:gradFill flip="none" rotWithShape="1">
-              <a:gsLst>
-                <a:gs pos="0">
-                  <a:schemeClr val="bg2"/>
-                </a:gs>
-                <a:gs pos="100000">
-                  <a:schemeClr val="bg2">
-                    <a:lumMod val="75000"/>
-                  </a:schemeClr>
-                </a:gs>
-              </a:gsLst>
-              <a:lin ang="5400000" scaled="0"/>
-              <a:tileRect/>
-            </a:gradFill>
-          </a:ln>
-          <a:effectLst>
-            <a:innerShdw blurRad="57150" dist="38100" dir="14460000">
-              <a:srgbClr val="000000">
-                <a:alpha val="70000"/>
-              </a:srgbClr>
-            </a:innerShdw>
-          </a:effectLst>
         </p:spPr>
         <p:txBody>
-          <a:bodyPr anchor="t">
-            <a:normAutofit/>
-          </a:bodyPr>
+          <a:bodyPr/>
           <a:lstStyle>
-            <a:lvl1pPr marL="0" indent="0" algn="ctr">
+            <a:lvl1pPr marL="0" indent="0">
               <a:buNone/>
-              <a:defRPr sz="1200"/>
+              <a:defRPr sz="2400"/>
             </a:lvl1pPr>
             <a:lvl2pPr marL="342900" indent="0">
               <a:buNone/>
-              <a:defRPr sz="1200"/>
+              <a:defRPr sz="2100"/>
             </a:lvl2pPr>
             <a:lvl3pPr marL="685800" indent="0">
               <a:buNone/>
-              <a:defRPr sz="1200"/>
+              <a:defRPr sz="1800"/>
             </a:lvl3pPr>
             <a:lvl4pPr marL="1028700" indent="0">
               <a:buNone/>
-              <a:defRPr sz="1200"/>
+              <a:defRPr sz="1500"/>
             </a:lvl4pPr>
             <a:lvl5pPr marL="1371600" indent="0">
               <a:buNone/>
-              <a:defRPr sz="1200"/>
+              <a:defRPr sz="1500"/>
             </a:lvl5pPr>
             <a:lvl6pPr marL="1714500" indent="0">
               <a:buNone/>
-              <a:defRPr sz="1200"/>
+              <a:defRPr sz="1500"/>
             </a:lvl6pPr>
             <a:lvl7pPr marL="2057400" indent="0">
               <a:buNone/>
-              <a:defRPr sz="1200"/>
+              <a:defRPr sz="1500"/>
             </a:lvl7pPr>
             <a:lvl8pPr marL="2400300" indent="0">
               <a:buNone/>
-              <a:defRPr sz="1200"/>
+              <a:defRPr sz="1500"/>
             </a:lvl8pPr>
             <a:lvl9pPr marL="2743200" indent="0">
               <a:buNone/>
-              <a:defRPr sz="1200"/>
+              <a:defRPr sz="1500"/>
             </a:lvl9pPr>
           </a:lstStyle>
           <a:p>
-            <a:r>
-              <a:rPr lang="en-US" smtClean="0"/>
-              <a:t>Click icon to add picture</a:t>
-            </a:r>
-            <a:endParaRPr lang="en-US" dirty="0"/>
-          </a:p>
-        </p:txBody>
-      </p:sp>
-      <p:sp>
-        <p:nvSpPr>
-          <p:cNvPr id="4" name="Text Placeholder 3"/>
+            <a:endParaRPr lang="en-US"/>
+          </a:p>
+        </p:txBody>
+      </p:sp>
+      <p:sp>
+        <p:nvSpPr>
+          <p:cNvPr id="4" name="Text Placeholder 3">
+            <a:extLst>
+              <a:ext uri="{FF2B5EF4-FFF2-40B4-BE49-F238E27FC236}">
+                <a16:creationId xmlns:a16="http://schemas.microsoft.com/office/drawing/2014/main" id="{75013C25-3D69-E8F0-42BE-C42EFE8C5B63}"/>
+              </a:ext>
+            </a:extLst>
+          </p:cNvPr>
           <p:cNvSpPr>
             <a:spLocks noGrp="1"/>
           </p:cNvSpPr>
@@ -5080,56 +2675,54 @@
         </p:nvSpPr>
         <p:spPr>
           <a:xfrm>
-            <a:off x="1112043" y="2343149"/>
-            <a:ext cx="4069619" cy="1371600"/>
+            <a:off x="629841" y="1543050"/>
+            <a:ext cx="2949178" cy="2858691"/>
           </a:xfrm>
         </p:spPr>
         <p:txBody>
-          <a:bodyPr>
-            <a:normAutofit/>
-          </a:bodyPr>
+          <a:bodyPr/>
           <a:lstStyle>
-            <a:lvl1pPr marL="0" indent="0" algn="ctr">
+            <a:lvl1pPr marL="0" indent="0">
               <a:buNone/>
-              <a:defRPr sz="1350"/>
+              <a:defRPr sz="1200"/>
             </a:lvl1pPr>
             <a:lvl2pPr marL="342900" indent="0">
               <a:buNone/>
-              <a:defRPr sz="900"/>
+              <a:defRPr sz="1050"/>
             </a:lvl2pPr>
             <a:lvl3pPr marL="685800" indent="0">
               <a:buNone/>
-              <a:defRPr sz="750"/>
+              <a:defRPr sz="900"/>
             </a:lvl3pPr>
             <a:lvl4pPr marL="1028700" indent="0">
               <a:buNone/>
-              <a:defRPr sz="675"/>
+              <a:defRPr sz="750"/>
             </a:lvl4pPr>
             <a:lvl5pPr marL="1371600" indent="0">
               <a:buNone/>
-              <a:defRPr sz="675"/>
+              <a:defRPr sz="750"/>
             </a:lvl5pPr>
             <a:lvl6pPr marL="1714500" indent="0">
               <a:buNone/>
-              <a:defRPr sz="675"/>
+              <a:defRPr sz="750"/>
             </a:lvl6pPr>
             <a:lvl7pPr marL="2057400" indent="0">
               <a:buNone/>
-              <a:defRPr sz="675"/>
+              <a:defRPr sz="750"/>
             </a:lvl7pPr>
             <a:lvl8pPr marL="2400300" indent="0">
               <a:buNone/>
-              <a:defRPr sz="675"/>
+              <a:defRPr sz="750"/>
             </a:lvl8pPr>
             <a:lvl9pPr marL="2743200" indent="0">
               <a:buNone/>
-              <a:defRPr sz="675"/>
+              <a:defRPr sz="750"/>
             </a:lvl9pPr>
           </a:lstStyle>
           <a:p>
             <a:pPr lvl="0"/>
             <a:r>
-              <a:rPr lang="en-US" smtClean="0"/>
+              <a:rPr lang="en-GB"/>
               <a:t>Click to edit Master text styles</a:t>
             </a:r>
           </a:p>
@@ -5137,7 +2730,13 @@
       </p:sp>
       <p:sp>
         <p:nvSpPr>
-          <p:cNvPr id="5" name="Date Placeholder 4"/>
+          <p:cNvPr id="5" name="Date Placeholder 4">
+            <a:extLst>
+              <a:ext uri="{FF2B5EF4-FFF2-40B4-BE49-F238E27FC236}">
+                <a16:creationId xmlns:a16="http://schemas.microsoft.com/office/drawing/2014/main" id="{02AE00A2-4D94-0F06-4C07-BE6BE609485D}"/>
+              </a:ext>
+            </a:extLst>
+          </p:cNvPr>
           <p:cNvSpPr>
             <a:spLocks noGrp="1"/>
           </p:cNvSpPr>
@@ -5153,7 +2752,7 @@
             <a:fld id="{1D8BD707-D9CF-40AE-B4C6-C98DA3205C09}" type="datetimeFigureOut">
               <a:rPr lang="en-US" smtClean="0"/>
               <a:pPr/>
-              <a:t>4/17/2018</a:t>
+              <a:t>4/12/23</a:t>
             </a:fld>
             <a:endParaRPr lang="en-US"/>
           </a:p>
@@ -5161,7 +2760,13 @@
       </p:sp>
       <p:sp>
         <p:nvSpPr>
-          <p:cNvPr id="6" name="Footer Placeholder 5"/>
+          <p:cNvPr id="6" name="Footer Placeholder 5">
+            <a:extLst>
+              <a:ext uri="{FF2B5EF4-FFF2-40B4-BE49-F238E27FC236}">
+                <a16:creationId xmlns:a16="http://schemas.microsoft.com/office/drawing/2014/main" id="{C0C14850-22BF-6AB8-79A4-6281744F56C0}"/>
+              </a:ext>
+            </a:extLst>
+          </p:cNvPr>
           <p:cNvSpPr>
             <a:spLocks noGrp="1"/>
           </p:cNvSpPr>
@@ -5174,13 +2779,19 @@
           <a:bodyPr/>
           <a:lstStyle/>
           <a:p>
-            <a:endParaRPr lang="en-US"/>
-          </a:p>
-        </p:txBody>
-      </p:sp>
-      <p:sp>
-        <p:nvSpPr>
-          <p:cNvPr id="7" name="Slide Number Placeholder 6"/>
+            <a:endParaRPr lang="en-US" dirty="0"/>
+          </a:p>
+        </p:txBody>
+      </p:sp>
+      <p:sp>
+        <p:nvSpPr>
+          <p:cNvPr id="7" name="Slide Number Placeholder 6">
+            <a:extLst>
+              <a:ext uri="{FF2B5EF4-FFF2-40B4-BE49-F238E27FC236}">
+                <a16:creationId xmlns:a16="http://schemas.microsoft.com/office/drawing/2014/main" id="{77370384-0789-F8E8-9A9D-0CB392F39B9B}"/>
+              </a:ext>
+            </a:extLst>
+          </p:cNvPr>
           <p:cNvSpPr>
             <a:spLocks noGrp="1"/>
           </p:cNvSpPr>
@@ -5205,7 +2816,7 @@
     </p:spTree>
     <p:extLst>
       <p:ext uri="{BB962C8B-B14F-4D97-AF65-F5344CB8AC3E}">
-        <p14:creationId xmlns="" xmlns:p14="http://schemas.microsoft.com/office/powerpoint/2010/main" val="911691493"/>
+        <p14:creationId xmlns:p14="http://schemas.microsoft.com/office/powerpoint/2010/main" val="1588846709"/>
       </p:ext>
     </p:extLst>
   </p:cSld>
@@ -5219,8 +2830,8 @@
 <p:sldMaster xmlns:a="http://schemas.openxmlformats.org/drawingml/2006/main" xmlns:r="http://schemas.openxmlformats.org/officeDocument/2006/relationships" xmlns:p="http://schemas.openxmlformats.org/presentationml/2006/main">
   <p:cSld>
     <p:bg>
-      <p:bgRef idx="1003">
-        <a:schemeClr val="bg2"/>
+      <p:bgRef idx="1001">
+        <a:schemeClr val="bg1"/>
       </p:bgRef>
     </p:bg>
     <p:spTree>
@@ -5237,325 +2848,15 @@
           <a:chExt cx="0" cy="0"/>
         </a:xfrm>
       </p:grpSpPr>
-      <p:grpSp>
-        <p:nvGrpSpPr>
-          <p:cNvPr id="7" name="Group 6"/>
-          <p:cNvGrpSpPr/>
-          <p:nvPr/>
-        </p:nvGrpSpPr>
-        <p:grpSpPr>
-          <a:xfrm>
-            <a:off x="113109" y="0"/>
-            <a:ext cx="1827610" cy="5143501"/>
-            <a:chOff x="1320800" y="0"/>
-            <a:chExt cx="2436813" cy="6858001"/>
-          </a:xfrm>
-        </p:grpSpPr>
-        <p:sp>
-          <p:nvSpPr>
-            <p:cNvPr id="8" name="Freeform 6"/>
-            <p:cNvSpPr/>
-            <p:nvPr/>
-          </p:nvSpPr>
-          <p:spPr bwMode="auto">
-            <a:xfrm>
-              <a:off x="1627188" y="0"/>
-              <a:ext cx="1122363" cy="5329238"/>
-            </a:xfrm>
-            <a:custGeom>
-              <a:avLst/>
-              <a:gdLst/>
-              <a:ahLst/>
-              <a:cxnLst/>
-              <a:rect l="0" t="0" r="r" b="b"/>
-              <a:pathLst>
-                <a:path w="707" h="3357">
-                  <a:moveTo>
-                    <a:pt x="0" y="3330"/>
-                  </a:moveTo>
-                  <a:lnTo>
-                    <a:pt x="156" y="3357"/>
-                  </a:lnTo>
-                  <a:lnTo>
-                    <a:pt x="707" y="0"/>
-                  </a:lnTo>
-                  <a:lnTo>
-                    <a:pt x="547" y="0"/>
-                  </a:lnTo>
-                  <a:lnTo>
-                    <a:pt x="0" y="3330"/>
-                  </a:lnTo>
-                  <a:close/>
-                </a:path>
-              </a:pathLst>
-            </a:custGeom>
-            <a:solidFill>
-              <a:schemeClr val="accent1"/>
-            </a:solidFill>
-            <a:ln>
-              <a:noFill/>
-            </a:ln>
-          </p:spPr>
-        </p:sp>
-        <p:sp>
-          <p:nvSpPr>
-            <p:cNvPr id="9" name="Freeform 7"/>
-            <p:cNvSpPr/>
-            <p:nvPr/>
-          </p:nvSpPr>
-          <p:spPr bwMode="auto">
-            <a:xfrm>
-              <a:off x="1320800" y="0"/>
-              <a:ext cx="1117600" cy="5276850"/>
-            </a:xfrm>
-            <a:custGeom>
-              <a:avLst/>
-              <a:gdLst/>
-              <a:ahLst/>
-              <a:cxnLst/>
-              <a:rect l="0" t="0" r="r" b="b"/>
-              <a:pathLst>
-                <a:path w="704" h="3324">
-                  <a:moveTo>
-                    <a:pt x="704" y="0"/>
-                  </a:moveTo>
-                  <a:lnTo>
-                    <a:pt x="545" y="0"/>
-                  </a:lnTo>
-                  <a:lnTo>
-                    <a:pt x="0" y="3300"/>
-                  </a:lnTo>
-                  <a:lnTo>
-                    <a:pt x="157" y="3324"/>
-                  </a:lnTo>
-                  <a:lnTo>
-                    <a:pt x="704" y="0"/>
-                  </a:lnTo>
-                  <a:close/>
-                </a:path>
-              </a:pathLst>
-            </a:custGeom>
-            <a:solidFill>
-              <a:schemeClr val="tx1">
-                <a:lumMod val="65000"/>
-                <a:lumOff val="35000"/>
-              </a:schemeClr>
-            </a:solidFill>
-            <a:ln>
-              <a:noFill/>
-            </a:ln>
-          </p:spPr>
-        </p:sp>
-        <p:sp>
-          <p:nvSpPr>
-            <p:cNvPr id="10" name="Freeform 8"/>
-            <p:cNvSpPr/>
-            <p:nvPr/>
-          </p:nvSpPr>
-          <p:spPr bwMode="auto">
-            <a:xfrm>
-              <a:off x="1320800" y="5238750"/>
-              <a:ext cx="1228725" cy="1619250"/>
-            </a:xfrm>
-            <a:custGeom>
-              <a:avLst/>
-              <a:gdLst/>
-              <a:ahLst/>
-              <a:cxnLst/>
-              <a:rect l="0" t="0" r="r" b="b"/>
-              <a:pathLst>
-                <a:path w="774" h="1020">
-                  <a:moveTo>
-                    <a:pt x="0" y="0"/>
-                  </a:moveTo>
-                  <a:lnTo>
-                    <a:pt x="740" y="1020"/>
-                  </a:lnTo>
-                  <a:lnTo>
-                    <a:pt x="774" y="1020"/>
-                  </a:lnTo>
-                  <a:lnTo>
-                    <a:pt x="0" y="0"/>
-                  </a:lnTo>
-                  <a:close/>
-                </a:path>
-              </a:pathLst>
-            </a:custGeom>
-            <a:solidFill>
-              <a:schemeClr val="tx1">
-                <a:lumMod val="85000"/>
-                <a:lumOff val="15000"/>
-              </a:schemeClr>
-            </a:solidFill>
-            <a:ln>
-              <a:noFill/>
-            </a:ln>
-          </p:spPr>
-        </p:sp>
-        <p:sp>
-          <p:nvSpPr>
-            <p:cNvPr id="11" name="Freeform 9"/>
-            <p:cNvSpPr/>
-            <p:nvPr/>
-          </p:nvSpPr>
-          <p:spPr bwMode="auto">
-            <a:xfrm>
-              <a:off x="1627188" y="5291138"/>
-              <a:ext cx="1495425" cy="1566863"/>
-            </a:xfrm>
-            <a:custGeom>
-              <a:avLst/>
-              <a:gdLst/>
-              <a:ahLst/>
-              <a:cxnLst/>
-              <a:rect l="0" t="0" r="r" b="b"/>
-              <a:pathLst>
-                <a:path w="942" h="987">
-                  <a:moveTo>
-                    <a:pt x="0" y="0"/>
-                  </a:moveTo>
-                  <a:lnTo>
-                    <a:pt x="909" y="987"/>
-                  </a:lnTo>
-                  <a:lnTo>
-                    <a:pt x="942" y="987"/>
-                  </a:lnTo>
-                  <a:lnTo>
-                    <a:pt x="0" y="0"/>
-                  </a:lnTo>
-                  <a:close/>
-                </a:path>
-              </a:pathLst>
-            </a:custGeom>
-            <a:solidFill>
-              <a:schemeClr val="accent1">
-                <a:lumMod val="50000"/>
-              </a:schemeClr>
-            </a:solidFill>
-            <a:ln>
-              <a:noFill/>
-            </a:ln>
-          </p:spPr>
-        </p:sp>
-        <p:sp>
-          <p:nvSpPr>
-            <p:cNvPr id="12" name="Freeform 10"/>
-            <p:cNvSpPr/>
-            <p:nvPr/>
-          </p:nvSpPr>
-          <p:spPr bwMode="auto">
-            <a:xfrm>
-              <a:off x="1627188" y="5286375"/>
-              <a:ext cx="2130425" cy="1571625"/>
-            </a:xfrm>
-            <a:custGeom>
-              <a:avLst/>
-              <a:gdLst/>
-              <a:ahLst/>
-              <a:cxnLst/>
-              <a:rect l="0" t="0" r="r" b="b"/>
-              <a:pathLst>
-                <a:path w="1342" h="990">
-                  <a:moveTo>
-                    <a:pt x="0" y="3"/>
-                  </a:moveTo>
-                  <a:lnTo>
-                    <a:pt x="942" y="990"/>
-                  </a:lnTo>
-                  <a:lnTo>
-                    <a:pt x="1342" y="990"/>
-                  </a:lnTo>
-                  <a:lnTo>
-                    <a:pt x="156" y="27"/>
-                  </a:lnTo>
-                  <a:lnTo>
-                    <a:pt x="0" y="0"/>
-                  </a:lnTo>
-                  <a:lnTo>
-                    <a:pt x="0" y="3"/>
-                  </a:lnTo>
-                  <a:close/>
-                </a:path>
-              </a:pathLst>
-            </a:custGeom>
-            <a:solidFill>
-              <a:schemeClr val="accent1">
-                <a:lumMod val="75000"/>
-              </a:schemeClr>
-            </a:solidFill>
-            <a:ln>
-              <a:noFill/>
-            </a:ln>
-          </p:spPr>
-        </p:sp>
-        <p:sp>
-          <p:nvSpPr>
-            <p:cNvPr id="13" name="Freeform 11"/>
-            <p:cNvSpPr/>
-            <p:nvPr/>
-          </p:nvSpPr>
-          <p:spPr bwMode="auto">
-            <a:xfrm>
-              <a:off x="1320800" y="5238750"/>
-              <a:ext cx="1695450" cy="1619250"/>
-            </a:xfrm>
-            <a:custGeom>
-              <a:avLst/>
-              <a:gdLst/>
-              <a:ahLst/>
-              <a:cxnLst/>
-              <a:rect l="0" t="0" r="r" b="b"/>
-              <a:pathLst>
-                <a:path w="1068" h="1020">
-                  <a:moveTo>
-                    <a:pt x="1068" y="1020"/>
-                  </a:moveTo>
-                  <a:lnTo>
-                    <a:pt x="184" y="60"/>
-                  </a:lnTo>
-                  <a:lnTo>
-                    <a:pt x="154" y="27"/>
-                  </a:lnTo>
-                  <a:lnTo>
-                    <a:pt x="157" y="27"/>
-                  </a:lnTo>
-                  <a:lnTo>
-                    <a:pt x="157" y="24"/>
-                  </a:lnTo>
-                  <a:lnTo>
-                    <a:pt x="154" y="24"/>
-                  </a:lnTo>
-                  <a:lnTo>
-                    <a:pt x="0" y="0"/>
-                  </a:lnTo>
-                  <a:lnTo>
-                    <a:pt x="0" y="0"/>
-                  </a:lnTo>
-                  <a:lnTo>
-                    <a:pt x="774" y="1020"/>
-                  </a:lnTo>
-                  <a:lnTo>
-                    <a:pt x="1068" y="1020"/>
-                  </a:lnTo>
-                  <a:close/>
-                </a:path>
-              </a:pathLst>
-            </a:custGeom>
-            <a:solidFill>
-              <a:schemeClr val="tx1">
-                <a:lumMod val="75000"/>
-                <a:lumOff val="25000"/>
-              </a:schemeClr>
-            </a:solidFill>
-            <a:ln>
-              <a:noFill/>
-            </a:ln>
-          </p:spPr>
-        </p:sp>
-      </p:grpSp>
-      <p:sp>
-        <p:nvSpPr>
-          <p:cNvPr id="2" name="Title Placeholder 1"/>
+      <p:sp>
+        <p:nvSpPr>
+          <p:cNvPr id="2" name="Title Placeholder 1">
+            <a:extLst>
+              <a:ext uri="{FF2B5EF4-FFF2-40B4-BE49-F238E27FC236}">
+                <a16:creationId xmlns:a16="http://schemas.microsoft.com/office/drawing/2014/main" id="{6DAD81B4-358F-A082-702C-F826EDD300B5}"/>
+              </a:ext>
+            </a:extLst>
+          </p:cNvPr>
           <p:cNvSpPr>
             <a:spLocks noGrp="1"/>
           </p:cNvSpPr>
@@ -5565,13 +2866,12 @@
         </p:nvSpPr>
         <p:spPr>
           <a:xfrm>
-            <a:off x="1113234" y="514351"/>
-            <a:ext cx="7514035" cy="1314449"/>
+            <a:off x="628650" y="273844"/>
+            <a:ext cx="7886700" cy="994172"/>
           </a:xfrm>
           <a:prstGeom prst="rect">
             <a:avLst/>
           </a:prstGeom>
-          <a:effectLst/>
         </p:spPr>
         <p:txBody>
           <a:bodyPr vert="horz" lIns="91440" tIns="45720" rIns="91440" bIns="45720" rtlCol="0" anchor="ctr">
@@ -5580,16 +2880,22 @@
           <a:lstStyle/>
           <a:p>
             <a:r>
-              <a:rPr lang="en-US" smtClean="0"/>
+              <a:rPr lang="en-GB"/>
               <a:t>Click to edit Master title style</a:t>
             </a:r>
-            <a:endParaRPr lang="en-US" dirty="0"/>
-          </a:p>
-        </p:txBody>
-      </p:sp>
-      <p:sp>
-        <p:nvSpPr>
-          <p:cNvPr id="3" name="Text Placeholder 2"/>
+            <a:endParaRPr lang="en-US"/>
+          </a:p>
+        </p:txBody>
+      </p:sp>
+      <p:sp>
+        <p:nvSpPr>
+          <p:cNvPr id="3" name="Text Placeholder 2">
+            <a:extLst>
+              <a:ext uri="{FF2B5EF4-FFF2-40B4-BE49-F238E27FC236}">
+                <a16:creationId xmlns:a16="http://schemas.microsoft.com/office/drawing/2014/main" id="{69BAD55F-8DBD-AAA0-29CC-48D447F0C7C0}"/>
+              </a:ext>
+            </a:extLst>
+          </p:cNvPr>
           <p:cNvSpPr>
             <a:spLocks noGrp="1"/>
           </p:cNvSpPr>
@@ -5599,59 +2905,65 @@
         </p:nvSpPr>
         <p:spPr>
           <a:xfrm>
-            <a:off x="1113233" y="2000250"/>
-            <a:ext cx="7514035" cy="2343151"/>
+            <a:off x="628650" y="1369219"/>
+            <a:ext cx="7886700" cy="3263504"/>
           </a:xfrm>
           <a:prstGeom prst="rect">
             <a:avLst/>
           </a:prstGeom>
         </p:spPr>
         <p:txBody>
-          <a:bodyPr vert="horz" lIns="91440" tIns="45720" rIns="91440" bIns="45720" rtlCol="0" anchor="ctr">
+          <a:bodyPr vert="horz" lIns="91440" tIns="45720" rIns="91440" bIns="45720" rtlCol="0">
             <a:normAutofit/>
           </a:bodyPr>
           <a:lstStyle/>
           <a:p>
             <a:pPr lvl="0"/>
             <a:r>
-              <a:rPr lang="en-US" smtClean="0"/>
+              <a:rPr lang="en-GB"/>
               <a:t>Click to edit Master text styles</a:t>
             </a:r>
           </a:p>
           <a:p>
             <a:pPr lvl="1"/>
             <a:r>
-              <a:rPr lang="en-US" smtClean="0"/>
+              <a:rPr lang="en-GB"/>
               <a:t>Second level</a:t>
             </a:r>
           </a:p>
           <a:p>
             <a:pPr lvl="2"/>
             <a:r>
-              <a:rPr lang="en-US" smtClean="0"/>
+              <a:rPr lang="en-GB"/>
               <a:t>Third level</a:t>
             </a:r>
           </a:p>
           <a:p>
             <a:pPr lvl="3"/>
             <a:r>
-              <a:rPr lang="en-US" smtClean="0"/>
+              <a:rPr lang="en-GB"/>
               <a:t>Fourth level</a:t>
             </a:r>
           </a:p>
           <a:p>
             <a:pPr lvl="4"/>
             <a:r>
-              <a:rPr lang="en-US" smtClean="0"/>
+              <a:rPr lang="en-GB"/>
               <a:t>Fifth level</a:t>
             </a:r>
-            <a:endParaRPr lang="en-US" dirty="0"/>
-          </a:p>
-        </p:txBody>
-      </p:sp>
-      <p:sp>
-        <p:nvSpPr>
-          <p:cNvPr id="4" name="Date Placeholder 3"/>
+            <a:endParaRPr lang="en-US"/>
+          </a:p>
+        </p:txBody>
+      </p:sp>
+      <p:sp>
+        <p:nvSpPr>
+          <p:cNvPr id="4" name="Date Placeholder 3">
+            <a:extLst>
+              <a:ext uri="{FF2B5EF4-FFF2-40B4-BE49-F238E27FC236}">
+                <a16:creationId xmlns:a16="http://schemas.microsoft.com/office/drawing/2014/main" id="{6A9179F7-5262-3ED4-78E4-A601DCBE01CC}"/>
+              </a:ext>
+            </a:extLst>
+          </p:cNvPr>
           <p:cNvSpPr>
             <a:spLocks noGrp="1"/>
           </p:cNvSpPr>
@@ -5661,8 +2973,8 @@
         </p:nvSpPr>
         <p:spPr>
           <a:xfrm>
-            <a:off x="7299492" y="4412457"/>
-            <a:ext cx="857250" cy="273844"/>
+            <a:off x="628650" y="4767263"/>
+            <a:ext cx="2057400" cy="273844"/>
           </a:xfrm>
           <a:prstGeom prst="rect">
             <a:avLst/>
@@ -5671,13 +2983,13 @@
         <p:txBody>
           <a:bodyPr vert="horz" lIns="91440" tIns="45720" rIns="91440" bIns="45720" rtlCol="0" anchor="ctr"/>
           <a:lstStyle>
-            <a:lvl1pPr algn="r">
-              <a:defRPr sz="750" b="0" i="0">
-                <a:solidFill>
-                  <a:schemeClr val="tx1"/>
-                </a:solidFill>
-                <a:effectLst/>
-                <a:latin typeface="+mn-lt"/>
+            <a:lvl1pPr algn="l">
+              <a:defRPr sz="900">
+                <a:solidFill>
+                  <a:schemeClr val="tx1">
+                    <a:tint val="75000"/>
+                  </a:schemeClr>
+                </a:solidFill>
               </a:defRPr>
             </a:lvl1pPr>
           </a:lstStyle>
@@ -5685,7 +2997,7 @@
             <a:fld id="{1D8BD707-D9CF-40AE-B4C6-C98DA3205C09}" type="datetimeFigureOut">
               <a:rPr lang="en-US" smtClean="0"/>
               <a:pPr/>
-              <a:t>4/17/2018</a:t>
+              <a:t>4/12/23</a:t>
             </a:fld>
             <a:endParaRPr lang="en-US"/>
           </a:p>
@@ -5693,7 +3005,13 @@
       </p:sp>
       <p:sp>
         <p:nvSpPr>
-          <p:cNvPr id="5" name="Footer Placeholder 4"/>
+          <p:cNvPr id="5" name="Footer Placeholder 4">
+            <a:extLst>
+              <a:ext uri="{FF2B5EF4-FFF2-40B4-BE49-F238E27FC236}">
+                <a16:creationId xmlns:a16="http://schemas.microsoft.com/office/drawing/2014/main" id="{A9C27E64-7288-BCEF-902B-B452E4EA67C9}"/>
+              </a:ext>
+            </a:extLst>
+          </p:cNvPr>
           <p:cNvSpPr>
             <a:spLocks noGrp="1"/>
           </p:cNvSpPr>
@@ -5703,8 +3021,8 @@
         </p:nvSpPr>
         <p:spPr>
           <a:xfrm>
-            <a:off x="1929210" y="4412457"/>
-            <a:ext cx="5313133" cy="273844"/>
+            <a:off x="3028950" y="4767263"/>
+            <a:ext cx="3086100" cy="273844"/>
           </a:xfrm>
           <a:prstGeom prst="rect">
             <a:avLst/>
@@ -5713,13 +3031,13 @@
         <p:txBody>
           <a:bodyPr vert="horz" lIns="91440" tIns="45720" rIns="91440" bIns="45720" rtlCol="0" anchor="ctr"/>
           <a:lstStyle>
-            <a:lvl1pPr algn="l">
-              <a:defRPr sz="750" b="0" i="0">
-                <a:solidFill>
-                  <a:schemeClr val="tx1"/>
-                </a:solidFill>
-                <a:effectLst/>
-                <a:latin typeface="+mn-lt"/>
+            <a:lvl1pPr algn="ctr">
+              <a:defRPr sz="900">
+                <a:solidFill>
+                  <a:schemeClr val="tx1">
+                    <a:tint val="75000"/>
+                  </a:schemeClr>
+                </a:solidFill>
               </a:defRPr>
             </a:lvl1pPr>
           </a:lstStyle>
@@ -5730,7 +3048,13 @@
       </p:sp>
       <p:sp>
         <p:nvSpPr>
-          <p:cNvPr id="6" name="Slide Number Placeholder 5"/>
+          <p:cNvPr id="6" name="Slide Number Placeholder 5">
+            <a:extLst>
+              <a:ext uri="{FF2B5EF4-FFF2-40B4-BE49-F238E27FC236}">
+                <a16:creationId xmlns:a16="http://schemas.microsoft.com/office/drawing/2014/main" id="{29139CCE-4920-4475-3D9E-76C99144F18C}"/>
+              </a:ext>
+            </a:extLst>
+          </p:cNvPr>
           <p:cNvSpPr>
             <a:spLocks noGrp="1"/>
           </p:cNvSpPr>
@@ -5740,8 +3064,8 @@
         </p:nvSpPr>
         <p:spPr>
           <a:xfrm>
-            <a:off x="8213893" y="4412457"/>
-            <a:ext cx="413375" cy="273844"/>
+            <a:off x="6457950" y="4767263"/>
+            <a:ext cx="2057400" cy="273844"/>
           </a:xfrm>
           <a:prstGeom prst="rect">
             <a:avLst/>
@@ -5751,12 +3075,12 @@
           <a:bodyPr vert="horz" lIns="91440" tIns="45720" rIns="91440" bIns="45720" rtlCol="0" anchor="ctr"/>
           <a:lstStyle>
             <a:lvl1pPr algn="r">
-              <a:defRPr sz="750" b="0" i="0">
-                <a:solidFill>
-                  <a:schemeClr val="tx1"/>
-                </a:solidFill>
-                <a:effectLst/>
-                <a:latin typeface="+mn-lt"/>
+              <a:defRPr sz="900">
+                <a:solidFill>
+                  <a:schemeClr val="tx1">
+                    <a:tint val="75000"/>
+                  </a:schemeClr>
+                </a:solidFill>
               </a:defRPr>
             </a:lvl1pPr>
           </a:lstStyle>
@@ -5773,328 +3097,202 @@
     </p:spTree>
     <p:extLst>
       <p:ext uri="{BB962C8B-B14F-4D97-AF65-F5344CB8AC3E}">
-        <p14:creationId xmlns="" xmlns:p14="http://schemas.microsoft.com/office/powerpoint/2010/main" val="3869768740"/>
+        <p14:creationId xmlns:p14="http://schemas.microsoft.com/office/powerpoint/2010/main" val="3626026492"/>
       </p:ext>
     </p:extLst>
   </p:cSld>
   <p:clrMap bg1="lt1" tx1="dk1" bg2="lt2" tx2="dk2" accent1="accent1" accent2="accent2" accent3="accent3" accent4="accent4" accent5="accent5" accent6="accent6" hlink="hlink" folHlink="folHlink"/>
   <p:sldLayoutIdLst>
-    <p:sldLayoutId id="2147483745" r:id="rId1"/>
-    <p:sldLayoutId id="2147483746" r:id="rId2"/>
-    <p:sldLayoutId id="2147483747" r:id="rId3"/>
-    <p:sldLayoutId id="2147483748" r:id="rId4"/>
-    <p:sldLayoutId id="2147483749" r:id="rId5"/>
-    <p:sldLayoutId id="2147483750" r:id="rId6"/>
-    <p:sldLayoutId id="2147483751" r:id="rId7"/>
-    <p:sldLayoutId id="2147483752" r:id="rId8"/>
-    <p:sldLayoutId id="2147483753" r:id="rId9"/>
-    <p:sldLayoutId id="2147483754" r:id="rId10"/>
-    <p:sldLayoutId id="2147483755" r:id="rId11"/>
-    <p:sldLayoutId id="2147483756" r:id="rId12"/>
-    <p:sldLayoutId id="2147483757" r:id="rId13"/>
-    <p:sldLayoutId id="2147483758" r:id="rId14"/>
-    <p:sldLayoutId id="2147483759" r:id="rId15"/>
-    <p:sldLayoutId id="2147483760" r:id="rId16"/>
-    <p:sldLayoutId id="2147483761" r:id="rId17"/>
+    <p:sldLayoutId id="2147483835" r:id="rId1"/>
+    <p:sldLayoutId id="2147483836" r:id="rId2"/>
+    <p:sldLayoutId id="2147483837" r:id="rId3"/>
+    <p:sldLayoutId id="2147483838" r:id="rId4"/>
+    <p:sldLayoutId id="2147483839" r:id="rId5"/>
+    <p:sldLayoutId id="2147483840" r:id="rId6"/>
+    <p:sldLayoutId id="2147483841" r:id="rId7"/>
+    <p:sldLayoutId id="2147483842" r:id="rId8"/>
+    <p:sldLayoutId id="2147483843" r:id="rId9"/>
+    <p:sldLayoutId id="2147483844" r:id="rId10"/>
+    <p:sldLayoutId id="2147483845" r:id="rId11"/>
   </p:sldLayoutIdLst>
   <p:txStyles>
     <p:titleStyle>
-      <a:lvl1pPr algn="ctr" defTabSz="342900" rtl="0" eaLnBrk="1" latinLnBrk="0" hangingPunct="1">
+      <a:lvl1pPr algn="l" defTabSz="685800" rtl="0" eaLnBrk="1" latinLnBrk="0" hangingPunct="1">
+        <a:lnSpc>
+          <a:spcPct val="90000"/>
+        </a:lnSpc>
         <a:spcBef>
           <a:spcPct val="0"/>
         </a:spcBef>
         <a:buNone/>
-        <a:defRPr sz="3000" kern="1200" cap="none">
-          <a:ln w="3175" cmpd="sng">
-            <a:noFill/>
-          </a:ln>
+        <a:defRPr sz="3300" kern="1200">
           <a:solidFill>
             <a:schemeClr val="tx1"/>
           </a:solidFill>
-          <a:effectLst/>
           <a:latin typeface="+mj-lt"/>
           <a:ea typeface="+mj-ea"/>
           <a:cs typeface="+mj-cs"/>
         </a:defRPr>
       </a:lvl1pPr>
-      <a:lvl2pPr eaLnBrk="1" hangingPunct="1">
-        <a:defRPr>
-          <a:solidFill>
-            <a:schemeClr val="tx2"/>
-          </a:solidFill>
-        </a:defRPr>
-      </a:lvl2pPr>
-      <a:lvl3pPr eaLnBrk="1" hangingPunct="1">
-        <a:defRPr>
-          <a:solidFill>
-            <a:schemeClr val="tx2"/>
-          </a:solidFill>
-        </a:defRPr>
-      </a:lvl3pPr>
-      <a:lvl4pPr eaLnBrk="1" hangingPunct="1">
-        <a:defRPr>
-          <a:solidFill>
-            <a:schemeClr val="tx2"/>
-          </a:solidFill>
-        </a:defRPr>
-      </a:lvl4pPr>
-      <a:lvl5pPr eaLnBrk="1" hangingPunct="1">
-        <a:defRPr>
-          <a:solidFill>
-            <a:schemeClr val="tx2"/>
-          </a:solidFill>
-        </a:defRPr>
-      </a:lvl5pPr>
-      <a:lvl6pPr eaLnBrk="1" hangingPunct="1">
-        <a:defRPr>
-          <a:solidFill>
-            <a:schemeClr val="tx2"/>
-          </a:solidFill>
-        </a:defRPr>
-      </a:lvl6pPr>
-      <a:lvl7pPr eaLnBrk="1" hangingPunct="1">
-        <a:defRPr>
-          <a:solidFill>
-            <a:schemeClr val="tx2"/>
-          </a:solidFill>
-        </a:defRPr>
-      </a:lvl7pPr>
-      <a:lvl8pPr eaLnBrk="1" hangingPunct="1">
-        <a:defRPr>
-          <a:solidFill>
-            <a:schemeClr val="tx2"/>
-          </a:solidFill>
-        </a:defRPr>
-      </a:lvl8pPr>
-      <a:lvl9pPr eaLnBrk="1" hangingPunct="1">
-        <a:defRPr>
-          <a:solidFill>
-            <a:schemeClr val="tx2"/>
-          </a:solidFill>
-        </a:defRPr>
-      </a:lvl9pPr>
     </p:titleStyle>
     <p:bodyStyle>
-      <a:lvl1pPr marL="214313" indent="-214313" algn="l" defTabSz="342900" rtl="0" eaLnBrk="1" latinLnBrk="0" hangingPunct="1">
+      <a:lvl1pPr marL="171450" indent="-171450" algn="l" defTabSz="685800" rtl="0" eaLnBrk="1" latinLnBrk="0" hangingPunct="1">
+        <a:lnSpc>
+          <a:spcPct val="90000"/>
+        </a:lnSpc>
         <a:spcBef>
-          <a:spcPct val="20000"/>
+          <a:spcPts val="750"/>
         </a:spcBef>
-        <a:spcAft>
-          <a:spcPts val="450"/>
-        </a:spcAft>
-        <a:buClr>
-          <a:schemeClr val="accent1">
-            <a:lumMod val="75000"/>
-          </a:schemeClr>
-        </a:buClr>
-        <a:buSzPct val="145000"/>
-        <a:buFont typeface="Arial"/>
+        <a:buFont typeface="Arial" panose="020B0604020202020204" pitchFamily="34" charset="0"/>
         <a:buChar char="•"/>
-        <a:defRPr sz="1800" kern="1200" cap="none">
+        <a:defRPr sz="2100" kern="1200">
           <a:solidFill>
             <a:schemeClr val="tx1"/>
           </a:solidFill>
-          <a:effectLst/>
           <a:latin typeface="+mn-lt"/>
           <a:ea typeface="+mn-ea"/>
           <a:cs typeface="+mn-cs"/>
         </a:defRPr>
       </a:lvl1pPr>
-      <a:lvl2pPr marL="557213" indent="-214313" algn="l" defTabSz="342900" rtl="0" eaLnBrk="1" latinLnBrk="0" hangingPunct="1">
+      <a:lvl2pPr marL="514350" indent="-171450" algn="l" defTabSz="685800" rtl="0" eaLnBrk="1" latinLnBrk="0" hangingPunct="1">
+        <a:lnSpc>
+          <a:spcPct val="90000"/>
+        </a:lnSpc>
         <a:spcBef>
-          <a:spcPct val="20000"/>
+          <a:spcPts val="375"/>
         </a:spcBef>
-        <a:spcAft>
-          <a:spcPts val="450"/>
-        </a:spcAft>
-        <a:buClr>
-          <a:schemeClr val="accent1">
-            <a:lumMod val="75000"/>
-          </a:schemeClr>
-        </a:buClr>
-        <a:buSzPct val="145000"/>
-        <a:buFont typeface="Arial"/>
+        <a:buFont typeface="Arial" panose="020B0604020202020204" pitchFamily="34" charset="0"/>
         <a:buChar char="•"/>
-        <a:defRPr sz="1500" kern="1200" cap="none">
+        <a:defRPr sz="1800" kern="1200">
           <a:solidFill>
             <a:schemeClr val="tx1"/>
           </a:solidFill>
-          <a:effectLst/>
           <a:latin typeface="+mn-lt"/>
           <a:ea typeface="+mn-ea"/>
           <a:cs typeface="+mn-cs"/>
         </a:defRPr>
       </a:lvl2pPr>
-      <a:lvl3pPr marL="900113" indent="-214313" algn="l" defTabSz="342900" rtl="0" eaLnBrk="1" latinLnBrk="0" hangingPunct="1">
+      <a:lvl3pPr marL="857250" indent="-171450" algn="l" defTabSz="685800" rtl="0" eaLnBrk="1" latinLnBrk="0" hangingPunct="1">
+        <a:lnSpc>
+          <a:spcPct val="90000"/>
+        </a:lnSpc>
         <a:spcBef>
-          <a:spcPct val="20000"/>
+          <a:spcPts val="375"/>
         </a:spcBef>
-        <a:spcAft>
-          <a:spcPts val="450"/>
-        </a:spcAft>
-        <a:buClr>
-          <a:schemeClr val="accent1">
-            <a:lumMod val="75000"/>
-          </a:schemeClr>
-        </a:buClr>
-        <a:buSzPct val="145000"/>
-        <a:buFont typeface="Arial"/>
+        <a:buFont typeface="Arial" panose="020B0604020202020204" pitchFamily="34" charset="0"/>
         <a:buChar char="•"/>
-        <a:defRPr sz="1350" kern="1200" cap="none">
+        <a:defRPr sz="1500" kern="1200">
           <a:solidFill>
             <a:schemeClr val="tx1"/>
           </a:solidFill>
-          <a:effectLst/>
           <a:latin typeface="+mn-lt"/>
           <a:ea typeface="+mn-ea"/>
           <a:cs typeface="+mn-cs"/>
         </a:defRPr>
       </a:lvl3pPr>
-      <a:lvl4pPr marL="1157288" indent="-128588" algn="l" defTabSz="342900" rtl="0" eaLnBrk="1" latinLnBrk="0" hangingPunct="1">
+      <a:lvl4pPr marL="1200150" indent="-171450" algn="l" defTabSz="685800" rtl="0" eaLnBrk="1" latinLnBrk="0" hangingPunct="1">
+        <a:lnSpc>
+          <a:spcPct val="90000"/>
+        </a:lnSpc>
         <a:spcBef>
-          <a:spcPct val="20000"/>
+          <a:spcPts val="375"/>
         </a:spcBef>
-        <a:spcAft>
-          <a:spcPts val="450"/>
-        </a:spcAft>
-        <a:buClr>
-          <a:schemeClr val="accent1">
-            <a:lumMod val="75000"/>
-          </a:schemeClr>
-        </a:buClr>
-        <a:buSzPct val="145000"/>
-        <a:buFont typeface="Arial"/>
+        <a:buFont typeface="Arial" panose="020B0604020202020204" pitchFamily="34" charset="0"/>
         <a:buChar char="•"/>
-        <a:defRPr sz="1200" kern="1200" cap="none">
+        <a:defRPr sz="1350" kern="1200">
           <a:solidFill>
             <a:schemeClr val="tx1"/>
           </a:solidFill>
-          <a:effectLst/>
           <a:latin typeface="+mn-lt"/>
           <a:ea typeface="+mn-ea"/>
           <a:cs typeface="+mn-cs"/>
         </a:defRPr>
       </a:lvl4pPr>
-      <a:lvl5pPr marL="1500188" indent="-128588" algn="l" defTabSz="342900" rtl="0" eaLnBrk="1" latinLnBrk="0" hangingPunct="1">
+      <a:lvl5pPr marL="1543050" indent="-171450" algn="l" defTabSz="685800" rtl="0" eaLnBrk="1" latinLnBrk="0" hangingPunct="1">
+        <a:lnSpc>
+          <a:spcPct val="90000"/>
+        </a:lnSpc>
         <a:spcBef>
-          <a:spcPct val="20000"/>
+          <a:spcPts val="375"/>
         </a:spcBef>
-        <a:spcAft>
-          <a:spcPts val="450"/>
-        </a:spcAft>
-        <a:buClr>
-          <a:schemeClr val="accent1">
-            <a:lumMod val="75000"/>
-          </a:schemeClr>
-        </a:buClr>
-        <a:buSzPct val="145000"/>
-        <a:buFont typeface="Arial"/>
+        <a:buFont typeface="Arial" panose="020B0604020202020204" pitchFamily="34" charset="0"/>
         <a:buChar char="•"/>
-        <a:defRPr sz="1050" kern="1200" cap="none">
+        <a:defRPr sz="1350" kern="1200">
           <a:solidFill>
             <a:schemeClr val="tx1"/>
           </a:solidFill>
-          <a:effectLst/>
           <a:latin typeface="+mn-lt"/>
           <a:ea typeface="+mn-ea"/>
           <a:cs typeface="+mn-cs"/>
         </a:defRPr>
       </a:lvl5pPr>
-      <a:lvl6pPr marL="1885950" indent="-171450" algn="l" defTabSz="342900" rtl="0" eaLnBrk="1" latinLnBrk="0" hangingPunct="1">
+      <a:lvl6pPr marL="1885950" indent="-171450" algn="l" defTabSz="685800" rtl="0" eaLnBrk="1" latinLnBrk="0" hangingPunct="1">
+        <a:lnSpc>
+          <a:spcPct val="90000"/>
+        </a:lnSpc>
         <a:spcBef>
-          <a:spcPct val="20000"/>
+          <a:spcPts val="375"/>
         </a:spcBef>
-        <a:spcAft>
-          <a:spcPts val="450"/>
-        </a:spcAft>
-        <a:buClr>
-          <a:schemeClr val="accent1">
-            <a:lumMod val="75000"/>
-          </a:schemeClr>
-        </a:buClr>
-        <a:buSzPct val="145000"/>
-        <a:buFont typeface="Arial"/>
+        <a:buFont typeface="Arial" panose="020B0604020202020204" pitchFamily="34" charset="0"/>
         <a:buChar char="•"/>
-        <a:defRPr sz="1050" kern="1200" cap="none">
+        <a:defRPr sz="1350" kern="1200">
           <a:solidFill>
             <a:schemeClr val="tx1"/>
           </a:solidFill>
-          <a:effectLst/>
           <a:latin typeface="+mn-lt"/>
           <a:ea typeface="+mn-ea"/>
           <a:cs typeface="+mn-cs"/>
         </a:defRPr>
       </a:lvl6pPr>
-      <a:lvl7pPr marL="2228850" indent="-171450" algn="l" defTabSz="342900" rtl="0" eaLnBrk="1" latinLnBrk="0" hangingPunct="1">
+      <a:lvl7pPr marL="2228850" indent="-171450" algn="l" defTabSz="685800" rtl="0" eaLnBrk="1" latinLnBrk="0" hangingPunct="1">
+        <a:lnSpc>
+          <a:spcPct val="90000"/>
+        </a:lnSpc>
         <a:spcBef>
-          <a:spcPct val="20000"/>
+          <a:spcPts val="375"/>
         </a:spcBef>
-        <a:spcAft>
-          <a:spcPts val="450"/>
-        </a:spcAft>
-        <a:buClr>
-          <a:schemeClr val="accent1">
-            <a:lumMod val="75000"/>
-          </a:schemeClr>
-        </a:buClr>
-        <a:buSzPct val="145000"/>
-        <a:buFont typeface="Arial"/>
+        <a:buFont typeface="Arial" panose="020B0604020202020204" pitchFamily="34" charset="0"/>
         <a:buChar char="•"/>
-        <a:defRPr sz="1050" kern="1200" cap="none">
+        <a:defRPr sz="1350" kern="1200">
           <a:solidFill>
             <a:schemeClr val="tx1"/>
           </a:solidFill>
-          <a:effectLst/>
           <a:latin typeface="+mn-lt"/>
           <a:ea typeface="+mn-ea"/>
           <a:cs typeface="+mn-cs"/>
         </a:defRPr>
       </a:lvl7pPr>
-      <a:lvl8pPr marL="2571750" indent="-171450" algn="l" defTabSz="342900" rtl="0" eaLnBrk="1" latinLnBrk="0" hangingPunct="1">
+      <a:lvl8pPr marL="2571750" indent="-171450" algn="l" defTabSz="685800" rtl="0" eaLnBrk="1" latinLnBrk="0" hangingPunct="1">
+        <a:lnSpc>
+          <a:spcPct val="90000"/>
+        </a:lnSpc>
         <a:spcBef>
-          <a:spcPct val="20000"/>
+          <a:spcPts val="375"/>
         </a:spcBef>
-        <a:spcAft>
-          <a:spcPts val="450"/>
-        </a:spcAft>
-        <a:buClr>
-          <a:schemeClr val="accent1">
-            <a:lumMod val="75000"/>
-          </a:schemeClr>
-        </a:buClr>
-        <a:buSzPct val="145000"/>
-        <a:buFont typeface="Arial"/>
+        <a:buFont typeface="Arial" panose="020B0604020202020204" pitchFamily="34" charset="0"/>
         <a:buChar char="•"/>
-        <a:defRPr sz="1050" kern="1200" cap="none">
+        <a:defRPr sz="1350" kern="1200">
           <a:solidFill>
             <a:schemeClr val="tx1"/>
           </a:solidFill>
-          <a:effectLst/>
           <a:latin typeface="+mn-lt"/>
           <a:ea typeface="+mn-ea"/>
           <a:cs typeface="+mn-cs"/>
         </a:defRPr>
       </a:lvl8pPr>
-      <a:lvl9pPr marL="2914650" indent="-171450" algn="l" defTabSz="342900" rtl="0" eaLnBrk="1" latinLnBrk="0" hangingPunct="1">
+      <a:lvl9pPr marL="2914650" indent="-171450" algn="l" defTabSz="685800" rtl="0" eaLnBrk="1" latinLnBrk="0" hangingPunct="1">
+        <a:lnSpc>
+          <a:spcPct val="90000"/>
+        </a:lnSpc>
         <a:spcBef>
-          <a:spcPct val="20000"/>
+          <a:spcPts val="375"/>
         </a:spcBef>
-        <a:spcAft>
-          <a:spcPts val="450"/>
-        </a:spcAft>
-        <a:buClr>
-          <a:schemeClr val="accent1">
-            <a:lumMod val="75000"/>
-          </a:schemeClr>
-        </a:buClr>
-        <a:buSzPct val="145000"/>
-        <a:buFont typeface="Arial"/>
+        <a:buFont typeface="Arial" panose="020B0604020202020204" pitchFamily="34" charset="0"/>
         <a:buChar char="•"/>
-        <a:defRPr sz="1050" kern="1200" cap="none">
+        <a:defRPr sz="1350" kern="1200">
           <a:solidFill>
             <a:schemeClr val="tx1"/>
           </a:solidFill>
-          <a:effectLst/>
           <a:latin typeface="+mn-lt"/>
           <a:ea typeface="+mn-ea"/>
           <a:cs typeface="+mn-cs"/>
@@ -6105,7 +3303,7 @@
       <a:defPPr>
         <a:defRPr lang="en-US"/>
       </a:defPPr>
-      <a:lvl1pPr marL="0" algn="l" defTabSz="342900" rtl="0" eaLnBrk="1" latinLnBrk="0" hangingPunct="1">
+      <a:lvl1pPr marL="0" algn="l" defTabSz="685800" rtl="0" eaLnBrk="1" latinLnBrk="0" hangingPunct="1">
         <a:defRPr sz="1350" kern="1200">
           <a:solidFill>
             <a:schemeClr val="tx1"/>
@@ -6115,7 +3313,7 @@
           <a:cs typeface="+mn-cs"/>
         </a:defRPr>
       </a:lvl1pPr>
-      <a:lvl2pPr marL="342900" algn="l" defTabSz="342900" rtl="0" eaLnBrk="1" latinLnBrk="0" hangingPunct="1">
+      <a:lvl2pPr marL="342900" algn="l" defTabSz="685800" rtl="0" eaLnBrk="1" latinLnBrk="0" hangingPunct="1">
         <a:defRPr sz="1350" kern="1200">
           <a:solidFill>
             <a:schemeClr val="tx1"/>
@@ -6125,7 +3323,7 @@
           <a:cs typeface="+mn-cs"/>
         </a:defRPr>
       </a:lvl2pPr>
-      <a:lvl3pPr marL="685800" algn="l" defTabSz="342900" rtl="0" eaLnBrk="1" latinLnBrk="0" hangingPunct="1">
+      <a:lvl3pPr marL="685800" algn="l" defTabSz="685800" rtl="0" eaLnBrk="1" latinLnBrk="0" hangingPunct="1">
         <a:defRPr sz="1350" kern="1200">
           <a:solidFill>
             <a:schemeClr val="tx1"/>
@@ -6135,7 +3333,7 @@
           <a:cs typeface="+mn-cs"/>
         </a:defRPr>
       </a:lvl3pPr>
-      <a:lvl4pPr marL="1028700" algn="l" defTabSz="342900" rtl="0" eaLnBrk="1" latinLnBrk="0" hangingPunct="1">
+      <a:lvl4pPr marL="1028700" algn="l" defTabSz="685800" rtl="0" eaLnBrk="1" latinLnBrk="0" hangingPunct="1">
         <a:defRPr sz="1350" kern="1200">
           <a:solidFill>
             <a:schemeClr val="tx1"/>
@@ -6145,7 +3343,7 @@
           <a:cs typeface="+mn-cs"/>
         </a:defRPr>
       </a:lvl4pPr>
-      <a:lvl5pPr marL="1371600" algn="l" defTabSz="342900" rtl="0" eaLnBrk="1" latinLnBrk="0" hangingPunct="1">
+      <a:lvl5pPr marL="1371600" algn="l" defTabSz="685800" rtl="0" eaLnBrk="1" latinLnBrk="0" hangingPunct="1">
         <a:defRPr sz="1350" kern="1200">
           <a:solidFill>
             <a:schemeClr val="tx1"/>
@@ -6155,7 +3353,7 @@
           <a:cs typeface="+mn-cs"/>
         </a:defRPr>
       </a:lvl5pPr>
-      <a:lvl6pPr marL="1714500" algn="l" defTabSz="342900" rtl="0" eaLnBrk="1" latinLnBrk="0" hangingPunct="1">
+      <a:lvl6pPr marL="1714500" algn="l" defTabSz="685800" rtl="0" eaLnBrk="1" latinLnBrk="0" hangingPunct="1">
         <a:defRPr sz="1350" kern="1200">
           <a:solidFill>
             <a:schemeClr val="tx1"/>
@@ -6165,7 +3363,7 @@
           <a:cs typeface="+mn-cs"/>
         </a:defRPr>
       </a:lvl6pPr>
-      <a:lvl7pPr marL="2057400" algn="l" defTabSz="342900" rtl="0" eaLnBrk="1" latinLnBrk="0" hangingPunct="1">
+      <a:lvl7pPr marL="2057400" algn="l" defTabSz="685800" rtl="0" eaLnBrk="1" latinLnBrk="0" hangingPunct="1">
         <a:defRPr sz="1350" kern="1200">
           <a:solidFill>
             <a:schemeClr val="tx1"/>
@@ -6175,7 +3373,7 @@
           <a:cs typeface="+mn-cs"/>
         </a:defRPr>
       </a:lvl7pPr>
-      <a:lvl8pPr marL="2400300" algn="l" defTabSz="342900" rtl="0" eaLnBrk="1" latinLnBrk="0" hangingPunct="1">
+      <a:lvl8pPr marL="2400300" algn="l" defTabSz="685800" rtl="0" eaLnBrk="1" latinLnBrk="0" hangingPunct="1">
         <a:defRPr sz="1350" kern="1200">
           <a:solidFill>
             <a:schemeClr val="tx1"/>
@@ -6185,7 +3383,7 @@
           <a:cs typeface="+mn-cs"/>
         </a:defRPr>
       </a:lvl8pPr>
-      <a:lvl9pPr marL="2743200" algn="l" defTabSz="342900" rtl="0" eaLnBrk="1" latinLnBrk="0" hangingPunct="1">
+      <a:lvl9pPr marL="2743200" algn="l" defTabSz="685800" rtl="0" eaLnBrk="1" latinLnBrk="0" hangingPunct="1">
         <a:defRPr sz="1350" kern="1200">
           <a:solidFill>
             <a:schemeClr val="tx1"/>
@@ -6251,23 +3449,15 @@
               </a:spcBef>
             </a:pPr>
             <a:r>
-              <a:rPr lang="en-US" sz="3400" spc="-5" dirty="0" smtClean="0"/>
-              <a:t>Optical </a:t>
-            </a:r>
-            <a:r>
               <a:rPr lang="en-US" sz="3400" spc="-5" dirty="0"/>
-              <a:t>C</a:t>
-            </a:r>
-            <a:r>
-              <a:rPr lang="en-US" sz="3400" spc="-5" dirty="0" smtClean="0"/>
-              <a:t>haracter Recognition using </a:t>
-            </a:r>
-            <a:r>
-              <a:rPr lang="en-US" sz="3400" spc="-5" dirty="0" err="1" smtClean="0"/>
+              <a:t>Optical Character Recognition using </a:t>
+            </a:r>
+            <a:r>
+              <a:rPr lang="en-US" sz="3400" spc="-5" dirty="0" err="1"/>
               <a:t>knn</a:t>
             </a:r>
             <a:r>
-              <a:rPr lang="en-US" sz="3400" spc="-5" dirty="0" smtClean="0"/>
+              <a:rPr lang="en-US" sz="3400" spc="-5" dirty="0"/>
               <a:t> </a:t>
             </a:r>
             <a:endParaRPr sz="3400" dirty="0"/>
@@ -6282,8 +3472,8 @@
         </p:nvSpPr>
         <p:spPr>
           <a:xfrm>
-            <a:off x="459740" y="2934970"/>
-            <a:ext cx="4225290" cy="869469"/>
+            <a:off x="6431280" y="4019550"/>
+            <a:ext cx="2607310" cy="518091"/>
           </a:xfrm>
           <a:prstGeom prst="rect">
             <a:avLst/>
@@ -6304,64 +3494,18 @@
               </a:spcBef>
             </a:pPr>
             <a:r>
-              <a:rPr lang="en-US" dirty="0" err="1" smtClean="0">
-                <a:solidFill>
-                  <a:srgbClr val="585858"/>
-                </a:solidFill>
+              <a:rPr lang="en-US" sz="1600" dirty="0" err="1">
                 <a:latin typeface="Times New Roman"/>
                 <a:cs typeface="Times New Roman"/>
               </a:rPr>
               <a:t>Sanghmitra</a:t>
             </a:r>
             <a:r>
-              <a:rPr lang="en-US" dirty="0" smtClean="0">
-                <a:solidFill>
-                  <a:srgbClr val="585858"/>
-                </a:solidFill>
-                <a:latin typeface="Times New Roman"/>
-                <a:cs typeface="Times New Roman"/>
-              </a:rPr>
-              <a:t> </a:t>
-            </a:r>
-            <a:r>
-              <a:rPr lang="en-US" dirty="0" err="1" smtClean="0">
-                <a:solidFill>
-                  <a:srgbClr val="585858"/>
-                </a:solidFill>
-                <a:latin typeface="Times New Roman"/>
-                <a:cs typeface="Times New Roman"/>
-              </a:rPr>
-              <a:t>singh</a:t>
-            </a:r>
-            <a:r>
-              <a:rPr lang="en-US" dirty="0" smtClean="0">
-                <a:solidFill>
-                  <a:srgbClr val="585858"/>
-                </a:solidFill>
-                <a:latin typeface="Times New Roman"/>
-                <a:cs typeface="Times New Roman"/>
-              </a:rPr>
-              <a:t> </a:t>
-            </a:r>
-            <a:r>
-              <a:rPr lang="en-US" dirty="0" err="1" smtClean="0">
-                <a:solidFill>
-                  <a:srgbClr val="585858"/>
-                </a:solidFill>
-                <a:latin typeface="Times New Roman"/>
-                <a:cs typeface="Times New Roman"/>
-              </a:rPr>
-              <a:t>rathore</a:t>
-            </a:r>
-            <a:r>
-              <a:rPr lang="en-US" dirty="0" smtClean="0">
-                <a:solidFill>
-                  <a:srgbClr val="585858"/>
-                </a:solidFill>
-                <a:latin typeface="Times New Roman"/>
-                <a:cs typeface="Times New Roman"/>
-              </a:rPr>
-              <a:t>(2017peb5477)</a:t>
+              <a:rPr lang="en-US" sz="1600" dirty="0">
+                <a:latin typeface="Times New Roman"/>
+                <a:cs typeface="Times New Roman"/>
+              </a:rPr>
+              <a:t> Singh Rathore</a:t>
             </a:r>
           </a:p>
           <a:p>
@@ -6374,96 +3518,20 @@
               </a:spcBef>
             </a:pPr>
             <a:r>
-              <a:rPr lang="en-US" dirty="0" err="1" smtClean="0">
-                <a:solidFill>
-                  <a:srgbClr val="585858"/>
-                </a:solidFill>
-                <a:latin typeface="Times New Roman"/>
-                <a:cs typeface="Times New Roman"/>
-              </a:rPr>
-              <a:t>Garima</a:t>
-            </a:r>
-            <a:r>
-              <a:rPr lang="en-US" dirty="0" smtClean="0">
-                <a:solidFill>
-                  <a:srgbClr val="585858"/>
-                </a:solidFill>
-                <a:latin typeface="Times New Roman"/>
-                <a:cs typeface="Times New Roman"/>
-              </a:rPr>
-              <a:t> </a:t>
-            </a:r>
-            <a:r>
-              <a:rPr lang="en-US" dirty="0" err="1" smtClean="0">
-                <a:solidFill>
-                  <a:srgbClr val="585858"/>
-                </a:solidFill>
-                <a:latin typeface="Times New Roman"/>
-                <a:cs typeface="Times New Roman"/>
-              </a:rPr>
-              <a:t>sharma</a:t>
-            </a:r>
-            <a:r>
-              <a:rPr lang="en-US" dirty="0" smtClean="0">
-                <a:solidFill>
-                  <a:srgbClr val="585858"/>
-                </a:solidFill>
-                <a:latin typeface="Times New Roman"/>
-                <a:cs typeface="Times New Roman"/>
-              </a:rPr>
-              <a:t>(2017peb5409)</a:t>
-            </a:r>
-          </a:p>
-          <a:p>
-            <a:pPr marL="12700">
-              <a:lnSpc>
-                <a:spcPct val="100000"/>
-              </a:lnSpc>
-              <a:spcBef>
-                <a:spcPts val="100"/>
-              </a:spcBef>
-            </a:pPr>
-            <a:r>
-              <a:rPr lang="en-US" dirty="0" err="1" smtClean="0">
-                <a:solidFill>
-                  <a:srgbClr val="585858"/>
-                </a:solidFill>
-                <a:latin typeface="Times New Roman"/>
-                <a:cs typeface="Times New Roman"/>
-              </a:rPr>
-              <a:t>Sachin</a:t>
-            </a:r>
-            <a:r>
-              <a:rPr lang="en-US" dirty="0" smtClean="0">
-                <a:solidFill>
-                  <a:srgbClr val="585858"/>
-                </a:solidFill>
-                <a:latin typeface="Times New Roman"/>
-                <a:cs typeface="Times New Roman"/>
-              </a:rPr>
-              <a:t> </a:t>
-            </a:r>
-            <a:r>
-              <a:rPr lang="en-US" dirty="0" err="1" smtClean="0">
-                <a:solidFill>
-                  <a:srgbClr val="585858"/>
-                </a:solidFill>
-                <a:latin typeface="Times New Roman"/>
-                <a:cs typeface="Times New Roman"/>
-              </a:rPr>
-              <a:t>agnihotri</a:t>
-            </a:r>
-            <a:r>
-              <a:rPr lang="en-US" dirty="0" smtClean="0">
-                <a:solidFill>
-                  <a:srgbClr val="585858"/>
-                </a:solidFill>
-                <a:latin typeface="Times New Roman"/>
-                <a:cs typeface="Times New Roman"/>
-              </a:rPr>
-              <a:t>(2017peb5203)</a:t>
-            </a:r>
-            <a:endParaRPr dirty="0">
+              <a:rPr lang="en-US" sz="1600" dirty="0" err="1">
+                <a:latin typeface="Times New Roman"/>
+                <a:cs typeface="Times New Roman"/>
+              </a:rPr>
+              <a:t>M.Tech</a:t>
+            </a:r>
+            <a:r>
+              <a:rPr lang="en-US" sz="1600" dirty="0">
+                <a:latin typeface="Times New Roman"/>
+                <a:cs typeface="Times New Roman"/>
+              </a:rPr>
+              <a:t> , MNIT, Jaipur 2019</a:t>
+            </a:r>
+            <a:endParaRPr sz="1600" dirty="0">
               <a:latin typeface="Times New Roman"/>
               <a:cs typeface="Times New Roman"/>
             </a:endParaRPr>
@@ -8001,7 +5069,7 @@
           <a:blip r:embed="rId2" cstate="print">
             <a:extLst>
               <a:ext uri="{28A0092B-C50C-407E-A947-70E740481C1C}">
-                <a14:useLocalDpi xmlns="" xmlns:a14="http://schemas.microsoft.com/office/drawing/2010/main" val="0"/>
+                <a14:useLocalDpi xmlns:a14="http://schemas.microsoft.com/office/drawing/2010/main" val="0"/>
               </a:ext>
             </a:extLst>
           </a:blip>
@@ -8019,7 +5087,7 @@
     </p:spTree>
     <p:extLst>
       <p:ext uri="{BB962C8B-B14F-4D97-AF65-F5344CB8AC3E}">
-        <p14:creationId xmlns="" xmlns:p14="http://schemas.microsoft.com/office/powerpoint/2010/main" val="2087382523"/>
+        <p14:creationId xmlns:p14="http://schemas.microsoft.com/office/powerpoint/2010/main" val="2087382523"/>
       </p:ext>
     </p:extLst>
   </p:cSld>
@@ -8953,7 +6021,7 @@
               </a:tabLst>
             </a:pPr>
             <a:r>
-              <a:rPr sz="2400" spc="-5" dirty="0" smtClean="0">
+              <a:rPr sz="2400" spc="-5" dirty="0">
                 <a:solidFill>
                   <a:srgbClr val="1F487C"/>
                 </a:solidFill>
@@ -8963,7 +6031,7 @@
               <a:t>Using</a:t>
             </a:r>
             <a:r>
-              <a:rPr sz="2400" spc="-10" dirty="0" smtClean="0">
+              <a:rPr sz="2400" spc="-10" dirty="0">
                 <a:solidFill>
                   <a:srgbClr val="1F487C"/>
                 </a:solidFill>
@@ -9031,17 +6099,7 @@
                 <a:latin typeface="Times New Roman"/>
                 <a:cs typeface="Times New Roman"/>
               </a:rPr>
-              <a:t>be</a:t>
-            </a:r>
-            <a:r>
-              <a:rPr sz="2400" spc="-5" dirty="0" smtClean="0">
-                <a:solidFill>
-                  <a:srgbClr val="1F487C"/>
-                </a:solidFill>
-                <a:latin typeface="Times New Roman"/>
-                <a:cs typeface="Times New Roman"/>
-              </a:rPr>
-              <a:t>,</a:t>
+              <a:t>be,</a:t>
             </a:r>
             <a:endParaRPr lang="en-US" sz="2400" dirty="0">
               <a:latin typeface="Times New Roman"/>
@@ -9082,7 +6140,7 @@
                 <a:spcPct val="100000"/>
               </a:lnSpc>
             </a:pPr>
-            <a:endParaRPr lang="en-US" sz="2400" spc="-5" dirty="0" smtClean="0">
+            <a:endParaRPr lang="en-US" sz="2400" spc="-5" dirty="0">
               <a:solidFill>
                 <a:srgbClr val="1F487C"/>
               </a:solidFill>
@@ -9498,16 +6556,15 @@
           <a:lstStyle/>
           <a:p>
             <a:r>
-              <a:rPr lang="en-US" dirty="0" smtClean="0"/>
+              <a:rPr lang="en-US" dirty="0"/>
               <a:t>To avoid ties , this k value</a:t>
             </a:r>
           </a:p>
           <a:p>
             <a:r>
-              <a:rPr lang="en-US" dirty="0" smtClean="0"/>
+              <a:rPr lang="en-US" dirty="0"/>
               <a:t> should not  be a multiple of the number of classes.</a:t>
             </a:r>
-            <a:endParaRPr lang="en-US" dirty="0"/>
           </a:p>
         </p:txBody>
       </p:sp>
@@ -9581,7 +6638,7 @@
               <a:t>: </a:t>
             </a:r>
             <a:r>
-              <a:rPr lang="en-US" sz="3800" dirty="0" smtClean="0"/>
+              <a:rPr lang="en-US" sz="3800" dirty="0"/>
               <a:t>PROS..</a:t>
             </a:r>
             <a:endParaRPr sz="3800" dirty="0">
@@ -9965,14 +7022,13 @@
               </a:spcBef>
             </a:pPr>
             <a:r>
-              <a:rPr lang="en-US" sz="3800" spc="-5" dirty="0" smtClean="0"/>
+              <a:rPr lang="en-US" sz="3800" spc="-5" dirty="0"/>
               <a:t>CONS</a:t>
             </a:r>
             <a:r>
-              <a:rPr sz="3800" dirty="0" smtClean="0"/>
+              <a:rPr sz="3800" dirty="0"/>
               <a:t>….</a:t>
             </a:r>
-            <a:endParaRPr sz="3800" dirty="0"/>
           </a:p>
         </p:txBody>
       </p:sp>
@@ -10503,10 +7559,9 @@
           <a:lstStyle/>
           <a:p>
             <a:r>
-              <a:rPr lang="en-US" dirty="0" smtClean="0"/>
+              <a:rPr lang="en-US" dirty="0"/>
               <a:t>TRAINING DATA…..</a:t>
             </a:r>
-            <a:endParaRPr lang="en-US" dirty="0"/>
           </a:p>
         </p:txBody>
       </p:sp>
@@ -10524,7 +7579,7 @@
           <a:blip r:embed="rId2" cstate="print">
             <a:extLst>
               <a:ext uri="{28A0092B-C50C-407E-A947-70E740481C1C}">
-                <a14:useLocalDpi xmlns="" xmlns:a14="http://schemas.microsoft.com/office/drawing/2010/main" val="0"/>
+                <a14:useLocalDpi xmlns:a14="http://schemas.microsoft.com/office/drawing/2010/main" val="0"/>
               </a:ext>
             </a:extLst>
           </a:blip>
@@ -10542,7 +7597,7 @@
     </p:spTree>
     <p:extLst>
       <p:ext uri="{BB962C8B-B14F-4D97-AF65-F5344CB8AC3E}">
-        <p14:creationId xmlns="" xmlns:p14="http://schemas.microsoft.com/office/powerpoint/2010/main" val="2940875192"/>
+        <p14:creationId xmlns:p14="http://schemas.microsoft.com/office/powerpoint/2010/main" val="2940875192"/>
       </p:ext>
     </p:extLst>
   </p:cSld>
@@ -10586,14 +7641,15 @@
           </a:xfrm>
         </p:spPr>
         <p:txBody>
-          <a:bodyPr/>
+          <a:bodyPr>
+            <a:normAutofit/>
+          </a:bodyPr>
           <a:lstStyle/>
           <a:p>
             <a:r>
-              <a:rPr lang="en-US" dirty="0" smtClean="0"/>
+              <a:rPr lang="en-US" dirty="0"/>
               <a:t>CODE….</a:t>
             </a:r>
-            <a:endParaRPr lang="en-US" dirty="0"/>
           </a:p>
         </p:txBody>
       </p:sp>
@@ -10623,20 +7679,13 @@
     </p:spTree>
     <p:extLst>
       <p:ext uri="{BB962C8B-B14F-4D97-AF65-F5344CB8AC3E}">
-        <p14:creationId xmlns="" xmlns:p14="http://schemas.microsoft.com/office/powerpoint/2010/main" val="3163539485"/>
+        <p14:creationId xmlns:p14="http://schemas.microsoft.com/office/powerpoint/2010/main" val="3163539485"/>
       </p:ext>
     </p:extLst>
   </p:cSld>
   <p:clrMapOvr>
     <a:masterClrMapping/>
   </p:clrMapOvr>
-  <p:timing>
-    <p:tnLst>
-      <p:par>
-        <p:cTn id="1" dur="indefinite" restart="never" nodeType="tmRoot"/>
-      </p:par>
-    </p:tnLst>
-  </p:timing>
 </p:sld>
 </file>
 
@@ -10894,7 +7943,7 @@
               </a:tabLst>
             </a:pPr>
             <a:r>
-              <a:rPr lang="en-US" sz="3000" dirty="0" smtClean="0">
+              <a:rPr lang="en-US" sz="3000" dirty="0">
                 <a:solidFill>
                   <a:srgbClr val="1F487C"/>
                 </a:solidFill>
@@ -10920,7 +7969,7 @@
               </a:tabLst>
             </a:pPr>
             <a:r>
-              <a:rPr lang="en-US" sz="3000" dirty="0" smtClean="0">
+              <a:rPr lang="en-US" sz="3000" dirty="0">
                 <a:solidFill>
                   <a:srgbClr val="1F487C"/>
                 </a:solidFill>
@@ -10946,7 +7995,7 @@
               </a:tabLst>
             </a:pPr>
             <a:r>
-              <a:rPr lang="en-US" sz="3000" dirty="0" smtClean="0">
+              <a:rPr lang="en-US" sz="3000" dirty="0">
                 <a:solidFill>
                   <a:srgbClr val="1F487C"/>
                 </a:solidFill>
@@ -10999,15 +8048,17 @@
         </p:nvSpPr>
         <p:spPr/>
         <p:txBody>
-          <a:bodyPr/>
+          <a:bodyPr>
+            <a:normAutofit fontScale="90000"/>
+          </a:bodyPr>
           <a:lstStyle/>
           <a:p>
             <a:r>
-              <a:rPr lang="en-US" dirty="0" smtClean="0"/>
+              <a:rPr lang="en-US" dirty="0"/>
               <a:t>K vs accuracy…</a:t>
             </a:r>
             <a:br>
-              <a:rPr lang="en-US" dirty="0" smtClean="0"/>
+              <a:rPr lang="en-US" dirty="0"/>
             </a:br>
             <a:endParaRPr lang="en-US" dirty="0"/>
           </a:p>
@@ -11027,7 +8078,7 @@
           <a:blip r:embed="rId2" cstate="print">
             <a:extLst>
               <a:ext uri="{28A0092B-C50C-407E-A947-70E740481C1C}">
-                <a14:useLocalDpi xmlns="" xmlns:a14="http://schemas.microsoft.com/office/drawing/2010/main" val="0"/>
+                <a14:useLocalDpi xmlns:a14="http://schemas.microsoft.com/office/drawing/2010/main" val="0"/>
               </a:ext>
             </a:extLst>
           </a:blip>
@@ -11045,20 +8096,13 @@
     </p:spTree>
     <p:extLst>
       <p:ext uri="{BB962C8B-B14F-4D97-AF65-F5344CB8AC3E}">
-        <p14:creationId xmlns="" xmlns:p14="http://schemas.microsoft.com/office/powerpoint/2010/main" val="3356126025"/>
+        <p14:creationId xmlns:p14="http://schemas.microsoft.com/office/powerpoint/2010/main" val="3356126025"/>
       </p:ext>
     </p:extLst>
   </p:cSld>
   <p:clrMapOvr>
     <a:masterClrMapping/>
   </p:clrMapOvr>
-  <p:timing>
-    <p:tnLst>
-      <p:par>
-        <p:cTn id="1" dur="indefinite" restart="never" nodeType="tmRoot"/>
-      </p:par>
-    </p:tnLst>
-  </p:timing>
 </p:sld>
 </file>
 
@@ -11124,7 +8168,7 @@
     </p:spTree>
     <p:extLst>
       <p:ext uri="{BB962C8B-B14F-4D97-AF65-F5344CB8AC3E}">
-        <p14:creationId xmlns="" xmlns:p14="http://schemas.microsoft.com/office/powerpoint/2010/main" val="3874990874"/>
+        <p14:creationId xmlns:p14="http://schemas.microsoft.com/office/powerpoint/2010/main" val="3874990874"/>
       </p:ext>
     </p:extLst>
   </p:cSld>
@@ -11163,8 +8207,8 @@
         </p:nvSpPr>
         <p:spPr>
           <a:xfrm>
-            <a:off x="1113234" y="514351"/>
-            <a:ext cx="7514035" cy="4190999"/>
+            <a:off x="1890117" y="476250"/>
+            <a:ext cx="5363766" cy="4190999"/>
           </a:xfrm>
         </p:spPr>
         <p:txBody>
@@ -11174,10 +8218,9 @@
           <a:lstStyle/>
           <a:p>
             <a:r>
-              <a:rPr lang="en-US" sz="9600" b="1" dirty="0" smtClean="0"/>
+              <a:rPr lang="en-US" sz="9600" b="1" dirty="0"/>
               <a:t>Thank you</a:t>
             </a:r>
-            <a:endParaRPr lang="en-US" sz="9600" b="1" dirty="0"/>
           </a:p>
         </p:txBody>
       </p:sp>
@@ -11288,7 +8331,7 @@
               <a:buNone/>
             </a:pPr>
             <a:r>
-              <a:rPr dirty="0" smtClean="0"/>
+              <a:rPr dirty="0"/>
               <a:t>“</a:t>
             </a:r>
             <a:r>
@@ -11463,12 +8506,8 @@
               </a:spcBef>
             </a:pPr>
             <a:r>
-              <a:rPr sz="3800" dirty="0" smtClean="0"/>
-              <a:t>ORIGIN </a:t>
-            </a:r>
-            <a:r>
               <a:rPr sz="3800" dirty="0"/>
-              <a:t>OF</a:t>
+              <a:t>ORIGIN OF</a:t>
             </a:r>
             <a:r>
               <a:rPr sz="3800" spc="-70" dirty="0"/>
@@ -11810,16 +8849,12 @@
               <a:t> </a:t>
             </a:r>
             <a:r>
-              <a:rPr lang="en-US" sz="3800" spc="-475" dirty="0" smtClean="0"/>
+              <a:rPr lang="en-US" sz="3800" spc="-475" dirty="0"/>
               <a:t> </a:t>
             </a:r>
             <a:r>
-              <a:rPr sz="3800" dirty="0" smtClean="0"/>
-              <a:t>IS</a:t>
-            </a:r>
-            <a:r>
               <a:rPr sz="3800" dirty="0"/>
-              <a:t>…..</a:t>
+              <a:t>IS…..</a:t>
             </a:r>
           </a:p>
         </p:txBody>
@@ -11870,7 +8905,7 @@
               <a:t>It’s </a:t>
             </a:r>
             <a:r>
-              <a:rPr lang="en-US" sz="2400" spc="-35" dirty="0" smtClean="0">
+              <a:rPr lang="en-US" sz="2400" spc="-35" dirty="0">
                 <a:solidFill>
                   <a:srgbClr val="1F487C"/>
                 </a:solidFill>
@@ -11880,16 +8915,6 @@
               <a:t>almost like </a:t>
             </a:r>
             <a:r>
-              <a:rPr sz="2400" dirty="0" smtClean="0">
-                <a:solidFill>
-                  <a:srgbClr val="1F487C"/>
-                </a:solidFill>
-                <a:latin typeface="Times New Roman"/>
-                <a:cs typeface="Times New Roman"/>
-              </a:rPr>
-              <a:t>how </a:t>
-            </a:r>
-            <a:r>
               <a:rPr sz="2400" dirty="0">
                 <a:solidFill>
                   <a:srgbClr val="1F487C"/>
@@ -11897,7 +8922,7 @@
                 <a:latin typeface="Times New Roman"/>
                 <a:cs typeface="Times New Roman"/>
               </a:rPr>
-              <a:t>people judge by observing our</a:t>
+              <a:t>how people judge by observing our</a:t>
             </a:r>
             <a:r>
               <a:rPr sz="2400" spc="-95" dirty="0">
@@ -11982,7 +9007,7 @@
               <a:t>tend to </a:t>
             </a:r>
             <a:r>
-              <a:rPr lang="en-US" sz="2400" spc="-5" dirty="0" smtClean="0">
+              <a:rPr lang="en-US" sz="2400" spc="-5" dirty="0">
                 <a:solidFill>
                   <a:srgbClr val="1F487C"/>
                 </a:solidFill>
@@ -11992,7 +9017,7 @@
               <a:t>collaborate</a:t>
             </a:r>
             <a:r>
-              <a:rPr sz="2400" spc="-5" dirty="0" smtClean="0">
+              <a:rPr sz="2400" spc="-5" dirty="0">
                 <a:solidFill>
                   <a:srgbClr val="1F487C"/>
                 </a:solidFill>
@@ -12002,7 +9027,7 @@
               <a:t> </a:t>
             </a:r>
             <a:r>
-              <a:rPr sz="2400" dirty="0" smtClean="0">
+              <a:rPr sz="2400" dirty="0">
                 <a:solidFill>
                   <a:srgbClr val="1F487C"/>
                 </a:solidFill>
@@ -12012,7 +9037,7 @@
               <a:t>with</a:t>
             </a:r>
             <a:r>
-              <a:rPr lang="en-US" sz="2400" dirty="0" smtClean="0">
+              <a:rPr lang="en-US" sz="2400" dirty="0">
                 <a:solidFill>
                   <a:srgbClr val="1F487C"/>
                 </a:solidFill>
@@ -12022,7 +9047,27 @@
               <a:t>  </a:t>
             </a:r>
             <a:r>
-              <a:rPr sz="2400" dirty="0" smtClean="0">
+              <a:rPr sz="2400" dirty="0">
+                <a:solidFill>
+                  <a:srgbClr val="1F487C"/>
+                </a:solidFill>
+                <a:latin typeface="Times New Roman"/>
+                <a:cs typeface="Times New Roman"/>
+              </a:rPr>
+              <a:t> people </a:t>
+            </a:r>
+            <a:r>
+              <a:rPr lang="en-US" sz="2400" dirty="0">
+                <a:solidFill>
+                  <a:srgbClr val="1F487C"/>
+                </a:solidFill>
+                <a:latin typeface="Times New Roman"/>
+                <a:cs typeface="Times New Roman"/>
+              </a:rPr>
+              <a:t>having</a:t>
+            </a:r>
+            <a:r>
+              <a:rPr sz="2400" dirty="0">
                 <a:solidFill>
                   <a:srgbClr val="1F487C"/>
                 </a:solidFill>
@@ -12032,6 +9077,16 @@
               <a:t> </a:t>
             </a:r>
             <a:r>
+              <a:rPr sz="2400" spc="-5" dirty="0">
+                <a:solidFill>
+                  <a:srgbClr val="1F487C"/>
+                </a:solidFill>
+                <a:latin typeface="Times New Roman"/>
+                <a:cs typeface="Times New Roman"/>
+              </a:rPr>
+              <a:t>similar </a:t>
+            </a:r>
+            <a:r>
               <a:rPr sz="2400" dirty="0">
                 <a:solidFill>
                   <a:srgbClr val="1F487C"/>
@@ -12039,60 +9094,20 @@
                 <a:latin typeface="Times New Roman"/>
                 <a:cs typeface="Times New Roman"/>
               </a:rPr>
-              <a:t>people </a:t>
-            </a:r>
-            <a:r>
-              <a:rPr lang="en-US" sz="2400" dirty="0" smtClean="0">
-                <a:solidFill>
-                  <a:srgbClr val="1F487C"/>
-                </a:solidFill>
-                <a:latin typeface="Times New Roman"/>
-                <a:cs typeface="Times New Roman"/>
-              </a:rPr>
-              <a:t>having</a:t>
-            </a:r>
-            <a:r>
-              <a:rPr sz="2400" dirty="0" smtClean="0">
-                <a:solidFill>
-                  <a:srgbClr val="1F487C"/>
-                </a:solidFill>
-                <a:latin typeface="Times New Roman"/>
-                <a:cs typeface="Times New Roman"/>
-              </a:rPr>
-              <a:t> </a:t>
-            </a:r>
-            <a:r>
-              <a:rPr sz="2400" spc="-5" dirty="0">
-                <a:solidFill>
-                  <a:srgbClr val="1F487C"/>
-                </a:solidFill>
-                <a:latin typeface="Times New Roman"/>
-                <a:cs typeface="Times New Roman"/>
-              </a:rPr>
-              <a:t>similar </a:t>
+              <a:t>attributes </a:t>
+            </a:r>
+            <a:r>
+              <a:rPr lang="en-US" sz="2400" dirty="0">
+                <a:solidFill>
+                  <a:srgbClr val="1F487C"/>
+                </a:solidFill>
+                <a:latin typeface="Times New Roman"/>
+                <a:cs typeface="Times New Roman"/>
+              </a:rPr>
+              <a:t>as ours and the same happens with data too</a:t>
             </a:r>
             <a:r>
               <a:rPr sz="2400" dirty="0">
-                <a:solidFill>
-                  <a:srgbClr val="1F487C"/>
-                </a:solidFill>
-                <a:latin typeface="Times New Roman"/>
-                <a:cs typeface="Times New Roman"/>
-              </a:rPr>
-              <a:t>attributes </a:t>
-            </a:r>
-            <a:r>
-              <a:rPr lang="en-US" sz="2400" dirty="0" smtClean="0">
-                <a:solidFill>
-                  <a:srgbClr val="1F487C"/>
-                </a:solidFill>
-                <a:latin typeface="Times New Roman"/>
-                <a:cs typeface="Times New Roman"/>
-              </a:rPr>
-              <a:t>as ours and the same happens with data too</a:t>
-            </a:r>
-            <a:r>
-              <a:rPr sz="2400" dirty="0" smtClean="0">
                 <a:solidFill>
                   <a:srgbClr val="1F487C"/>
                 </a:solidFill>
@@ -12305,7 +9320,7 @@
               <a:t>algorithm  that classifies data sets based on their similarity with  </a:t>
             </a:r>
             <a:r>
-              <a:rPr lang="en-US" sz="2400" dirty="0" smtClean="0">
+              <a:rPr lang="en-US" sz="2400" dirty="0">
                 <a:solidFill>
                   <a:srgbClr val="1F487C"/>
                 </a:solidFill>
@@ -12315,16 +9330,6 @@
               <a:t>its </a:t>
             </a:r>
             <a:r>
-              <a:rPr sz="2400" dirty="0" smtClean="0">
-                <a:solidFill>
-                  <a:srgbClr val="1F487C"/>
-                </a:solidFill>
-                <a:latin typeface="Times New Roman"/>
-                <a:cs typeface="Times New Roman"/>
-              </a:rPr>
-              <a:t>neighbors</a:t>
-            </a:r>
-            <a:r>
               <a:rPr sz="2400" dirty="0">
                 <a:solidFill>
                   <a:srgbClr val="1F487C"/>
@@ -12332,7 +9337,7 @@
                 <a:latin typeface="Times New Roman"/>
                 <a:cs typeface="Times New Roman"/>
               </a:rPr>
-              <a:t>.</a:t>
+              <a:t>neighbors.</a:t>
             </a:r>
             <a:endParaRPr sz="2400" dirty="0">
               <a:latin typeface="Times New Roman"/>
@@ -14343,8 +11348,20 @@
                 <a:tableStyleId>{2D5ABB26-0587-4C30-8999-92F81FD0307C}</a:tableStyleId>
               </a:tblPr>
               <a:tblGrid>
-                <a:gridCol w="3944620"/>
-                <a:gridCol w="2031364"/>
+                <a:gridCol w="3944620">
+                  <a:extLst>
+                    <a:ext uri="{9D8B030D-6E8A-4147-A177-3AD203B41FA5}">
+                      <a16:colId xmlns:a16="http://schemas.microsoft.com/office/drawing/2014/main" val="20000"/>
+                    </a:ext>
+                  </a:extLst>
+                </a:gridCol>
+                <a:gridCol w="2031364">
+                  <a:extLst>
+                    <a:ext uri="{9D8B030D-6E8A-4147-A177-3AD203B41FA5}">
+                      <a16:colId xmlns:a16="http://schemas.microsoft.com/office/drawing/2014/main" val="20001"/>
+                    </a:ext>
+                  </a:extLst>
+                </a:gridCol>
               </a:tblGrid>
               <a:tr h="332740">
                 <a:tc>
@@ -14485,6 +11502,11 @@
                     </a:solidFill>
                   </a:tcPr>
                 </a:tc>
+                <a:extLst>
+                  <a:ext uri="{0D108BD9-81ED-4DB2-BD59-A6C34878D82A}">
+                    <a16:rowId xmlns:a16="http://schemas.microsoft.com/office/drawing/2014/main" val="10000"/>
+                  </a:ext>
+                </a:extLst>
               </a:tr>
               <a:tr h="332740">
                 <a:tc>
@@ -14627,6 +11649,11 @@
                     </a:solidFill>
                   </a:tcPr>
                 </a:tc>
+                <a:extLst>
+                  <a:ext uri="{0D108BD9-81ED-4DB2-BD59-A6C34878D82A}">
+                    <a16:rowId xmlns:a16="http://schemas.microsoft.com/office/drawing/2014/main" val="10001"/>
+                  </a:ext>
+                </a:extLst>
               </a:tr>
               <a:tr h="456565">
                 <a:tc>
@@ -14755,6 +11782,11 @@
                     </a:solidFill>
                   </a:tcPr>
                 </a:tc>
+                <a:extLst>
+                  <a:ext uri="{0D108BD9-81ED-4DB2-BD59-A6C34878D82A}">
+                    <a16:rowId xmlns:a16="http://schemas.microsoft.com/office/drawing/2014/main" val="10002"/>
+                  </a:ext>
+                </a:extLst>
               </a:tr>
               <a:tr h="332740">
                 <a:tc>
@@ -14897,6 +11929,11 @@
                     </a:solidFill>
                   </a:tcPr>
                 </a:tc>
+                <a:extLst>
+                  <a:ext uri="{0D108BD9-81ED-4DB2-BD59-A6C34878D82A}">
+                    <a16:rowId xmlns:a16="http://schemas.microsoft.com/office/drawing/2014/main" val="10003"/>
+                  </a:ext>
+                </a:extLst>
               </a:tr>
             </a:tbl>
           </a:graphicData>
@@ -14911,9 +11948,9 @@
 </file>
 
 <file path=ppt/theme/theme1.xml><?xml version="1.0" encoding="utf-8"?>
-<a:theme xmlns:a="http://schemas.openxmlformats.org/drawingml/2006/main" name="Parallax">
+<a:theme xmlns:a="http://schemas.openxmlformats.org/drawingml/2006/main" name="Office Theme">
   <a:themeElements>
-    <a:clrScheme name="Parallax">
+    <a:clrScheme name="Office">
       <a:dk1>
         <a:sysClr val="windowText" lastClr="000000"/>
       </a:dk1>
@@ -14921,48 +11958,100 @@
         <a:sysClr val="window" lastClr="FFFFFF"/>
       </a:lt1>
       <a:dk2>
-        <a:srgbClr val="212121"/>
+        <a:srgbClr val="44546A"/>
       </a:dk2>
       <a:lt2>
-        <a:srgbClr val="CDD0D1"/>
+        <a:srgbClr val="E7E6E6"/>
       </a:lt2>
       <a:accent1>
-        <a:srgbClr val="30ACEC"/>
+        <a:srgbClr val="4472C4"/>
       </a:accent1>
       <a:accent2>
-        <a:srgbClr val="80C34F"/>
+        <a:srgbClr val="ED7D31"/>
       </a:accent2>
       <a:accent3>
-        <a:srgbClr val="E29D3E"/>
+        <a:srgbClr val="A5A5A5"/>
       </a:accent3>
       <a:accent4>
-        <a:srgbClr val="D64A3B"/>
+        <a:srgbClr val="FFC000"/>
       </a:accent4>
       <a:accent5>
-        <a:srgbClr val="D64787"/>
+        <a:srgbClr val="5B9BD5"/>
       </a:accent5>
       <a:accent6>
-        <a:srgbClr val="A666E1"/>
+        <a:srgbClr val="70AD47"/>
       </a:accent6>
       <a:hlink>
-        <a:srgbClr val="3085ED"/>
+        <a:srgbClr val="0563C1"/>
       </a:hlink>
       <a:folHlink>
-        <a:srgbClr val="82B6F4"/>
+        <a:srgbClr val="954F72"/>
       </a:folHlink>
     </a:clrScheme>
-    <a:fontScheme name="Parallax">
+    <a:fontScheme name="Office">
       <a:majorFont>
-        <a:latin typeface="Corbel"/>
+        <a:latin typeface="Calibri Light" panose="020F0302020204030204"/>
         <a:ea typeface=""/>
         <a:cs typeface=""/>
-        <a:font script="Jpan" typeface="HGｺﾞｼｯｸM"/>
-        <a:font script="Hang" typeface="HY엽서L"/>
-        <a:font script="Hans" typeface="华文楷体"/>
+        <a:font script="Jpan" typeface="游ゴシック Light"/>
+        <a:font script="Hang" typeface="맑은 고딕"/>
+        <a:font script="Hans" typeface="等线 Light"/>
         <a:font script="Hant" typeface="新細明體"/>
-        <a:font script="Arab" typeface="Tahoma"/>
-        <a:font script="Hebr" typeface="Miriam"/>
-        <a:font script="Thai" typeface="DilleniaUPC"/>
+        <a:font script="Arab" typeface="Times New Roman"/>
+        <a:font script="Hebr" typeface="Times New Roman"/>
+        <a:font script="Thai" typeface="Angsana New"/>
+        <a:font script="Ethi" typeface="Nyala"/>
+        <a:font script="Beng" typeface="Vrinda"/>
+        <a:font script="Gujr" typeface="Shruti"/>
+        <a:font script="Khmr" typeface="MoolBoran"/>
+        <a:font script="Knda" typeface="Tunga"/>
+        <a:font script="Guru" typeface="Raavi"/>
+        <a:font script="Cans" typeface="Euphemia"/>
+        <a:font script="Cher" typeface="Plantagenet Cherokee"/>
+        <a:font script="Yiii" typeface="Microsoft Yi Baiti"/>
+        <a:font script="Tibt" typeface="Microsoft Himalaya"/>
+        <a:font script="Thaa" typeface="MV Boli"/>
+        <a:font script="Deva" typeface="Mangal"/>
+        <a:font script="Telu" typeface="Gautami"/>
+        <a:font script="Taml" typeface="Latha"/>
+        <a:font script="Syrc" typeface="Estrangelo Edessa"/>
+        <a:font script="Orya" typeface="Kalinga"/>
+        <a:font script="Mlym" typeface="Kartika"/>
+        <a:font script="Laoo" typeface="DokChampa"/>
+        <a:font script="Sinh" typeface="Iskoola Pota"/>
+        <a:font script="Mong" typeface="Mongolian Baiti"/>
+        <a:font script="Viet" typeface="Times New Roman"/>
+        <a:font script="Uigh" typeface="Microsoft Uighur"/>
+        <a:font script="Geor" typeface="Sylfaen"/>
+        <a:font script="Armn" typeface="Arial"/>
+        <a:font script="Bugi" typeface="Leelawadee UI"/>
+        <a:font script="Bopo" typeface="Microsoft JhengHei"/>
+        <a:font script="Java" typeface="Javanese Text"/>
+        <a:font script="Lisu" typeface="Segoe UI"/>
+        <a:font script="Mymr" typeface="Myanmar Text"/>
+        <a:font script="Nkoo" typeface="Ebrima"/>
+        <a:font script="Olck" typeface="Nirmala UI"/>
+        <a:font script="Osma" typeface="Ebrima"/>
+        <a:font script="Phag" typeface="Phagspa"/>
+        <a:font script="Syrn" typeface="Estrangelo Edessa"/>
+        <a:font script="Syrj" typeface="Estrangelo Edessa"/>
+        <a:font script="Syre" typeface="Estrangelo Edessa"/>
+        <a:font script="Sora" typeface="Nirmala UI"/>
+        <a:font script="Tale" typeface="Microsoft Tai Le"/>
+        <a:font script="Talu" typeface="Microsoft New Tai Lue"/>
+        <a:font script="Tfng" typeface="Ebrima"/>
+      </a:majorFont>
+      <a:minorFont>
+        <a:latin typeface="Calibri" panose="020F0502020204030204"/>
+        <a:ea typeface=""/>
+        <a:cs typeface=""/>
+        <a:font script="Jpan" typeface="游ゴシック"/>
+        <a:font script="Hang" typeface="맑은 고딕"/>
+        <a:font script="Hans" typeface="等线"/>
+        <a:font script="Hant" typeface="新細明體"/>
+        <a:font script="Arab" typeface="Arial"/>
+        <a:font script="Hebr" typeface="Arial"/>
+        <a:font script="Thai" typeface="Cordia New"/>
         <a:font script="Ethi" typeface="Nyala"/>
         <a:font script="Beng" typeface="Vrinda"/>
         <a:font script="Gujr" typeface="Shruti"/>
@@ -14986,44 +12075,26 @@
         <a:font script="Viet" typeface="Arial"/>
         <a:font script="Uigh" typeface="Microsoft Uighur"/>
         <a:font script="Geor" typeface="Sylfaen"/>
-      </a:majorFont>
-      <a:minorFont>
-        <a:latin typeface="Corbel"/>
-        <a:ea typeface=""/>
-        <a:cs typeface=""/>
-        <a:font script="Jpan" typeface="HGｺﾞｼｯｸM"/>
-        <a:font script="Hang" typeface="HY엽서L"/>
-        <a:font script="Hans" typeface="华文楷体"/>
-        <a:font script="Hant" typeface="新細明體"/>
-        <a:font script="Arab" typeface="Tahoma"/>
-        <a:font script="Hebr" typeface="Miriam"/>
-        <a:font script="Thai" typeface="DilleniaUPC"/>
-        <a:font script="Ethi" typeface="Nyala"/>
-        <a:font script="Beng" typeface="Vrinda"/>
-        <a:font script="Gujr" typeface="Shruti"/>
-        <a:font script="Khmr" typeface="DaunPenh"/>
-        <a:font script="Knda" typeface="Tunga"/>
-        <a:font script="Guru" typeface="Raavi"/>
-        <a:font script="Cans" typeface="Euphemia"/>
-        <a:font script="Cher" typeface="Plantagenet Cherokee"/>
-        <a:font script="Yiii" typeface="Microsoft Yi Baiti"/>
-        <a:font script="Tibt" typeface="Microsoft Himalaya"/>
-        <a:font script="Thaa" typeface="MV Boli"/>
-        <a:font script="Deva" typeface="Mangal"/>
-        <a:font script="Telu" typeface="Gautami"/>
-        <a:font script="Taml" typeface="Latha"/>
-        <a:font script="Syrc" typeface="Estrangelo Edessa"/>
-        <a:font script="Orya" typeface="Kalinga"/>
-        <a:font script="Mlym" typeface="Kartika"/>
-        <a:font script="Laoo" typeface="DokChampa"/>
-        <a:font script="Sinh" typeface="Iskoola Pota"/>
-        <a:font script="Mong" typeface="Mongolian Baiti"/>
-        <a:font script="Viet" typeface="Arial"/>
-        <a:font script="Uigh" typeface="Microsoft Uighur"/>
-        <a:font script="Geor" typeface="Sylfaen"/>
+        <a:font script="Armn" typeface="Arial"/>
+        <a:font script="Bugi" typeface="Leelawadee UI"/>
+        <a:font script="Bopo" typeface="Microsoft JhengHei"/>
+        <a:font script="Java" typeface="Javanese Text"/>
+        <a:font script="Lisu" typeface="Segoe UI"/>
+        <a:font script="Mymr" typeface="Myanmar Text"/>
+        <a:font script="Nkoo" typeface="Ebrima"/>
+        <a:font script="Olck" typeface="Nirmala UI"/>
+        <a:font script="Osma" typeface="Ebrima"/>
+        <a:font script="Phag" typeface="Phagspa"/>
+        <a:font script="Syrn" typeface="Estrangelo Edessa"/>
+        <a:font script="Syrj" typeface="Estrangelo Edessa"/>
+        <a:font script="Syre" typeface="Estrangelo Edessa"/>
+        <a:font script="Sora" typeface="Nirmala UI"/>
+        <a:font script="Tale" typeface="Microsoft Tai Le"/>
+        <a:font script="Talu" typeface="Microsoft New Tai Lue"/>
+        <a:font script="Tfng" typeface="Ebrima"/>
       </a:minorFont>
     </a:fontScheme>
-    <a:fmtScheme name="Parallax">
+    <a:fmtScheme name="Office">
       <a:fillStyleLst>
         <a:solidFill>
           <a:schemeClr val="phClr"/>
@@ -15032,13 +12103,23 @@
           <a:gsLst>
             <a:gs pos="0">
               <a:schemeClr val="phClr">
-                <a:tint val="60000"/>
-                <a:lumMod val="104000"/>
+                <a:lumMod val="110000"/>
+                <a:satMod val="105000"/>
+                <a:tint val="67000"/>
+              </a:schemeClr>
+            </a:gs>
+            <a:gs pos="50000">
+              <a:schemeClr val="phClr">
+                <a:lumMod val="105000"/>
+                <a:satMod val="103000"/>
+                <a:tint val="73000"/>
               </a:schemeClr>
             </a:gs>
             <a:gs pos="100000">
               <a:schemeClr val="phClr">
-                <a:tint val="84000"/>
+                <a:lumMod val="105000"/>
+                <a:satMod val="109000"/>
+                <a:tint val="81000"/>
               </a:schemeClr>
             </a:gs>
           </a:gsLst>
@@ -15048,42 +12129,50 @@
           <a:gsLst>
             <a:gs pos="0">
               <a:schemeClr val="phClr">
-                <a:tint val="96000"/>
+                <a:satMod val="103000"/>
                 <a:lumMod val="102000"/>
+                <a:tint val="94000"/>
+              </a:schemeClr>
+            </a:gs>
+            <a:gs pos="50000">
+              <a:schemeClr val="phClr">
+                <a:satMod val="110000"/>
+                <a:lumMod val="100000"/>
+                <a:shade val="100000"/>
               </a:schemeClr>
             </a:gs>
             <a:gs pos="100000">
               <a:schemeClr val="phClr">
-                <a:shade val="88000"/>
-                <a:lumMod val="94000"/>
+                <a:lumMod val="99000"/>
+                <a:satMod val="120000"/>
+                <a:shade val="78000"/>
               </a:schemeClr>
             </a:gs>
           </a:gsLst>
-          <a:path path="circle">
-            <a:fillToRect l="50000" t="100000" r="100000" b="50000"/>
-          </a:path>
+          <a:lin ang="5400000" scaled="0"/>
         </a:gradFill>
       </a:fillStyleLst>
       <a:lnStyleLst>
-        <a:ln w="9525" cap="rnd" cmpd="sng" algn="ctr">
-          <a:solidFill>
-            <a:schemeClr val="phClr">
-              <a:tint val="60000"/>
-            </a:schemeClr>
-          </a:solidFill>
-          <a:prstDash val="solid"/>
-        </a:ln>
-        <a:ln w="15875" cap="rnd" cmpd="sng" algn="ctr">
+        <a:ln w="6350" cap="flat" cmpd="sng" algn="ctr">
           <a:solidFill>
             <a:schemeClr val="phClr"/>
           </a:solidFill>
           <a:prstDash val="solid"/>
+          <a:miter lim="800000"/>
         </a:ln>
-        <a:ln w="22225" cap="rnd" cmpd="sng" algn="ctr">
+        <a:ln w="12700" cap="flat" cmpd="sng" algn="ctr">
           <a:solidFill>
             <a:schemeClr val="phClr"/>
           </a:solidFill>
           <a:prstDash val="solid"/>
+          <a:miter lim="800000"/>
+        </a:ln>
+        <a:ln w="19050" cap="flat" cmpd="sng" algn="ctr">
+          <a:solidFill>
+            <a:schemeClr val="phClr"/>
+          </a:solidFill>
+          <a:prstDash val="solid"/>
+          <a:miter lim="800000"/>
         </a:ln>
       </a:lnStyleLst>
       <a:effectStyleLst>
@@ -15091,68 +12180,55 @@
           <a:effectLst/>
         </a:effectStyle>
         <a:effectStyle>
-          <a:effectLst>
-            <a:reflection blurRad="12700" stA="26000" endPos="32000" dist="12700" dir="5400000" sy="-100000" rotWithShape="0"/>
-          </a:effectLst>
+          <a:effectLst/>
         </a:effectStyle>
         <a:effectStyle>
           <a:effectLst>
-            <a:outerShdw blurRad="38100" dist="25400" dir="5400000" rotWithShape="0">
+            <a:outerShdw blurRad="57150" dist="19050" dir="5400000" algn="ctr" rotWithShape="0">
               <a:srgbClr val="000000">
-                <a:alpha val="64000"/>
+                <a:alpha val="63000"/>
               </a:srgbClr>
             </a:outerShdw>
           </a:effectLst>
-          <a:scene3d>
-            <a:camera prst="orthographicFront">
-              <a:rot lat="0" lon="0" rev="0"/>
-            </a:camera>
-            <a:lightRig rig="threePt" dir="tl">
-              <a:rot lat="0" lon="0" rev="1200000"/>
-            </a:lightRig>
-          </a:scene3d>
-          <a:sp3d>
-            <a:bevelT w="25400" h="12700"/>
-          </a:sp3d>
         </a:effectStyle>
       </a:effectStyleLst>
       <a:bgFillStyleLst>
         <a:solidFill>
           <a:schemeClr val="phClr"/>
         </a:solidFill>
+        <a:solidFill>
+          <a:schemeClr val="phClr">
+            <a:tint val="95000"/>
+            <a:satMod val="170000"/>
+          </a:schemeClr>
+        </a:solidFill>
         <a:gradFill rotWithShape="1">
           <a:gsLst>
             <a:gs pos="0">
               <a:schemeClr val="phClr">
-                <a:tint val="90000"/>
-                <a:lumMod val="110000"/>
+                <a:tint val="93000"/>
+                <a:satMod val="150000"/>
+                <a:shade val="98000"/>
+                <a:lumMod val="102000"/>
+              </a:schemeClr>
+            </a:gs>
+            <a:gs pos="50000">
+              <a:schemeClr val="phClr">
+                <a:tint val="98000"/>
+                <a:satMod val="130000"/>
+                <a:shade val="90000"/>
+                <a:lumMod val="103000"/>
               </a:schemeClr>
             </a:gs>
             <a:gs pos="100000">
               <a:schemeClr val="phClr">
-                <a:shade val="64000"/>
-                <a:lumMod val="98000"/>
+                <a:shade val="63000"/>
+                <a:satMod val="120000"/>
               </a:schemeClr>
             </a:gs>
           </a:gsLst>
           <a:lin ang="5400000" scaled="0"/>
         </a:gradFill>
-        <a:blipFill rotWithShape="1">
-          <a:blip xmlns:r="http://schemas.openxmlformats.org/officeDocument/2006/relationships" r:embed="rId1">
-            <a:duotone>
-              <a:schemeClr val="phClr">
-                <a:shade val="76000"/>
-                <a:satMod val="180000"/>
-              </a:schemeClr>
-              <a:schemeClr val="phClr">
-                <a:tint val="80000"/>
-                <a:satMod val="120000"/>
-                <a:lumMod val="180000"/>
-              </a:schemeClr>
-            </a:duotone>
-          </a:blip>
-          <a:stretch/>
-        </a:blipFill>
       </a:bgFillStyleLst>
     </a:fmtScheme>
   </a:themeElements>
@@ -15160,7 +12236,7 @@
   <a:extraClrSchemeLst/>
   <a:extLst>
     <a:ext uri="{05A4C25C-085E-4340-85A3-A5531E510DB2}">
-      <thm15:themeFamily xmlns="" xmlns:thm15="http://schemas.microsoft.com/office/thememl/2012/main" name="Parallax" id="{3388167B-A2EB-4685-9635-1831D9AEF8C4}" vid="{4F7A876A-7598-49CA-AFC8-8EDA2551E4A7}"/>
+      <thm15:themeFamily xmlns:thm15="http://schemas.microsoft.com/office/thememl/2012/main" name="Office Theme" id="{62F939B6-93AF-4DB8-9C6B-D6C7DFDC589F}" vid="{4A3C46E8-61CC-4603-A589-7422A47A8E4A}"/>
     </a:ext>
   </a:extLst>
 </a:theme>
